--- a/resources/Face_Detection.pptx
+++ b/resources/Face_Detection.pptx
@@ -5,25 +5,26 @@
     <p:sldMasterId id="2147483648" r:id="rId1"/>
   </p:sldMasterIdLst>
   <p:sldIdLst>
-    <p:sldId id="257" r:id="rId2"/>
-    <p:sldId id="258" r:id="rId3"/>
-    <p:sldId id="259" r:id="rId4"/>
-    <p:sldId id="260" r:id="rId5"/>
-    <p:sldId id="261" r:id="rId6"/>
-    <p:sldId id="262" r:id="rId7"/>
-    <p:sldId id="263" r:id="rId8"/>
-    <p:sldId id="264" r:id="rId9"/>
-    <p:sldId id="265" r:id="rId10"/>
-    <p:sldId id="266" r:id="rId11"/>
-    <p:sldId id="268" r:id="rId12"/>
-    <p:sldId id="267" r:id="rId13"/>
-    <p:sldId id="269" r:id="rId14"/>
-    <p:sldId id="270" r:id="rId15"/>
-    <p:sldId id="271" r:id="rId16"/>
-    <p:sldId id="272" r:id="rId17"/>
-    <p:sldId id="273" r:id="rId18"/>
-    <p:sldId id="274" r:id="rId19"/>
-    <p:sldId id="275" r:id="rId20"/>
+    <p:sldId id="256" r:id="rId2"/>
+    <p:sldId id="257" r:id="rId3"/>
+    <p:sldId id="258" r:id="rId4"/>
+    <p:sldId id="259" r:id="rId5"/>
+    <p:sldId id="260" r:id="rId6"/>
+    <p:sldId id="261" r:id="rId7"/>
+    <p:sldId id="262" r:id="rId8"/>
+    <p:sldId id="263" r:id="rId9"/>
+    <p:sldId id="264" r:id="rId10"/>
+    <p:sldId id="265" r:id="rId11"/>
+    <p:sldId id="266" r:id="rId12"/>
+    <p:sldId id="268" r:id="rId13"/>
+    <p:sldId id="267" r:id="rId14"/>
+    <p:sldId id="269" r:id="rId15"/>
+    <p:sldId id="270" r:id="rId16"/>
+    <p:sldId id="271" r:id="rId17"/>
+    <p:sldId id="272" r:id="rId18"/>
+    <p:sldId id="273" r:id="rId19"/>
+    <p:sldId id="274" r:id="rId20"/>
+    <p:sldId id="275" r:id="rId21"/>
   </p:sldIdLst>
   <p:sldSz cx="12192000" cy="6858000"/>
   <p:notesSz cx="6858000" cy="9144000"/>
@@ -277,7 +278,7 @@
           <a:p>
             <a:fld id="{0F5CCF07-F4E7-4A5C-B112-EFE166FEBF8F}" type="datetimeFigureOut">
               <a:rPr lang="en-US" smtClean="0"/>
-              <a:t>6/21/2024</a:t>
+              <a:t>6/24/2024</a:t>
             </a:fld>
             <a:endParaRPr lang="en-US"/>
           </a:p>
@@ -475,7 +476,7 @@
           <a:p>
             <a:fld id="{0F5CCF07-F4E7-4A5C-B112-EFE166FEBF8F}" type="datetimeFigureOut">
               <a:rPr lang="en-US" smtClean="0"/>
-              <a:t>6/21/2024</a:t>
+              <a:t>6/24/2024</a:t>
             </a:fld>
             <a:endParaRPr lang="en-US"/>
           </a:p>
@@ -683,7 +684,7 @@
           <a:p>
             <a:fld id="{0F5CCF07-F4E7-4A5C-B112-EFE166FEBF8F}" type="datetimeFigureOut">
               <a:rPr lang="en-US" smtClean="0"/>
-              <a:t>6/21/2024</a:t>
+              <a:t>6/24/2024</a:t>
             </a:fld>
             <a:endParaRPr lang="en-US"/>
           </a:p>
@@ -881,7 +882,7 @@
           <a:p>
             <a:fld id="{0F5CCF07-F4E7-4A5C-B112-EFE166FEBF8F}" type="datetimeFigureOut">
               <a:rPr lang="en-US" smtClean="0"/>
-              <a:t>6/21/2024</a:t>
+              <a:t>6/24/2024</a:t>
             </a:fld>
             <a:endParaRPr lang="en-US"/>
           </a:p>
@@ -1156,7 +1157,7 @@
           <a:p>
             <a:fld id="{0F5CCF07-F4E7-4A5C-B112-EFE166FEBF8F}" type="datetimeFigureOut">
               <a:rPr lang="en-US" smtClean="0"/>
-              <a:t>6/21/2024</a:t>
+              <a:t>6/24/2024</a:t>
             </a:fld>
             <a:endParaRPr lang="en-US"/>
           </a:p>
@@ -1421,7 +1422,7 @@
           <a:p>
             <a:fld id="{0F5CCF07-F4E7-4A5C-B112-EFE166FEBF8F}" type="datetimeFigureOut">
               <a:rPr lang="en-US" smtClean="0"/>
-              <a:t>6/21/2024</a:t>
+              <a:t>6/24/2024</a:t>
             </a:fld>
             <a:endParaRPr lang="en-US"/>
           </a:p>
@@ -1833,7 +1834,7 @@
           <a:p>
             <a:fld id="{0F5CCF07-F4E7-4A5C-B112-EFE166FEBF8F}" type="datetimeFigureOut">
               <a:rPr lang="en-US" smtClean="0"/>
-              <a:t>6/21/2024</a:t>
+              <a:t>6/24/2024</a:t>
             </a:fld>
             <a:endParaRPr lang="en-US"/>
           </a:p>
@@ -1974,7 +1975,7 @@
           <a:p>
             <a:fld id="{0F5CCF07-F4E7-4A5C-B112-EFE166FEBF8F}" type="datetimeFigureOut">
               <a:rPr lang="en-US" smtClean="0"/>
-              <a:t>6/21/2024</a:t>
+              <a:t>6/24/2024</a:t>
             </a:fld>
             <a:endParaRPr lang="en-US"/>
           </a:p>
@@ -2087,7 +2088,7 @@
           <a:p>
             <a:fld id="{0F5CCF07-F4E7-4A5C-B112-EFE166FEBF8F}" type="datetimeFigureOut">
               <a:rPr lang="en-US" smtClean="0"/>
-              <a:t>6/21/2024</a:t>
+              <a:t>6/24/2024</a:t>
             </a:fld>
             <a:endParaRPr lang="en-US"/>
           </a:p>
@@ -2398,7 +2399,7 @@
           <a:p>
             <a:fld id="{0F5CCF07-F4E7-4A5C-B112-EFE166FEBF8F}" type="datetimeFigureOut">
               <a:rPr lang="en-US" smtClean="0"/>
-              <a:t>6/21/2024</a:t>
+              <a:t>6/24/2024</a:t>
             </a:fld>
             <a:endParaRPr lang="en-US"/>
           </a:p>
@@ -2686,7 +2687,7 @@
           <a:p>
             <a:fld id="{0F5CCF07-F4E7-4A5C-B112-EFE166FEBF8F}" type="datetimeFigureOut">
               <a:rPr lang="en-US" smtClean="0"/>
-              <a:t>6/21/2024</a:t>
+              <a:t>6/24/2024</a:t>
             </a:fld>
             <a:endParaRPr lang="en-US"/>
           </a:p>
@@ -2927,7 +2928,7 @@
           <a:p>
             <a:fld id="{0F5CCF07-F4E7-4A5C-B112-EFE166FEBF8F}" type="datetimeFigureOut">
               <a:rPr lang="en-US" smtClean="0"/>
-              <a:t>6/21/2024</a:t>
+              <a:t>6/24/2024</a:t>
             </a:fld>
             <a:endParaRPr lang="en-US"/>
           </a:p>
@@ -3330,20 +3331,6 @@
 <file path=ppt/slides/slide1.xml><?xml version="1.0" encoding="utf-8"?>
 <p:sld xmlns:a="http://schemas.openxmlformats.org/drawingml/2006/main" xmlns:r="http://schemas.openxmlformats.org/officeDocument/2006/relationships" xmlns:p="http://schemas.openxmlformats.org/presentationml/2006/main">
   <p:cSld>
-    <p:bg>
-      <p:bgPr>
-        <a:blipFill dpi="0" rotWithShape="1">
-          <a:blip r:embed="rId2">
-            <a:lum/>
-          </a:blip>
-          <a:srcRect/>
-          <a:stretch>
-            <a:fillRect/>
-          </a:stretch>
-        </a:blipFill>
-        <a:effectLst/>
-      </p:bgPr>
-    </p:bg>
     <p:spTree>
       <p:nvGrpSpPr>
         <p:cNvPr id="1" name=""/>
@@ -3360,10 +3347,10 @@
       </p:grpSpPr>
       <p:sp>
         <p:nvSpPr>
-          <p:cNvPr id="3" name="TextBox 2">
-            <a:extLst>
-              <a:ext uri="{FF2B5EF4-FFF2-40B4-BE49-F238E27FC236}">
-                <a16:creationId xmlns:a16="http://schemas.microsoft.com/office/drawing/2014/main" id="{44587354-D274-94FA-B83F-7BEE93A5120C}"/>
+          <p:cNvPr id="4" name="TextBox 3">
+            <a:extLst>
+              <a:ext uri="{FF2B5EF4-FFF2-40B4-BE49-F238E27FC236}">
+                <a16:creationId xmlns:a16="http://schemas.microsoft.com/office/drawing/2014/main" id="{C527E88A-8374-9CFE-5093-85F1330096FA}"/>
               </a:ext>
             </a:extLst>
           </p:cNvPr>
@@ -3372,8 +3359,132 @@
         </p:nvSpPr>
         <p:spPr>
           <a:xfrm>
-            <a:off x="496956" y="445415"/>
-            <a:ext cx="1789043" cy="523220"/>
+            <a:off x="1020000" y="862639"/>
+            <a:ext cx="10152000" cy="799384"/>
+          </a:xfrm>
+          <a:prstGeom prst="rect">
+            <a:avLst/>
+          </a:prstGeom>
+          <a:noFill/>
+        </p:spPr>
+        <p:txBody>
+          <a:bodyPr wrap="square" rtlCol="0">
+            <a:prstTxWarp prst="textButton">
+              <a:avLst/>
+            </a:prstTxWarp>
+            <a:spAutoFit/>
+          </a:bodyPr>
+          <a:lstStyle/>
+          <a:p>
+            <a:pPr algn="ctr"/>
+            <a:r>
+              <a:rPr lang="en-IN" sz="6600" dirty="0">
+                <a:solidFill>
+                  <a:srgbClr val="2E6C36"/>
+                </a:solidFill>
+                <a:latin typeface="Trebuchet MS" panose="020B0603020202020204" pitchFamily="34" charset="0"/>
+              </a:rPr>
+              <a:t>Devi </a:t>
+            </a:r>
+            <a:r>
+              <a:rPr lang="en-IN" sz="6600" dirty="0" err="1">
+                <a:solidFill>
+                  <a:srgbClr val="2E6C36"/>
+                </a:solidFill>
+                <a:latin typeface="Trebuchet MS" panose="020B0603020202020204" pitchFamily="34" charset="0"/>
+              </a:rPr>
+              <a:t>Ahilya</a:t>
+            </a:r>
+            <a:r>
+              <a:rPr lang="en-IN" sz="6600" dirty="0">
+                <a:solidFill>
+                  <a:srgbClr val="2E6C36"/>
+                </a:solidFill>
+                <a:latin typeface="Trebuchet MS" panose="020B0603020202020204" pitchFamily="34" charset="0"/>
+              </a:rPr>
+              <a:t> </a:t>
+            </a:r>
+            <a:r>
+              <a:rPr lang="en-IN" sz="6600" dirty="0" err="1">
+                <a:solidFill>
+                  <a:srgbClr val="2E6C36"/>
+                </a:solidFill>
+                <a:latin typeface="Trebuchet MS" panose="020B0603020202020204" pitchFamily="34" charset="0"/>
+              </a:rPr>
+              <a:t>Vishwavidhyalya</a:t>
+            </a:r>
+            <a:endParaRPr lang="en-IN" sz="6600" dirty="0">
+              <a:solidFill>
+                <a:srgbClr val="2E6C36"/>
+              </a:solidFill>
+              <a:latin typeface="Trebuchet MS" panose="020B0603020202020204" pitchFamily="34" charset="0"/>
+            </a:endParaRPr>
+          </a:p>
+        </p:txBody>
+      </p:sp>
+      <p:pic>
+        <p:nvPicPr>
+          <p:cNvPr id="1026" name="Picture 2" descr="Devi Ahilya Vishwavidyalaya - Wikipedia">
+            <a:extLst>
+              <a:ext uri="{FF2B5EF4-FFF2-40B4-BE49-F238E27FC236}">
+                <a16:creationId xmlns:a16="http://schemas.microsoft.com/office/drawing/2014/main" id="{A91587E2-38BB-2839-99A3-102B1F4D20A0}"/>
+              </a:ext>
+            </a:extLst>
+          </p:cNvPr>
+          <p:cNvPicPr>
+            <a:picLocks noChangeAspect="1" noChangeArrowheads="1"/>
+          </p:cNvPicPr>
+          <p:nvPr/>
+        </p:nvPicPr>
+        <p:blipFill>
+          <a:blip r:embed="rId2">
+            <a:extLst>
+              <a:ext uri="{28A0092B-C50C-407E-A947-70E740481C1C}">
+                <a14:useLocalDpi xmlns:a14="http://schemas.microsoft.com/office/drawing/2010/main" val="0"/>
+              </a:ext>
+            </a:extLst>
+          </a:blip>
+          <a:srcRect/>
+          <a:stretch>
+            <a:fillRect/>
+          </a:stretch>
+        </p:blipFill>
+        <p:spPr bwMode="auto">
+          <a:xfrm>
+            <a:off x="5059033" y="1191704"/>
+            <a:ext cx="2073934" cy="2073934"/>
+          </a:xfrm>
+          <a:prstGeom prst="rect">
+            <a:avLst/>
+          </a:prstGeom>
+          <a:noFill/>
+          <a:extLst>
+            <a:ext uri="{909E8E84-426E-40DD-AFC4-6F175D3DCCD1}">
+              <a14:hiddenFill xmlns:a14="http://schemas.microsoft.com/office/drawing/2010/main">
+                <a:solidFill>
+                  <a:srgbClr val="FFFFFF"/>
+                </a:solidFill>
+              </a14:hiddenFill>
+            </a:ext>
+          </a:extLst>
+        </p:spPr>
+      </p:pic>
+      <p:sp>
+        <p:nvSpPr>
+          <p:cNvPr id="5" name="TextBox 4">
+            <a:extLst>
+              <a:ext uri="{FF2B5EF4-FFF2-40B4-BE49-F238E27FC236}">
+                <a16:creationId xmlns:a16="http://schemas.microsoft.com/office/drawing/2014/main" id="{1E9E8D11-27FE-DA15-0F3D-7BB524678ABB}"/>
+              </a:ext>
+            </a:extLst>
+          </p:cNvPr>
+          <p:cNvSpPr txBox="1"/>
+          <p:nvPr/>
+        </p:nvSpPr>
+        <p:spPr>
+          <a:xfrm>
+            <a:off x="3002712" y="4908814"/>
+            <a:ext cx="6589144" cy="1015663"/>
           </a:xfrm>
           <a:prstGeom prst="rect">
             <a:avLst/>
@@ -3387,23 +3498,78 @@
           <a:lstStyle/>
           <a:p>
             <a:r>
-              <a:rPr lang="en-US" sz="2800" b="1" dirty="0">
+              <a:rPr lang="en-IN" sz="2000" dirty="0">
                 <a:solidFill>
-                  <a:srgbClr val="02B675"/>
+                  <a:srgbClr val="7030A0"/>
                 </a:solidFill>
-                <a:latin typeface="Arial Rounded MT Bold" panose="020F0704030504030204" pitchFamily="34" charset="0"/>
               </a:rPr>
-              <a:t>Content</a:t>
-            </a:r>
-          </a:p>
-        </p:txBody>
-      </p:sp>
-      <p:sp>
-        <p:nvSpPr>
-          <p:cNvPr id="4" name="TextBox 3">
-            <a:extLst>
-              <a:ext uri="{FF2B5EF4-FFF2-40B4-BE49-F238E27FC236}">
-                <a16:creationId xmlns:a16="http://schemas.microsoft.com/office/drawing/2014/main" id="{F8EE9E27-AC27-BE28-A536-13EDC8432222}"/>
+              <a:t>Department</a:t>
+            </a:r>
+            <a:r>
+              <a:rPr lang="en-IN" sz="2000" dirty="0"/>
+              <a:t>  :  </a:t>
+            </a:r>
+            <a:r>
+              <a:rPr lang="en-IN" sz="2000" dirty="0">
+                <a:solidFill>
+                  <a:srgbClr val="FF0000"/>
+                </a:solidFill>
+              </a:rPr>
+              <a:t>School of Statistics</a:t>
+            </a:r>
+          </a:p>
+          <a:p>
+            <a:r>
+              <a:rPr lang="en-IN" sz="2000" dirty="0">
+                <a:solidFill>
+                  <a:srgbClr val="7030A0"/>
+                </a:solidFill>
+              </a:rPr>
+              <a:t>Course</a:t>
+            </a:r>
+            <a:r>
+              <a:rPr lang="en-IN" sz="2000" dirty="0"/>
+              <a:t>           :  </a:t>
+            </a:r>
+            <a:r>
+              <a:rPr lang="en-IN" sz="2000" dirty="0">
+                <a:solidFill>
+                  <a:srgbClr val="FF0000"/>
+                </a:solidFill>
+              </a:rPr>
+              <a:t>B.Sc.(Hons) in Applied Statistics and Analytics</a:t>
+            </a:r>
+          </a:p>
+          <a:p>
+            <a:r>
+              <a:rPr lang="en-IN" sz="2000" dirty="0">
+                <a:solidFill>
+                  <a:srgbClr val="7030A0"/>
+                </a:solidFill>
+              </a:rPr>
+              <a:t>Semester</a:t>
+            </a:r>
+            <a:r>
+              <a:rPr lang="en-IN" sz="2000" dirty="0"/>
+              <a:t>       :  </a:t>
+            </a:r>
+            <a:r>
+              <a:rPr lang="en-IN" sz="2000" dirty="0">
+                <a:solidFill>
+                  <a:srgbClr val="FF0000"/>
+                </a:solidFill>
+              </a:rPr>
+              <a:t>6</a:t>
+            </a:r>
+          </a:p>
+        </p:txBody>
+      </p:sp>
+      <p:sp>
+        <p:nvSpPr>
+          <p:cNvPr id="6" name="TextBox 5">
+            <a:extLst>
+              <a:ext uri="{FF2B5EF4-FFF2-40B4-BE49-F238E27FC236}">
+                <a16:creationId xmlns:a16="http://schemas.microsoft.com/office/drawing/2014/main" id="{85231CCC-6E29-2564-50A9-50458E810990}"/>
               </a:ext>
             </a:extLst>
           </p:cNvPr>
@@ -3412,8 +3578,8 @@
         </p:nvSpPr>
         <p:spPr>
           <a:xfrm>
-            <a:off x="2057400" y="3512691"/>
-            <a:ext cx="1401417" cy="369332"/>
+            <a:off x="6630119" y="6148704"/>
+            <a:ext cx="5164347" cy="400110"/>
           </a:xfrm>
           <a:prstGeom prst="rect">
             <a:avLst/>
@@ -3426,433 +3592,81 @@
           </a:bodyPr>
           <a:lstStyle/>
           <a:p>
-            <a:r>
-              <a:rPr lang="en-US" b="1" dirty="0">
+            <a:pPr algn="r"/>
+            <a:r>
+              <a:rPr lang="en-IN" sz="2000" dirty="0">
+                <a:solidFill>
+                  <a:srgbClr val="00B0F0"/>
+                </a:solidFill>
+                <a:latin typeface="Sitka Banner" pitchFamily="2" charset="0"/>
+              </a:rPr>
+              <a:t>Presentation By :	</a:t>
+            </a:r>
+            <a:r>
+              <a:rPr lang="en-IN" sz="2000" dirty="0">
+                <a:solidFill>
+                  <a:srgbClr val="00B0F0"/>
+                </a:solidFill>
+                <a:latin typeface="Sitka Banner Semibold" pitchFamily="2" charset="0"/>
+              </a:rPr>
+              <a:t>Utkarsh Sen </a:t>
+            </a:r>
+            <a:r>
+              <a:rPr lang="en-IN" sz="1600" b="1" dirty="0">
+                <a:solidFill>
+                  <a:srgbClr val="00B0F0"/>
+                </a:solidFill>
+                <a:latin typeface="Cambria Math" panose="02040503050406030204" pitchFamily="18" charset="0"/>
+                <a:ea typeface="Cambria Math" panose="02040503050406030204" pitchFamily="18" charset="0"/>
+              </a:rPr>
+              <a:t>(ST4A-2106)</a:t>
+            </a:r>
+            <a:endParaRPr lang="en-IN" sz="2000" b="1" dirty="0">
+              <a:solidFill>
+                <a:srgbClr val="00B0F0"/>
+              </a:solidFill>
+              <a:latin typeface="Cambria Math" panose="02040503050406030204" pitchFamily="18" charset="0"/>
+              <a:ea typeface="Cambria Math" panose="02040503050406030204" pitchFamily="18" charset="0"/>
+            </a:endParaRPr>
+          </a:p>
+        </p:txBody>
+      </p:sp>
+      <p:sp>
+        <p:nvSpPr>
+          <p:cNvPr id="2" name="TextBox 1">
+            <a:extLst>
+              <a:ext uri="{FF2B5EF4-FFF2-40B4-BE49-F238E27FC236}">
+                <a16:creationId xmlns:a16="http://schemas.microsoft.com/office/drawing/2014/main" id="{8DFF36D2-C438-3E35-66D1-A25F7135150D}"/>
+              </a:ext>
+            </a:extLst>
+          </p:cNvPr>
+          <p:cNvSpPr txBox="1"/>
+          <p:nvPr/>
+        </p:nvSpPr>
+        <p:spPr>
+          <a:xfrm>
+            <a:off x="3082506" y="3305199"/>
+            <a:ext cx="5762444" cy="1200329"/>
+          </a:xfrm>
+          <a:prstGeom prst="rect">
+            <a:avLst/>
+          </a:prstGeom>
+          <a:noFill/>
+        </p:spPr>
+        <p:txBody>
+          <a:bodyPr wrap="square" rtlCol="0">
+            <a:spAutoFit/>
+          </a:bodyPr>
+          <a:lstStyle/>
+          <a:p>
+            <a:pPr algn="ctr"/>
+            <a:r>
+              <a:rPr lang="en-IN" sz="3600" b="1" dirty="0">
                 <a:solidFill>
                   <a:srgbClr val="02B675"/>
                 </a:solidFill>
               </a:rPr>
-              <a:t>Introduction</a:t>
-            </a:r>
-          </a:p>
-        </p:txBody>
-      </p:sp>
-      <p:sp>
-        <p:nvSpPr>
-          <p:cNvPr id="5" name="TextBox 4">
-            <a:extLst>
-              <a:ext uri="{FF2B5EF4-FFF2-40B4-BE49-F238E27FC236}">
-                <a16:creationId xmlns:a16="http://schemas.microsoft.com/office/drawing/2014/main" id="{9E40CB24-415D-184A-55EC-8204E4990424}"/>
-              </a:ext>
-            </a:extLst>
-          </p:cNvPr>
-          <p:cNvSpPr txBox="1"/>
-          <p:nvPr/>
-        </p:nvSpPr>
-        <p:spPr>
-          <a:xfrm>
-            <a:off x="8786191" y="4780722"/>
-            <a:ext cx="1331844" cy="369332"/>
-          </a:xfrm>
-          <a:prstGeom prst="rect">
-            <a:avLst/>
-          </a:prstGeom>
-          <a:noFill/>
-        </p:spPr>
-        <p:txBody>
-          <a:bodyPr wrap="square" rtlCol="0">
-            <a:spAutoFit/>
-          </a:bodyPr>
-          <a:lstStyle/>
-          <a:p>
-            <a:r>
-              <a:rPr lang="en-US" b="1" dirty="0">
-                <a:solidFill>
-                  <a:srgbClr val="FFC97F"/>
-                </a:solidFill>
-              </a:rPr>
-              <a:t>Conclusion</a:t>
-            </a:r>
-          </a:p>
-        </p:txBody>
-      </p:sp>
-      <p:sp>
-        <p:nvSpPr>
-          <p:cNvPr id="6" name="TextBox 5">
-            <a:extLst>
-              <a:ext uri="{FF2B5EF4-FFF2-40B4-BE49-F238E27FC236}">
-                <a16:creationId xmlns:a16="http://schemas.microsoft.com/office/drawing/2014/main" id="{AE502A01-E8DD-6180-93A3-CB0D70CB3ECC}"/>
-              </a:ext>
-            </a:extLst>
-          </p:cNvPr>
-          <p:cNvSpPr txBox="1"/>
-          <p:nvPr/>
-        </p:nvSpPr>
-        <p:spPr>
-          <a:xfrm>
-            <a:off x="6185451" y="3499152"/>
-            <a:ext cx="2256180" cy="646331"/>
-          </a:xfrm>
-          <a:prstGeom prst="rect">
-            <a:avLst/>
-          </a:prstGeom>
-          <a:noFill/>
-        </p:spPr>
-        <p:txBody>
-          <a:bodyPr wrap="square" rtlCol="0">
-            <a:spAutoFit/>
-          </a:bodyPr>
-          <a:lstStyle/>
-          <a:p>
-            <a:r>
-              <a:rPr lang="en-US" b="1" dirty="0">
-                <a:solidFill>
-                  <a:srgbClr val="02B675"/>
-                </a:solidFill>
-              </a:rPr>
-              <a:t>Face Detection and Model Deployment</a:t>
-            </a:r>
-          </a:p>
-        </p:txBody>
-      </p:sp>
-      <p:sp>
-        <p:nvSpPr>
-          <p:cNvPr id="7" name="TextBox 6">
-            <a:extLst>
-              <a:ext uri="{FF2B5EF4-FFF2-40B4-BE49-F238E27FC236}">
-                <a16:creationId xmlns:a16="http://schemas.microsoft.com/office/drawing/2014/main" id="{A0356709-F8B9-81FE-AEA2-B32356DCD726}"/>
-              </a:ext>
-            </a:extLst>
-          </p:cNvPr>
-          <p:cNvSpPr txBox="1"/>
-          <p:nvPr/>
-        </p:nvSpPr>
-        <p:spPr>
-          <a:xfrm>
-            <a:off x="6301407" y="968635"/>
-            <a:ext cx="1928191" cy="369332"/>
-          </a:xfrm>
-          <a:prstGeom prst="rect">
-            <a:avLst/>
-          </a:prstGeom>
-          <a:noFill/>
-        </p:spPr>
-        <p:txBody>
-          <a:bodyPr wrap="square" rtlCol="0">
-            <a:spAutoFit/>
-          </a:bodyPr>
-          <a:lstStyle/>
-          <a:p>
-            <a:r>
-              <a:rPr lang="en-US" b="1" dirty="0">
-                <a:solidFill>
-                  <a:srgbClr val="02B675"/>
-                </a:solidFill>
-              </a:rPr>
-              <a:t>Data Description</a:t>
-            </a:r>
-          </a:p>
-        </p:txBody>
-      </p:sp>
-      <p:sp>
-        <p:nvSpPr>
-          <p:cNvPr id="8" name="TextBox 7">
-            <a:extLst>
-              <a:ext uri="{FF2B5EF4-FFF2-40B4-BE49-F238E27FC236}">
-                <a16:creationId xmlns:a16="http://schemas.microsoft.com/office/drawing/2014/main" id="{8093A2F7-BE56-8791-7A7D-15389EDAE07C}"/>
-              </a:ext>
-            </a:extLst>
-          </p:cNvPr>
-          <p:cNvSpPr txBox="1"/>
-          <p:nvPr/>
-        </p:nvSpPr>
-        <p:spPr>
-          <a:xfrm>
-            <a:off x="8229598" y="2231121"/>
-            <a:ext cx="2256180" cy="646331"/>
-          </a:xfrm>
-          <a:prstGeom prst="rect">
-            <a:avLst/>
-          </a:prstGeom>
-          <a:noFill/>
-        </p:spPr>
-        <p:txBody>
-          <a:bodyPr wrap="square" rtlCol="0">
-            <a:spAutoFit/>
-          </a:bodyPr>
-          <a:lstStyle/>
-          <a:p>
-            <a:pPr algn="ctr"/>
-            <a:r>
-              <a:rPr lang="en-US" b="1" dirty="0">
-                <a:solidFill>
-                  <a:srgbClr val="FFC97F"/>
-                </a:solidFill>
-              </a:rPr>
-              <a:t>Neural Network Model</a:t>
-            </a:r>
-          </a:p>
-        </p:txBody>
-      </p:sp>
-      <p:sp>
-        <p:nvSpPr>
-          <p:cNvPr id="10" name="TextBox 9">
-            <a:extLst>
-              <a:ext uri="{FF2B5EF4-FFF2-40B4-BE49-F238E27FC236}">
-                <a16:creationId xmlns:a16="http://schemas.microsoft.com/office/drawing/2014/main" id="{847C2410-A68C-F3D0-660F-587D58FFAAE2}"/>
-              </a:ext>
-            </a:extLst>
-          </p:cNvPr>
-          <p:cNvSpPr txBox="1"/>
-          <p:nvPr/>
-        </p:nvSpPr>
-        <p:spPr>
-          <a:xfrm>
-            <a:off x="4174435" y="2231121"/>
-            <a:ext cx="1792357" cy="369332"/>
-          </a:xfrm>
-          <a:prstGeom prst="rect">
-            <a:avLst/>
-          </a:prstGeom>
-          <a:noFill/>
-        </p:spPr>
-        <p:txBody>
-          <a:bodyPr wrap="square" rtlCol="0">
-            <a:spAutoFit/>
-          </a:bodyPr>
-          <a:lstStyle/>
-          <a:p>
-            <a:r>
-              <a:rPr lang="en-US" b="1" dirty="0">
-                <a:solidFill>
-                  <a:srgbClr val="FFC97F"/>
-                </a:solidFill>
-              </a:rPr>
-              <a:t>Background</a:t>
-            </a:r>
-          </a:p>
-        </p:txBody>
-      </p:sp>
-      <p:sp>
-        <p:nvSpPr>
-          <p:cNvPr id="11" name="TextBox 10">
-            <a:extLst>
-              <a:ext uri="{FF2B5EF4-FFF2-40B4-BE49-F238E27FC236}">
-                <a16:creationId xmlns:a16="http://schemas.microsoft.com/office/drawing/2014/main" id="{F10739F4-63D9-D9D2-4018-030FC8566A6E}"/>
-              </a:ext>
-            </a:extLst>
-          </p:cNvPr>
-          <p:cNvSpPr txBox="1"/>
-          <p:nvPr/>
-        </p:nvSpPr>
-        <p:spPr>
-          <a:xfrm>
-            <a:off x="1749287" y="3949725"/>
-            <a:ext cx="2345635" cy="1200329"/>
-          </a:xfrm>
-          <a:prstGeom prst="rect">
-            <a:avLst/>
-          </a:prstGeom>
-          <a:noFill/>
-        </p:spPr>
-        <p:txBody>
-          <a:bodyPr wrap="square" rtlCol="0">
-            <a:spAutoFit/>
-          </a:bodyPr>
-          <a:lstStyle/>
-          <a:p>
-            <a:r>
-              <a:rPr lang="en-US" dirty="0"/>
-              <a:t>Understanding the problem statement and objectives of the project.</a:t>
-            </a:r>
-          </a:p>
-        </p:txBody>
-      </p:sp>
-      <p:sp>
-        <p:nvSpPr>
-          <p:cNvPr id="12" name="TextBox 11">
-            <a:extLst>
-              <a:ext uri="{FF2B5EF4-FFF2-40B4-BE49-F238E27FC236}">
-                <a16:creationId xmlns:a16="http://schemas.microsoft.com/office/drawing/2014/main" id="{244338D5-14C1-3E2C-E2B6-9653DA5D8AE5}"/>
-              </a:ext>
-            </a:extLst>
-          </p:cNvPr>
-          <p:cNvSpPr txBox="1"/>
-          <p:nvPr/>
-        </p:nvSpPr>
-        <p:spPr>
-          <a:xfrm>
-            <a:off x="4045224" y="2828835"/>
-            <a:ext cx="2100470" cy="1200329"/>
-          </a:xfrm>
-          <a:prstGeom prst="rect">
-            <a:avLst/>
-          </a:prstGeom>
-          <a:noFill/>
-        </p:spPr>
-        <p:txBody>
-          <a:bodyPr wrap="square" rtlCol="0">
-            <a:spAutoFit/>
-          </a:bodyPr>
-          <a:lstStyle/>
-          <a:p>
-            <a:r>
-              <a:rPr lang="en-US" dirty="0"/>
-              <a:t>Getting the gist of deep Learning activation functions, CNN and so on.</a:t>
-            </a:r>
-          </a:p>
-        </p:txBody>
-      </p:sp>
-      <p:sp>
-        <p:nvSpPr>
-          <p:cNvPr id="13" name="TextBox 12">
-            <a:extLst>
-              <a:ext uri="{FF2B5EF4-FFF2-40B4-BE49-F238E27FC236}">
-                <a16:creationId xmlns:a16="http://schemas.microsoft.com/office/drawing/2014/main" id="{75312A2C-9EFE-BF63-3896-42D3CBB19855}"/>
-              </a:ext>
-            </a:extLst>
-          </p:cNvPr>
-          <p:cNvSpPr txBox="1"/>
-          <p:nvPr/>
-        </p:nvSpPr>
-        <p:spPr>
-          <a:xfrm>
-            <a:off x="5966792" y="1609421"/>
-            <a:ext cx="2673622" cy="923330"/>
-          </a:xfrm>
-          <a:prstGeom prst="rect">
-            <a:avLst/>
-          </a:prstGeom>
-          <a:noFill/>
-        </p:spPr>
-        <p:txBody>
-          <a:bodyPr wrap="square" rtlCol="0">
-            <a:spAutoFit/>
-          </a:bodyPr>
-          <a:lstStyle/>
-          <a:p>
-            <a:r>
-              <a:rPr lang="en-US" dirty="0"/>
-              <a:t>First-hand understanding of the data and various labels.</a:t>
-            </a:r>
-          </a:p>
-        </p:txBody>
-      </p:sp>
-      <p:sp>
-        <p:nvSpPr>
-          <p:cNvPr id="16" name="TextBox 15">
-            <a:extLst>
-              <a:ext uri="{FF2B5EF4-FFF2-40B4-BE49-F238E27FC236}">
-                <a16:creationId xmlns:a16="http://schemas.microsoft.com/office/drawing/2014/main" id="{59D01506-5B7D-BE05-A95A-CAD97B9FFA4F}"/>
-              </a:ext>
-            </a:extLst>
-          </p:cNvPr>
-          <p:cNvSpPr txBox="1"/>
-          <p:nvPr/>
-        </p:nvSpPr>
-        <p:spPr>
-          <a:xfrm>
-            <a:off x="6223550" y="4145483"/>
-            <a:ext cx="2083904" cy="1477328"/>
-          </a:xfrm>
-          <a:prstGeom prst="rect">
-            <a:avLst/>
-          </a:prstGeom>
-          <a:noFill/>
-        </p:spPr>
-        <p:txBody>
-          <a:bodyPr wrap="square" rtlCol="0">
-            <a:spAutoFit/>
-          </a:bodyPr>
-          <a:lstStyle/>
-          <a:p>
-            <a:r>
-              <a:rPr lang="en-US" dirty="0"/>
-              <a:t>Extracting face from the image using </a:t>
-            </a:r>
-            <a:r>
-              <a:rPr lang="en-US" dirty="0" err="1"/>
-              <a:t>Haar</a:t>
-            </a:r>
-            <a:r>
-              <a:rPr lang="en-US" dirty="0"/>
-              <a:t> Cascade. Deploying model </a:t>
-            </a:r>
-          </a:p>
-          <a:p>
-            <a:r>
-              <a:rPr lang="en-US" dirty="0"/>
-              <a:t>   on the web.</a:t>
-            </a:r>
-          </a:p>
-        </p:txBody>
-      </p:sp>
-      <p:sp>
-        <p:nvSpPr>
-          <p:cNvPr id="17" name="TextBox 16">
-            <a:extLst>
-              <a:ext uri="{FF2B5EF4-FFF2-40B4-BE49-F238E27FC236}">
-                <a16:creationId xmlns:a16="http://schemas.microsoft.com/office/drawing/2014/main" id="{EDA5EF87-F5ED-2142-73EC-9C327458602C}"/>
-              </a:ext>
-            </a:extLst>
-          </p:cNvPr>
-          <p:cNvSpPr txBox="1"/>
-          <p:nvPr/>
-        </p:nvSpPr>
-        <p:spPr>
-          <a:xfrm>
-            <a:off x="8441631" y="2905757"/>
-            <a:ext cx="1885126" cy="923330"/>
-          </a:xfrm>
-          <a:prstGeom prst="rect">
-            <a:avLst/>
-          </a:prstGeom>
-          <a:noFill/>
-        </p:spPr>
-        <p:txBody>
-          <a:bodyPr wrap="square" rtlCol="0">
-            <a:spAutoFit/>
-          </a:bodyPr>
-          <a:lstStyle/>
-          <a:p>
-            <a:r>
-              <a:rPr lang="en-US" dirty="0"/>
-              <a:t>Building, Training, Evaluating, and Testing model. </a:t>
-            </a:r>
-          </a:p>
-        </p:txBody>
-      </p:sp>
-      <p:sp>
-        <p:nvSpPr>
-          <p:cNvPr id="18" name="TextBox 17">
-            <a:extLst>
-              <a:ext uri="{FF2B5EF4-FFF2-40B4-BE49-F238E27FC236}">
-                <a16:creationId xmlns:a16="http://schemas.microsoft.com/office/drawing/2014/main" id="{43A4B601-6C48-D614-B147-3667450C9FB0}"/>
-              </a:ext>
-            </a:extLst>
-          </p:cNvPr>
-          <p:cNvSpPr txBox="1"/>
-          <p:nvPr/>
-        </p:nvSpPr>
-        <p:spPr>
-          <a:xfrm>
-            <a:off x="8328994" y="5248579"/>
-            <a:ext cx="2256180" cy="1200329"/>
-          </a:xfrm>
-          <a:prstGeom prst="rect">
-            <a:avLst/>
-          </a:prstGeom>
-          <a:noFill/>
-        </p:spPr>
-        <p:txBody>
-          <a:bodyPr wrap="square" rtlCol="0">
-            <a:spAutoFit/>
-          </a:bodyPr>
-          <a:lstStyle/>
-          <a:p>
-            <a:r>
-              <a:rPr lang="en-US" dirty="0"/>
-              <a:t>Drawbacks, Applications, and Future aspects of the model.</a:t>
+              <a:t>Facial Emotion Recognition Using Deep Learning</a:t>
             </a:r>
           </a:p>
         </p:txBody>
@@ -3860,7 +3674,7 @@
     </p:spTree>
     <p:extLst>
       <p:ext uri="{BB962C8B-B14F-4D97-AF65-F5344CB8AC3E}">
-        <p14:creationId xmlns:p14="http://schemas.microsoft.com/office/powerpoint/2010/main" val="4095185493"/>
+        <p14:creationId xmlns:p14="http://schemas.microsoft.com/office/powerpoint/2010/main" val="1191394550"/>
       </p:ext>
     </p:extLst>
   </p:cSld>
@@ -3906,7 +3720,7 @@
           <p:cNvPr id="2" name="TextBox 1">
             <a:extLst>
               <a:ext uri="{FF2B5EF4-FFF2-40B4-BE49-F238E27FC236}">
-                <a16:creationId xmlns:a16="http://schemas.microsoft.com/office/drawing/2014/main" id="{EF7FB36C-F772-DCDA-01E3-C4F7AAB9F669}"/>
+                <a16:creationId xmlns:a16="http://schemas.microsoft.com/office/drawing/2014/main" id="{0340B7ED-A0DF-2A4A-2D9D-5DE843E86556}"/>
               </a:ext>
             </a:extLst>
           </p:cNvPr>
@@ -3915,8 +3729,8 @@
         </p:nvSpPr>
         <p:spPr>
           <a:xfrm>
-            <a:off x="168964" y="258417"/>
-            <a:ext cx="2733261" cy="461665"/>
+            <a:off x="54666" y="338796"/>
+            <a:ext cx="4532243" cy="461665"/>
           </a:xfrm>
           <a:prstGeom prst="rect">
             <a:avLst/>
@@ -3934,19 +3748,53 @@
                 <a:solidFill>
                   <a:srgbClr val="02B675"/>
                 </a:solidFill>
-                <a:latin typeface="Arial Rounded MT Bold" panose="020F0704030504030204" pitchFamily="34" charset="0"/>
               </a:rPr>
-              <a:t>Data Description</a:t>
+              <a:t>Convolution Neural Network</a:t>
+            </a:r>
+          </a:p>
+        </p:txBody>
+      </p:sp>
+      <p:sp>
+        <p:nvSpPr>
+          <p:cNvPr id="4" name="TextBox 3">
+            <a:extLst>
+              <a:ext uri="{FF2B5EF4-FFF2-40B4-BE49-F238E27FC236}">
+                <a16:creationId xmlns:a16="http://schemas.microsoft.com/office/drawing/2014/main" id="{86669E31-07FF-EEBB-6055-975B8FD9666C}"/>
+              </a:ext>
+            </a:extLst>
+          </p:cNvPr>
+          <p:cNvSpPr txBox="1"/>
+          <p:nvPr/>
+        </p:nvSpPr>
+        <p:spPr>
+          <a:xfrm>
+            <a:off x="5213074" y="603137"/>
+            <a:ext cx="2335696" cy="400110"/>
+          </a:xfrm>
+          <a:prstGeom prst="rect">
+            <a:avLst/>
+          </a:prstGeom>
+          <a:noFill/>
+        </p:spPr>
+        <p:txBody>
+          <a:bodyPr wrap="square" rtlCol="0">
+            <a:spAutoFit/>
+          </a:bodyPr>
+          <a:lstStyle/>
+          <a:p>
+            <a:r>
+              <a:rPr lang="en-US" sz="2000" b="1" dirty="0"/>
+              <a:t>Key Components:</a:t>
             </a:r>
           </a:p>
         </p:txBody>
       </p:sp>
       <p:pic>
         <p:nvPicPr>
-          <p:cNvPr id="4" name="Picture 3">
-            <a:extLst>
-              <a:ext uri="{FF2B5EF4-FFF2-40B4-BE49-F238E27FC236}">
-                <a16:creationId xmlns:a16="http://schemas.microsoft.com/office/drawing/2014/main" id="{FF281819-1DCE-287E-572B-36CCF9154430}"/>
+          <p:cNvPr id="6" name="Picture 5">
+            <a:extLst>
+              <a:ext uri="{FF2B5EF4-FFF2-40B4-BE49-F238E27FC236}">
+                <a16:creationId xmlns:a16="http://schemas.microsoft.com/office/drawing/2014/main" id="{2610447E-8A0F-7839-FEA1-042EAC3F3007}"/>
               </a:ext>
             </a:extLst>
           </p:cNvPr>
@@ -3969,8 +3817,8 @@
         </p:blipFill>
         <p:spPr>
           <a:xfrm>
-            <a:off x="8082737" y="3687417"/>
-            <a:ext cx="2948154" cy="2017643"/>
+            <a:off x="5213074" y="2505503"/>
+            <a:ext cx="3115917" cy="1404597"/>
           </a:xfrm>
           <a:prstGeom prst="rect">
             <a:avLst/>
@@ -3979,10 +3827,10 @@
       </p:pic>
       <p:pic>
         <p:nvPicPr>
-          <p:cNvPr id="6" name="Picture 5">
-            <a:extLst>
-              <a:ext uri="{FF2B5EF4-FFF2-40B4-BE49-F238E27FC236}">
-                <a16:creationId xmlns:a16="http://schemas.microsoft.com/office/drawing/2014/main" id="{385C0581-D651-83B5-A6BD-144737DA2F53}"/>
+          <p:cNvPr id="8" name="Picture 7">
+            <a:extLst>
+              <a:ext uri="{FF2B5EF4-FFF2-40B4-BE49-F238E27FC236}">
+                <a16:creationId xmlns:a16="http://schemas.microsoft.com/office/drawing/2014/main" id="{FFA94908-0970-9250-4446-A626A1901666}"/>
               </a:ext>
             </a:extLst>
           </p:cNvPr>
@@ -3991,7 +3839,7 @@
           </p:cNvPicPr>
           <p:nvPr/>
         </p:nvPicPr>
-        <p:blipFill rotWithShape="1">
+        <p:blipFill>
           <a:blip r:embed="rId4">
             <a:extLst>
               <a:ext uri="{28A0092B-C50C-407E-A947-70E740481C1C}">
@@ -3999,228 +3847,248 @@
               </a:ext>
             </a:extLst>
           </a:blip>
-          <a:srcRect t="6164" r="57281"/>
-          <a:stretch/>
+          <a:stretch>
+            <a:fillRect/>
+          </a:stretch>
         </p:blipFill>
         <p:spPr>
           <a:xfrm>
-            <a:off x="1413389" y="3483038"/>
-            <a:ext cx="2816574" cy="2426400"/>
+            <a:off x="9233453" y="2505503"/>
+            <a:ext cx="2588316" cy="1620965"/>
           </a:xfrm>
           <a:prstGeom prst="rect">
             <a:avLst/>
           </a:prstGeom>
         </p:spPr>
       </p:pic>
-      <p:pic>
-        <p:nvPicPr>
-          <p:cNvPr id="7" name="Picture 6">
-            <a:extLst>
-              <a:ext uri="{FF2B5EF4-FFF2-40B4-BE49-F238E27FC236}">
-                <a16:creationId xmlns:a16="http://schemas.microsoft.com/office/drawing/2014/main" id="{2F16545C-6E9F-24B2-28B1-76BC1189FDD4}"/>
-              </a:ext>
-            </a:extLst>
-          </p:cNvPr>
-          <p:cNvPicPr>
-            <a:picLocks noChangeAspect="1"/>
-          </p:cNvPicPr>
+      <p:sp>
+        <p:nvSpPr>
+          <p:cNvPr id="9" name="Rectangle: Diagonal Corners Snipped 8">
+            <a:extLst>
+              <a:ext uri="{FF2B5EF4-FFF2-40B4-BE49-F238E27FC236}">
+                <a16:creationId xmlns:a16="http://schemas.microsoft.com/office/drawing/2014/main" id="{5A3D4C8C-6FD9-38CC-94FA-3C5D2D81424B}"/>
+              </a:ext>
+            </a:extLst>
+          </p:cNvPr>
+          <p:cNvSpPr/>
           <p:nvPr/>
-        </p:nvPicPr>
-        <p:blipFill rotWithShape="1">
-          <a:blip r:embed="rId4">
-            <a:extLst>
-              <a:ext uri="{28A0092B-C50C-407E-A947-70E740481C1C}">
-                <a14:useLocalDpi xmlns:a14="http://schemas.microsoft.com/office/drawing/2010/main" val="0"/>
-              </a:ext>
-            </a:extLst>
-          </a:blip>
-          <a:srcRect l="57343" t="7577"/>
-          <a:stretch/>
-        </p:blipFill>
-        <p:spPr>
-          <a:xfrm>
-            <a:off x="4669339" y="3428999"/>
-            <a:ext cx="2853322" cy="2424573"/>
-          </a:xfrm>
-          <a:prstGeom prst="rect">
-            <a:avLst/>
-          </a:prstGeom>
-        </p:spPr>
-      </p:pic>
-      <p:sp>
-        <p:nvSpPr>
-          <p:cNvPr id="8" name="TextBox 7">
-            <a:extLst>
-              <a:ext uri="{FF2B5EF4-FFF2-40B4-BE49-F238E27FC236}">
-                <a16:creationId xmlns:a16="http://schemas.microsoft.com/office/drawing/2014/main" id="{92E6A322-5156-E154-6663-2E66FAEE7A61}"/>
-              </a:ext>
-            </a:extLst>
-          </p:cNvPr>
-          <p:cNvSpPr txBox="1"/>
+        </p:nvSpPr>
+        <p:spPr>
+          <a:xfrm>
+            <a:off x="5466522" y="1455729"/>
+            <a:ext cx="1967948" cy="683194"/>
+          </a:xfrm>
+          <a:prstGeom prst="snip2DiagRect">
+            <a:avLst/>
+          </a:prstGeom>
+          <a:solidFill>
+            <a:srgbClr val="01B473"/>
+          </a:solidFill>
+        </p:spPr>
+        <p:style>
+          <a:lnRef idx="2">
+            <a:schemeClr val="accent6">
+              <a:shade val="15000"/>
+            </a:schemeClr>
+          </a:lnRef>
+          <a:fillRef idx="1">
+            <a:schemeClr val="accent6"/>
+          </a:fillRef>
+          <a:effectRef idx="0">
+            <a:schemeClr val="accent6"/>
+          </a:effectRef>
+          <a:fontRef idx="minor">
+            <a:schemeClr val="lt1"/>
+          </a:fontRef>
+        </p:style>
+        <p:txBody>
+          <a:bodyPr rtlCol="0" anchor="ctr"/>
+          <a:lstStyle/>
+          <a:p>
+            <a:pPr algn="ctr"/>
+            <a:r>
+              <a:rPr lang="en-US" dirty="0">
+                <a:solidFill>
+                  <a:schemeClr val="tx1"/>
+                </a:solidFill>
+              </a:rPr>
+              <a:t>Convolutional Layers</a:t>
+            </a:r>
+          </a:p>
+        </p:txBody>
+      </p:sp>
+      <p:sp>
+        <p:nvSpPr>
+          <p:cNvPr id="10" name="Rectangle: Diagonal Corners Snipped 9">
+            <a:extLst>
+              <a:ext uri="{FF2B5EF4-FFF2-40B4-BE49-F238E27FC236}">
+                <a16:creationId xmlns:a16="http://schemas.microsoft.com/office/drawing/2014/main" id="{AAE22856-7B5B-DFCB-3653-EB58DD44D7E2}"/>
+              </a:ext>
+            </a:extLst>
+          </p:cNvPr>
+          <p:cNvSpPr/>
           <p:nvPr/>
         </p:nvSpPr>
         <p:spPr>
           <a:xfrm>
-            <a:off x="1535594" y="2587336"/>
-            <a:ext cx="2288261" cy="646331"/>
-          </a:xfrm>
-          <a:prstGeom prst="rect">
-            <a:avLst/>
-          </a:prstGeom>
-          <a:noFill/>
-        </p:spPr>
-        <p:txBody>
-          <a:bodyPr wrap="square" rtlCol="0">
-            <a:spAutoFit/>
-          </a:bodyPr>
-          <a:lstStyle/>
-          <a:p>
-            <a:r>
-              <a:rPr lang="en-US" b="1" dirty="0"/>
-              <a:t>Training Set: </a:t>
-            </a:r>
-            <a:r>
-              <a:rPr lang="en-US" dirty="0"/>
-              <a:t>28,821 images</a:t>
-            </a:r>
-          </a:p>
-        </p:txBody>
-      </p:sp>
-      <p:sp>
-        <p:nvSpPr>
-          <p:cNvPr id="9" name="TextBox 8">
-            <a:extLst>
-              <a:ext uri="{FF2B5EF4-FFF2-40B4-BE49-F238E27FC236}">
-                <a16:creationId xmlns:a16="http://schemas.microsoft.com/office/drawing/2014/main" id="{063CE774-36A8-52A5-1370-E54C619EE74D}"/>
-              </a:ext>
-            </a:extLst>
-          </p:cNvPr>
-          <p:cNvSpPr txBox="1"/>
+            <a:off x="9233453" y="1450876"/>
+            <a:ext cx="1967948" cy="683194"/>
+          </a:xfrm>
+          <a:prstGeom prst="snip2DiagRect">
+            <a:avLst/>
+          </a:prstGeom>
+          <a:solidFill>
+            <a:srgbClr val="01B473"/>
+          </a:solidFill>
+        </p:spPr>
+        <p:style>
+          <a:lnRef idx="2">
+            <a:schemeClr val="accent6">
+              <a:shade val="15000"/>
+            </a:schemeClr>
+          </a:lnRef>
+          <a:fillRef idx="1">
+            <a:schemeClr val="accent6"/>
+          </a:fillRef>
+          <a:effectRef idx="0">
+            <a:schemeClr val="accent6"/>
+          </a:effectRef>
+          <a:fontRef idx="minor">
+            <a:schemeClr val="lt1"/>
+          </a:fontRef>
+        </p:style>
+        <p:txBody>
+          <a:bodyPr rtlCol="0" anchor="ctr"/>
+          <a:lstStyle/>
+          <a:p>
+            <a:pPr algn="ctr"/>
+            <a:r>
+              <a:rPr lang="en-US" dirty="0">
+                <a:solidFill>
+                  <a:schemeClr val="tx1"/>
+                </a:solidFill>
+              </a:rPr>
+              <a:t>Pooling Layers</a:t>
+            </a:r>
+          </a:p>
+        </p:txBody>
+      </p:sp>
+      <p:sp>
+        <p:nvSpPr>
+          <p:cNvPr id="11" name="Rectangle: Diagonal Corners Snipped 10">
+            <a:extLst>
+              <a:ext uri="{FF2B5EF4-FFF2-40B4-BE49-F238E27FC236}">
+                <a16:creationId xmlns:a16="http://schemas.microsoft.com/office/drawing/2014/main" id="{DEEDA21A-65E1-7507-ADAE-00AB823F8E8C}"/>
+              </a:ext>
+            </a:extLst>
+          </p:cNvPr>
+          <p:cNvSpPr/>
           <p:nvPr/>
         </p:nvSpPr>
         <p:spPr>
           <a:xfrm>
-            <a:off x="4951869" y="2587335"/>
-            <a:ext cx="2288261" cy="646331"/>
-          </a:xfrm>
-          <a:prstGeom prst="rect">
-            <a:avLst/>
-          </a:prstGeom>
-          <a:noFill/>
-        </p:spPr>
-        <p:txBody>
-          <a:bodyPr wrap="square" rtlCol="0">
-            <a:spAutoFit/>
-          </a:bodyPr>
-          <a:lstStyle/>
-          <a:p>
-            <a:r>
-              <a:rPr lang="en-US" b="1" dirty="0"/>
-              <a:t>Testing Set: </a:t>
-            </a:r>
-            <a:r>
-              <a:rPr lang="en-US" dirty="0"/>
-              <a:t>7,066 images</a:t>
-            </a:r>
-          </a:p>
-        </p:txBody>
-      </p:sp>
-      <p:sp>
-        <p:nvSpPr>
-          <p:cNvPr id="10" name="TextBox 9">
-            <a:extLst>
-              <a:ext uri="{FF2B5EF4-FFF2-40B4-BE49-F238E27FC236}">
-                <a16:creationId xmlns:a16="http://schemas.microsoft.com/office/drawing/2014/main" id="{A12F062D-E30F-A1CF-3158-BD22479E7711}"/>
-              </a:ext>
-            </a:extLst>
-          </p:cNvPr>
-          <p:cNvSpPr txBox="1"/>
+            <a:off x="5466522" y="4740405"/>
+            <a:ext cx="1967948" cy="683194"/>
+          </a:xfrm>
+          <a:prstGeom prst="snip2DiagRect">
+            <a:avLst/>
+          </a:prstGeom>
+          <a:solidFill>
+            <a:srgbClr val="01B473"/>
+          </a:solidFill>
+        </p:spPr>
+        <p:style>
+          <a:lnRef idx="2">
+            <a:schemeClr val="accent6">
+              <a:shade val="15000"/>
+            </a:schemeClr>
+          </a:lnRef>
+          <a:fillRef idx="1">
+            <a:schemeClr val="accent6"/>
+          </a:fillRef>
+          <a:effectRef idx="0">
+            <a:schemeClr val="accent6"/>
+          </a:effectRef>
+          <a:fontRef idx="minor">
+            <a:schemeClr val="lt1"/>
+          </a:fontRef>
+        </p:style>
+        <p:txBody>
+          <a:bodyPr rtlCol="0" anchor="ctr"/>
+          <a:lstStyle/>
+          <a:p>
+            <a:pPr algn="ctr"/>
+            <a:r>
+              <a:rPr lang="en-US" dirty="0">
+                <a:solidFill>
+                  <a:schemeClr val="tx1"/>
+                </a:solidFill>
+              </a:rPr>
+              <a:t>Activation Functions</a:t>
+            </a:r>
+          </a:p>
+        </p:txBody>
+      </p:sp>
+      <p:sp>
+        <p:nvSpPr>
+          <p:cNvPr id="12" name="Rectangle: Diagonal Corners Snipped 11">
+            <a:extLst>
+              <a:ext uri="{FF2B5EF4-FFF2-40B4-BE49-F238E27FC236}">
+                <a16:creationId xmlns:a16="http://schemas.microsoft.com/office/drawing/2014/main" id="{2A5A019E-926E-AC45-8CD6-B4DDDB1B41BF}"/>
+              </a:ext>
+            </a:extLst>
+          </p:cNvPr>
+          <p:cNvSpPr/>
           <p:nvPr/>
         </p:nvSpPr>
         <p:spPr>
           <a:xfrm>
-            <a:off x="8261750" y="2587335"/>
-            <a:ext cx="2288261" cy="369332"/>
-          </a:xfrm>
-          <a:prstGeom prst="rect">
-            <a:avLst/>
-          </a:prstGeom>
-          <a:noFill/>
-        </p:spPr>
-        <p:txBody>
-          <a:bodyPr wrap="square" rtlCol="0">
-            <a:spAutoFit/>
-          </a:bodyPr>
-          <a:lstStyle/>
-          <a:p>
-            <a:r>
-              <a:rPr lang="en-US" b="1" dirty="0"/>
-              <a:t>Example:</a:t>
-            </a:r>
-            <a:endParaRPr lang="en-US" dirty="0"/>
-          </a:p>
-        </p:txBody>
-      </p:sp>
-      <p:sp>
-        <p:nvSpPr>
-          <p:cNvPr id="11" name="TextBox 10">
-            <a:extLst>
-              <a:ext uri="{FF2B5EF4-FFF2-40B4-BE49-F238E27FC236}">
-                <a16:creationId xmlns:a16="http://schemas.microsoft.com/office/drawing/2014/main" id="{C7BA54D4-30B7-F278-9CA7-C22DBB8D15BA}"/>
-              </a:ext>
-            </a:extLst>
-          </p:cNvPr>
-          <p:cNvSpPr txBox="1"/>
-          <p:nvPr/>
-        </p:nvSpPr>
-        <p:spPr>
-          <a:xfrm>
-            <a:off x="1413389" y="1496291"/>
-            <a:ext cx="8000775" cy="923330"/>
-          </a:xfrm>
-          <a:prstGeom prst="rect">
-            <a:avLst/>
-          </a:prstGeom>
-          <a:noFill/>
-        </p:spPr>
-        <p:txBody>
-          <a:bodyPr wrap="square" rtlCol="0">
-            <a:spAutoFit/>
-          </a:bodyPr>
-          <a:lstStyle/>
-          <a:p>
-            <a:pPr marL="285750" indent="-285750">
-              <a:buFont typeface="Arial" panose="020B0604020202020204" pitchFamily="34" charset="0"/>
-              <a:buChar char="•"/>
-            </a:pPr>
-            <a:r>
-              <a:rPr lang="en-US" b="1" dirty="0"/>
-              <a:t>Facial Expression Recognition (FER) (2013)</a:t>
-            </a:r>
-          </a:p>
-          <a:p>
-            <a:pPr marL="285750" indent="-285750">
-              <a:buFont typeface="Arial" panose="020B0604020202020204" pitchFamily="34" charset="0"/>
-              <a:buChar char="•"/>
-            </a:pPr>
-            <a:r>
-              <a:rPr lang="en-US" b="1" dirty="0"/>
-              <a:t>Classes: </a:t>
-            </a:r>
-            <a:r>
-              <a:rPr lang="en-US" dirty="0"/>
-              <a:t>Anger, Sad, Disgust, Fear, Neutral, Surprise, Angry</a:t>
-            </a:r>
-          </a:p>
-          <a:p>
-            <a:endParaRPr lang="en-US" dirty="0"/>
+            <a:off x="9233453" y="4740405"/>
+            <a:ext cx="1967948" cy="683194"/>
+          </a:xfrm>
+          <a:prstGeom prst="snip2DiagRect">
+            <a:avLst/>
+          </a:prstGeom>
+          <a:solidFill>
+            <a:srgbClr val="01B473"/>
+          </a:solidFill>
+        </p:spPr>
+        <p:style>
+          <a:lnRef idx="2">
+            <a:schemeClr val="accent6">
+              <a:shade val="15000"/>
+            </a:schemeClr>
+          </a:lnRef>
+          <a:fillRef idx="1">
+            <a:schemeClr val="accent6"/>
+          </a:fillRef>
+          <a:effectRef idx="0">
+            <a:schemeClr val="accent6"/>
+          </a:effectRef>
+          <a:fontRef idx="minor">
+            <a:schemeClr val="lt1"/>
+          </a:fontRef>
+        </p:style>
+        <p:txBody>
+          <a:bodyPr rtlCol="0" anchor="ctr"/>
+          <a:lstStyle/>
+          <a:p>
+            <a:pPr algn="ctr"/>
+            <a:r>
+              <a:rPr lang="en-US" dirty="0">
+                <a:solidFill>
+                  <a:schemeClr val="tx1"/>
+                </a:solidFill>
+              </a:rPr>
+              <a:t>Fully Connected Layers</a:t>
+            </a:r>
           </a:p>
         </p:txBody>
       </p:sp>
     </p:spTree>
     <p:extLst>
       <p:ext uri="{BB962C8B-B14F-4D97-AF65-F5344CB8AC3E}">
-        <p14:creationId xmlns:p14="http://schemas.microsoft.com/office/powerpoint/2010/main" val="1411432567"/>
+        <p14:creationId xmlns:p14="http://schemas.microsoft.com/office/powerpoint/2010/main" val="2587274014"/>
       </p:ext>
     </p:extLst>
   </p:cSld>
@@ -4266,7 +4134,7 @@
           <p:cNvPr id="2" name="TextBox 1">
             <a:extLst>
               <a:ext uri="{FF2B5EF4-FFF2-40B4-BE49-F238E27FC236}">
-                <a16:creationId xmlns:a16="http://schemas.microsoft.com/office/drawing/2014/main" id="{7AACB0D1-813B-BC97-B209-A27EADF74706}"/>
+                <a16:creationId xmlns:a16="http://schemas.microsoft.com/office/drawing/2014/main" id="{EF7FB36C-F772-DCDA-01E3-C4F7AAB9F669}"/>
               </a:ext>
             </a:extLst>
           </p:cNvPr>
@@ -4275,8 +4143,8 @@
         </p:nvSpPr>
         <p:spPr>
           <a:xfrm>
-            <a:off x="467139" y="616225"/>
-            <a:ext cx="4015409" cy="461665"/>
+            <a:off x="168964" y="258417"/>
+            <a:ext cx="2733261" cy="461665"/>
           </a:xfrm>
           <a:prstGeom prst="rect">
             <a:avLst/>
@@ -4296,263 +4164,291 @@
                 </a:solidFill>
                 <a:latin typeface="Arial Rounded MT Bold" panose="020F0704030504030204" pitchFamily="34" charset="0"/>
               </a:rPr>
-              <a:t>Neural Network Modeling</a:t>
+              <a:t>Data Description</a:t>
+            </a:r>
+          </a:p>
+        </p:txBody>
+      </p:sp>
+      <p:pic>
+        <p:nvPicPr>
+          <p:cNvPr id="4" name="Picture 3">
+            <a:extLst>
+              <a:ext uri="{FF2B5EF4-FFF2-40B4-BE49-F238E27FC236}">
+                <a16:creationId xmlns:a16="http://schemas.microsoft.com/office/drawing/2014/main" id="{FF281819-1DCE-287E-572B-36CCF9154430}"/>
+              </a:ext>
+            </a:extLst>
+          </p:cNvPr>
+          <p:cNvPicPr>
+            <a:picLocks noChangeAspect="1"/>
+          </p:cNvPicPr>
+          <p:nvPr/>
+        </p:nvPicPr>
+        <p:blipFill>
+          <a:blip r:embed="rId3">
+            <a:extLst>
+              <a:ext uri="{28A0092B-C50C-407E-A947-70E740481C1C}">
+                <a14:useLocalDpi xmlns:a14="http://schemas.microsoft.com/office/drawing/2010/main" val="0"/>
+              </a:ext>
+            </a:extLst>
+          </a:blip>
+          <a:stretch>
+            <a:fillRect/>
+          </a:stretch>
+        </p:blipFill>
+        <p:spPr>
+          <a:xfrm>
+            <a:off x="8082737" y="3687417"/>
+            <a:ext cx="2948154" cy="2017643"/>
+          </a:xfrm>
+          <a:prstGeom prst="rect">
+            <a:avLst/>
+          </a:prstGeom>
+        </p:spPr>
+      </p:pic>
+      <p:pic>
+        <p:nvPicPr>
+          <p:cNvPr id="6" name="Picture 5">
+            <a:extLst>
+              <a:ext uri="{FF2B5EF4-FFF2-40B4-BE49-F238E27FC236}">
+                <a16:creationId xmlns:a16="http://schemas.microsoft.com/office/drawing/2014/main" id="{385C0581-D651-83B5-A6BD-144737DA2F53}"/>
+              </a:ext>
+            </a:extLst>
+          </p:cNvPr>
+          <p:cNvPicPr>
+            <a:picLocks noChangeAspect="1"/>
+          </p:cNvPicPr>
+          <p:nvPr/>
+        </p:nvPicPr>
+        <p:blipFill rotWithShape="1">
+          <a:blip r:embed="rId4">
+            <a:extLst>
+              <a:ext uri="{28A0092B-C50C-407E-A947-70E740481C1C}">
+                <a14:useLocalDpi xmlns:a14="http://schemas.microsoft.com/office/drawing/2010/main" val="0"/>
+              </a:ext>
+            </a:extLst>
+          </a:blip>
+          <a:srcRect t="6164" r="57281"/>
+          <a:stretch/>
+        </p:blipFill>
+        <p:spPr>
+          <a:xfrm>
+            <a:off x="1413389" y="3483038"/>
+            <a:ext cx="2816574" cy="2426400"/>
+          </a:xfrm>
+          <a:prstGeom prst="rect">
+            <a:avLst/>
+          </a:prstGeom>
+        </p:spPr>
+      </p:pic>
+      <p:pic>
+        <p:nvPicPr>
+          <p:cNvPr id="7" name="Picture 6">
+            <a:extLst>
+              <a:ext uri="{FF2B5EF4-FFF2-40B4-BE49-F238E27FC236}">
+                <a16:creationId xmlns:a16="http://schemas.microsoft.com/office/drawing/2014/main" id="{2F16545C-6E9F-24B2-28B1-76BC1189FDD4}"/>
+              </a:ext>
+            </a:extLst>
+          </p:cNvPr>
+          <p:cNvPicPr>
+            <a:picLocks noChangeAspect="1"/>
+          </p:cNvPicPr>
+          <p:nvPr/>
+        </p:nvPicPr>
+        <p:blipFill rotWithShape="1">
+          <a:blip r:embed="rId4">
+            <a:extLst>
+              <a:ext uri="{28A0092B-C50C-407E-A947-70E740481C1C}">
+                <a14:useLocalDpi xmlns:a14="http://schemas.microsoft.com/office/drawing/2010/main" val="0"/>
+              </a:ext>
+            </a:extLst>
+          </a:blip>
+          <a:srcRect l="57343" t="7577"/>
+          <a:stretch/>
+        </p:blipFill>
+        <p:spPr>
+          <a:xfrm>
+            <a:off x="4669339" y="3428999"/>
+            <a:ext cx="2853322" cy="2424573"/>
+          </a:xfrm>
+          <a:prstGeom prst="rect">
+            <a:avLst/>
+          </a:prstGeom>
+        </p:spPr>
+      </p:pic>
+      <p:sp>
+        <p:nvSpPr>
+          <p:cNvPr id="8" name="TextBox 7">
+            <a:extLst>
+              <a:ext uri="{FF2B5EF4-FFF2-40B4-BE49-F238E27FC236}">
+                <a16:creationId xmlns:a16="http://schemas.microsoft.com/office/drawing/2014/main" id="{92E6A322-5156-E154-6663-2E66FAEE7A61}"/>
+              </a:ext>
+            </a:extLst>
+          </p:cNvPr>
+          <p:cNvSpPr txBox="1"/>
+          <p:nvPr/>
+        </p:nvSpPr>
+        <p:spPr>
+          <a:xfrm>
+            <a:off x="1535594" y="2587336"/>
+            <a:ext cx="2288261" cy="646331"/>
+          </a:xfrm>
+          <a:prstGeom prst="rect">
+            <a:avLst/>
+          </a:prstGeom>
+          <a:noFill/>
+        </p:spPr>
+        <p:txBody>
+          <a:bodyPr wrap="square" rtlCol="0">
+            <a:spAutoFit/>
+          </a:bodyPr>
+          <a:lstStyle/>
+          <a:p>
+            <a:r>
+              <a:rPr lang="en-US" b="1" dirty="0"/>
+              <a:t>Training Set: </a:t>
             </a:r>
             <a:r>
               <a:rPr lang="en-US" dirty="0"/>
-              <a:t> </a:t>
-            </a:r>
-          </a:p>
-        </p:txBody>
-      </p:sp>
-      <p:sp>
-        <p:nvSpPr>
-          <p:cNvPr id="3" name="Rectangle: Top Corners Snipped 2">
-            <a:extLst>
-              <a:ext uri="{FF2B5EF4-FFF2-40B4-BE49-F238E27FC236}">
-                <a16:creationId xmlns:a16="http://schemas.microsoft.com/office/drawing/2014/main" id="{11420A0E-928C-CCE9-D4D1-97DC5BE4764E}"/>
-              </a:ext>
-            </a:extLst>
-          </p:cNvPr>
-          <p:cNvSpPr/>
+              <a:t>28,821 images</a:t>
+            </a:r>
+          </a:p>
+        </p:txBody>
+      </p:sp>
+      <p:sp>
+        <p:nvSpPr>
+          <p:cNvPr id="9" name="TextBox 8">
+            <a:extLst>
+              <a:ext uri="{FF2B5EF4-FFF2-40B4-BE49-F238E27FC236}">
+                <a16:creationId xmlns:a16="http://schemas.microsoft.com/office/drawing/2014/main" id="{063CE774-36A8-52A5-1370-E54C619EE74D}"/>
+              </a:ext>
+            </a:extLst>
+          </p:cNvPr>
+          <p:cNvSpPr txBox="1"/>
           <p:nvPr/>
         </p:nvSpPr>
         <p:spPr>
           <a:xfrm>
-            <a:off x="248478" y="4149587"/>
-            <a:ext cx="1868557" cy="964095"/>
-          </a:xfrm>
-          <a:prstGeom prst="snip2SameRect">
+            <a:off x="4951869" y="2587335"/>
+            <a:ext cx="2288261" cy="646331"/>
+          </a:xfrm>
+          <a:prstGeom prst="rect">
             <a:avLst/>
           </a:prstGeom>
           <a:noFill/>
-          <a:ln w="28575">
-            <a:solidFill>
-              <a:srgbClr val="FA542E"/>
-            </a:solidFill>
-          </a:ln>
-        </p:spPr>
-        <p:style>
-          <a:lnRef idx="2">
-            <a:schemeClr val="accent1">
-              <a:shade val="15000"/>
-            </a:schemeClr>
-          </a:lnRef>
-          <a:fillRef idx="1">
-            <a:schemeClr val="accent1"/>
-          </a:fillRef>
-          <a:effectRef idx="0">
-            <a:schemeClr val="accent1"/>
-          </a:effectRef>
-          <a:fontRef idx="minor">
-            <a:schemeClr val="lt1"/>
-          </a:fontRef>
-        </p:style>
-        <p:txBody>
-          <a:bodyPr rtlCol="0" anchor="ctr"/>
-          <a:lstStyle/>
-          <a:p>
-            <a:pPr algn="ctr"/>
-            <a:r>
-              <a:rPr lang="en-US" b="1" dirty="0">
-                <a:solidFill>
-                  <a:schemeClr val="accent2">
-                    <a:lumMod val="75000"/>
-                  </a:schemeClr>
-                </a:solidFill>
-              </a:rPr>
-              <a:t>Model Building</a:t>
-            </a:r>
-          </a:p>
-        </p:txBody>
-      </p:sp>
-      <p:sp>
-        <p:nvSpPr>
-          <p:cNvPr id="4" name="Rectangle: Top Corners Snipped 3">
-            <a:extLst>
-              <a:ext uri="{FF2B5EF4-FFF2-40B4-BE49-F238E27FC236}">
-                <a16:creationId xmlns:a16="http://schemas.microsoft.com/office/drawing/2014/main" id="{4F28E01E-02A7-B5AC-5BDF-2E8BD0F18CCC}"/>
-              </a:ext>
-            </a:extLst>
-          </p:cNvPr>
-          <p:cNvSpPr/>
+        </p:spPr>
+        <p:txBody>
+          <a:bodyPr wrap="square" rtlCol="0">
+            <a:spAutoFit/>
+          </a:bodyPr>
+          <a:lstStyle/>
+          <a:p>
+            <a:r>
+              <a:rPr lang="en-US" b="1" dirty="0"/>
+              <a:t>Testing Set: </a:t>
+            </a:r>
+            <a:r>
+              <a:rPr lang="en-US" dirty="0"/>
+              <a:t>7,066 images</a:t>
+            </a:r>
+          </a:p>
+        </p:txBody>
+      </p:sp>
+      <p:sp>
+        <p:nvSpPr>
+          <p:cNvPr id="10" name="TextBox 9">
+            <a:extLst>
+              <a:ext uri="{FF2B5EF4-FFF2-40B4-BE49-F238E27FC236}">
+                <a16:creationId xmlns:a16="http://schemas.microsoft.com/office/drawing/2014/main" id="{A12F062D-E30F-A1CF-3158-BD22479E7711}"/>
+              </a:ext>
+            </a:extLst>
+          </p:cNvPr>
+          <p:cNvSpPr txBox="1"/>
           <p:nvPr/>
         </p:nvSpPr>
         <p:spPr>
           <a:xfrm>
-            <a:off x="6735417" y="4147931"/>
-            <a:ext cx="1868557" cy="964095"/>
-          </a:xfrm>
-          <a:prstGeom prst="snip2SameRect">
+            <a:off x="8261750" y="2587335"/>
+            <a:ext cx="2288261" cy="369332"/>
+          </a:xfrm>
+          <a:prstGeom prst="rect">
             <a:avLst/>
           </a:prstGeom>
           <a:noFill/>
-          <a:ln w="28575">
-            <a:solidFill>
-              <a:srgbClr val="FA542E"/>
-            </a:solidFill>
-          </a:ln>
-        </p:spPr>
-        <p:style>
-          <a:lnRef idx="2">
-            <a:schemeClr val="accent1">
-              <a:shade val="15000"/>
-            </a:schemeClr>
-          </a:lnRef>
-          <a:fillRef idx="1">
-            <a:schemeClr val="accent1"/>
-          </a:fillRef>
-          <a:effectRef idx="0">
-            <a:schemeClr val="accent1"/>
-          </a:effectRef>
-          <a:fontRef idx="minor">
-            <a:schemeClr val="lt1"/>
-          </a:fontRef>
-        </p:style>
-        <p:txBody>
-          <a:bodyPr rtlCol="0" anchor="ctr"/>
-          <a:lstStyle/>
-          <a:p>
-            <a:pPr algn="ctr"/>
-            <a:r>
-              <a:rPr lang="en-US" b="1" dirty="0">
-                <a:solidFill>
-                  <a:schemeClr val="accent2">
-                    <a:lumMod val="75000"/>
-                  </a:schemeClr>
-                </a:solidFill>
-              </a:rPr>
-              <a:t>Evaluation</a:t>
-            </a:r>
-          </a:p>
-        </p:txBody>
-      </p:sp>
-      <p:sp>
-        <p:nvSpPr>
-          <p:cNvPr id="5" name="Rectangle: Top Corners Snipped 4">
-            <a:extLst>
-              <a:ext uri="{FF2B5EF4-FFF2-40B4-BE49-F238E27FC236}">
-                <a16:creationId xmlns:a16="http://schemas.microsoft.com/office/drawing/2014/main" id="{2B821FED-C303-856F-9AAA-1AD8342E234C}"/>
-              </a:ext>
-            </a:extLst>
-          </p:cNvPr>
-          <p:cNvSpPr/>
+        </p:spPr>
+        <p:txBody>
+          <a:bodyPr wrap="square" rtlCol="0">
+            <a:spAutoFit/>
+          </a:bodyPr>
+          <a:lstStyle/>
+          <a:p>
+            <a:r>
+              <a:rPr lang="en-US" b="1" dirty="0"/>
+              <a:t>Example:</a:t>
+            </a:r>
+            <a:endParaRPr lang="en-US" dirty="0"/>
+          </a:p>
+        </p:txBody>
+      </p:sp>
+      <p:sp>
+        <p:nvSpPr>
+          <p:cNvPr id="11" name="TextBox 10">
+            <a:extLst>
+              <a:ext uri="{FF2B5EF4-FFF2-40B4-BE49-F238E27FC236}">
+                <a16:creationId xmlns:a16="http://schemas.microsoft.com/office/drawing/2014/main" id="{C7BA54D4-30B7-F278-9CA7-C22DBB8D15BA}"/>
+              </a:ext>
+            </a:extLst>
+          </p:cNvPr>
+          <p:cNvSpPr txBox="1"/>
           <p:nvPr/>
         </p:nvSpPr>
         <p:spPr>
           <a:xfrm>
-            <a:off x="3435626" y="4149587"/>
-            <a:ext cx="1868557" cy="964095"/>
-          </a:xfrm>
-          <a:prstGeom prst="snip2SameRect">
+            <a:off x="1413389" y="1496291"/>
+            <a:ext cx="8000775" cy="923330"/>
+          </a:xfrm>
+          <a:prstGeom prst="rect">
             <a:avLst/>
           </a:prstGeom>
           <a:noFill/>
-          <a:ln w="28575">
-            <a:solidFill>
-              <a:srgbClr val="FA542E"/>
-            </a:solidFill>
-          </a:ln>
-        </p:spPr>
-        <p:style>
-          <a:lnRef idx="2">
-            <a:schemeClr val="accent1">
-              <a:shade val="15000"/>
-            </a:schemeClr>
-          </a:lnRef>
-          <a:fillRef idx="1">
-            <a:schemeClr val="accent1"/>
-          </a:fillRef>
-          <a:effectRef idx="0">
-            <a:schemeClr val="accent1"/>
-          </a:effectRef>
-          <a:fontRef idx="minor">
-            <a:schemeClr val="lt1"/>
-          </a:fontRef>
-        </p:style>
-        <p:txBody>
-          <a:bodyPr rtlCol="0" anchor="ctr"/>
-          <a:lstStyle/>
-          <a:p>
-            <a:pPr algn="ctr"/>
-            <a:r>
-              <a:rPr lang="en-US" b="1" dirty="0">
-                <a:solidFill>
-                  <a:schemeClr val="accent2">
-                    <a:lumMod val="75000"/>
-                  </a:schemeClr>
-                </a:solidFill>
-              </a:rPr>
-              <a:t>Training</a:t>
-            </a:r>
-          </a:p>
-        </p:txBody>
-      </p:sp>
-      <p:sp>
-        <p:nvSpPr>
-          <p:cNvPr id="6" name="Rectangle: Top Corners Snipped 5">
-            <a:extLst>
-              <a:ext uri="{FF2B5EF4-FFF2-40B4-BE49-F238E27FC236}">
-                <a16:creationId xmlns:a16="http://schemas.microsoft.com/office/drawing/2014/main" id="{A07F6751-15CF-5770-5F97-1A11DCB51E21}"/>
-              </a:ext>
-            </a:extLst>
-          </p:cNvPr>
-          <p:cNvSpPr/>
-          <p:nvPr/>
-        </p:nvSpPr>
-        <p:spPr>
-          <a:xfrm>
-            <a:off x="9922565" y="4149587"/>
-            <a:ext cx="1868557" cy="964095"/>
-          </a:xfrm>
-          <a:prstGeom prst="snip2SameRect">
-            <a:avLst/>
-          </a:prstGeom>
-          <a:noFill/>
-          <a:ln w="28575">
-            <a:solidFill>
-              <a:srgbClr val="FA542E"/>
-            </a:solidFill>
-          </a:ln>
-        </p:spPr>
-        <p:style>
-          <a:lnRef idx="2">
-            <a:schemeClr val="accent1">
-              <a:shade val="15000"/>
-            </a:schemeClr>
-          </a:lnRef>
-          <a:fillRef idx="1">
-            <a:schemeClr val="accent1"/>
-          </a:fillRef>
-          <a:effectRef idx="0">
-            <a:schemeClr val="accent1"/>
-          </a:effectRef>
-          <a:fontRef idx="minor">
-            <a:schemeClr val="lt1"/>
-          </a:fontRef>
-        </p:style>
-        <p:txBody>
-          <a:bodyPr rtlCol="0" anchor="ctr"/>
-          <a:lstStyle/>
-          <a:p>
-            <a:pPr algn="ctr"/>
-            <a:r>
-              <a:rPr lang="en-US" b="1" dirty="0">
-                <a:solidFill>
-                  <a:schemeClr val="accent2">
-                    <a:lumMod val="75000"/>
-                  </a:schemeClr>
-                </a:solidFill>
-              </a:rPr>
-              <a:t>Testing</a:t>
-            </a:r>
+        </p:spPr>
+        <p:txBody>
+          <a:bodyPr wrap="square" rtlCol="0">
+            <a:spAutoFit/>
+          </a:bodyPr>
+          <a:lstStyle/>
+          <a:p>
+            <a:pPr marL="285750" indent="-285750">
+              <a:buFont typeface="Arial" panose="020B0604020202020204" pitchFamily="34" charset="0"/>
+              <a:buChar char="•"/>
+            </a:pPr>
+            <a:r>
+              <a:rPr lang="en-US" b="1" dirty="0"/>
+              <a:t>Facial Expression Recognition (FER) (2013)</a:t>
+            </a:r>
+          </a:p>
+          <a:p>
+            <a:pPr marL="285750" indent="-285750">
+              <a:buFont typeface="Arial" panose="020B0604020202020204" pitchFamily="34" charset="0"/>
+              <a:buChar char="•"/>
+            </a:pPr>
+            <a:r>
+              <a:rPr lang="en-US" b="1" dirty="0"/>
+              <a:t>Classes: </a:t>
+            </a:r>
+            <a:r>
+              <a:rPr lang="en-US" dirty="0"/>
+              <a:t>Anger, Sad, Disgust, Fear, Neutral, Surprise, Angry</a:t>
+            </a:r>
+          </a:p>
+          <a:p>
+            <a:endParaRPr lang="en-US" dirty="0"/>
           </a:p>
         </p:txBody>
       </p:sp>
     </p:spTree>
     <p:extLst>
       <p:ext uri="{BB962C8B-B14F-4D97-AF65-F5344CB8AC3E}">
-        <p14:creationId xmlns:p14="http://schemas.microsoft.com/office/powerpoint/2010/main" val="3347711585"/>
+        <p14:creationId xmlns:p14="http://schemas.microsoft.com/office/powerpoint/2010/main" val="1411432567"/>
       </p:ext>
     </p:extLst>
   </p:cSld>
@@ -4598,7 +4494,7 @@
           <p:cNvPr id="2" name="TextBox 1">
             <a:extLst>
               <a:ext uri="{FF2B5EF4-FFF2-40B4-BE49-F238E27FC236}">
-                <a16:creationId xmlns:a16="http://schemas.microsoft.com/office/drawing/2014/main" id="{D816AC36-BDD9-8AD3-EDDE-038AC5F07179}"/>
+                <a16:creationId xmlns:a16="http://schemas.microsoft.com/office/drawing/2014/main" id="{7AACB0D1-813B-BC97-B209-A27EADF74706}"/>
               </a:ext>
             </a:extLst>
           </p:cNvPr>
@@ -4607,8 +4503,8 @@
         </p:nvSpPr>
         <p:spPr>
           <a:xfrm>
-            <a:off x="347870" y="496957"/>
-            <a:ext cx="2385391" cy="400110"/>
+            <a:off x="467139" y="616225"/>
+            <a:ext cx="4015409" cy="461665"/>
           </a:xfrm>
           <a:prstGeom prst="rect">
             <a:avLst/>
@@ -4622,10 +4518,76 @@
           <a:lstStyle/>
           <a:p>
             <a:r>
-              <a:rPr lang="en-US" sz="2000" b="1" dirty="0">
+              <a:rPr lang="en-US" sz="2400" b="1" dirty="0">
                 <a:solidFill>
                   <a:srgbClr val="02B675"/>
                 </a:solidFill>
+                <a:latin typeface="Arial Rounded MT Bold" panose="020F0704030504030204" pitchFamily="34" charset="0"/>
+              </a:rPr>
+              <a:t>Neural Network Modeling</a:t>
+            </a:r>
+            <a:r>
+              <a:rPr lang="en-US" dirty="0"/>
+              <a:t> </a:t>
+            </a:r>
+          </a:p>
+        </p:txBody>
+      </p:sp>
+      <p:sp>
+        <p:nvSpPr>
+          <p:cNvPr id="3" name="Rectangle: Top Corners Snipped 2">
+            <a:extLst>
+              <a:ext uri="{FF2B5EF4-FFF2-40B4-BE49-F238E27FC236}">
+                <a16:creationId xmlns:a16="http://schemas.microsoft.com/office/drawing/2014/main" id="{11420A0E-928C-CCE9-D4D1-97DC5BE4764E}"/>
+              </a:ext>
+            </a:extLst>
+          </p:cNvPr>
+          <p:cNvSpPr/>
+          <p:nvPr/>
+        </p:nvSpPr>
+        <p:spPr>
+          <a:xfrm>
+            <a:off x="248478" y="4149587"/>
+            <a:ext cx="1868557" cy="964095"/>
+          </a:xfrm>
+          <a:prstGeom prst="snip2SameRect">
+            <a:avLst/>
+          </a:prstGeom>
+          <a:noFill/>
+          <a:ln w="28575">
+            <a:solidFill>
+              <a:srgbClr val="FA542E"/>
+            </a:solidFill>
+          </a:ln>
+        </p:spPr>
+        <p:style>
+          <a:lnRef idx="2">
+            <a:schemeClr val="accent1">
+              <a:shade val="15000"/>
+            </a:schemeClr>
+          </a:lnRef>
+          <a:fillRef idx="1">
+            <a:schemeClr val="accent1"/>
+          </a:fillRef>
+          <a:effectRef idx="0">
+            <a:schemeClr val="accent1"/>
+          </a:effectRef>
+          <a:fontRef idx="minor">
+            <a:schemeClr val="lt1"/>
+          </a:fontRef>
+        </p:style>
+        <p:txBody>
+          <a:bodyPr rtlCol="0" anchor="ctr"/>
+          <a:lstStyle/>
+          <a:p>
+            <a:pPr algn="ctr"/>
+            <a:r>
+              <a:rPr lang="en-US" b="1" dirty="0">
+                <a:solidFill>
+                  <a:schemeClr val="accent2">
+                    <a:lumMod val="75000"/>
+                  </a:schemeClr>
+                </a:solidFill>
               </a:rPr>
               <a:t>Model Building</a:t>
             </a:r>
@@ -4634,306 +4596,183 @@
       </p:sp>
       <p:sp>
         <p:nvSpPr>
-          <p:cNvPr id="3" name="TextBox 2">
-            <a:extLst>
-              <a:ext uri="{FF2B5EF4-FFF2-40B4-BE49-F238E27FC236}">
-                <a16:creationId xmlns:a16="http://schemas.microsoft.com/office/drawing/2014/main" id="{5B2D8EDF-D955-4704-96F0-9E11F9E25AF2}"/>
-              </a:ext>
-            </a:extLst>
-          </p:cNvPr>
-          <p:cNvSpPr txBox="1"/>
+          <p:cNvPr id="4" name="Rectangle: Top Corners Snipped 3">
+            <a:extLst>
+              <a:ext uri="{FF2B5EF4-FFF2-40B4-BE49-F238E27FC236}">
+                <a16:creationId xmlns:a16="http://schemas.microsoft.com/office/drawing/2014/main" id="{4F28E01E-02A7-B5AC-5BDF-2E8BD0F18CCC}"/>
+              </a:ext>
+            </a:extLst>
+          </p:cNvPr>
+          <p:cNvSpPr/>
           <p:nvPr/>
         </p:nvSpPr>
         <p:spPr>
           <a:xfrm>
-            <a:off x="1789043" y="2136914"/>
-            <a:ext cx="2385391" cy="1477328"/>
-          </a:xfrm>
-          <a:prstGeom prst="rect">
+            <a:off x="6735417" y="4147931"/>
+            <a:ext cx="1868557" cy="964095"/>
+          </a:xfrm>
+          <a:prstGeom prst="snip2SameRect">
             <a:avLst/>
           </a:prstGeom>
           <a:noFill/>
-        </p:spPr>
-        <p:txBody>
-          <a:bodyPr wrap="square" rtlCol="0">
-            <a:spAutoFit/>
-          </a:bodyPr>
+          <a:ln w="28575">
+            <a:solidFill>
+              <a:srgbClr val="FA542E"/>
+            </a:solidFill>
+          </a:ln>
+        </p:spPr>
+        <p:style>
+          <a:lnRef idx="2">
+            <a:schemeClr val="accent1">
+              <a:shade val="15000"/>
+            </a:schemeClr>
+          </a:lnRef>
+          <a:fillRef idx="1">
+            <a:schemeClr val="accent1"/>
+          </a:fillRef>
+          <a:effectRef idx="0">
+            <a:schemeClr val="accent1"/>
+          </a:effectRef>
+          <a:fontRef idx="minor">
+            <a:schemeClr val="lt1"/>
+          </a:fontRef>
+        </p:style>
+        <p:txBody>
+          <a:bodyPr rtlCol="0" anchor="ctr"/>
           <a:lstStyle/>
           <a:p>
             <a:pPr algn="ctr"/>
             <a:r>
-              <a:rPr lang="en-US" b="1" dirty="0"/>
-              <a:t>Convolutional Layers</a:t>
-            </a:r>
-          </a:p>
-          <a:p>
-            <a:r>
-              <a:rPr lang="en-US" dirty="0"/>
-              <a:t>1st layer:64 kernel of size (5,5).2nd layer:128 kernel (3,3).3rd and 4th layer:215 kernel(3,3)</a:t>
-            </a:r>
-          </a:p>
-        </p:txBody>
-      </p:sp>
-      <p:sp>
-        <p:nvSpPr>
-          <p:cNvPr id="4" name="TextBox 3">
-            <a:extLst>
-              <a:ext uri="{FF2B5EF4-FFF2-40B4-BE49-F238E27FC236}">
-                <a16:creationId xmlns:a16="http://schemas.microsoft.com/office/drawing/2014/main" id="{1D2533E7-88D3-F080-326A-2FBBC6F67B48}"/>
-              </a:ext>
-            </a:extLst>
-          </p:cNvPr>
-          <p:cNvSpPr txBox="1"/>
+              <a:rPr lang="en-US" b="1" dirty="0">
+                <a:solidFill>
+                  <a:schemeClr val="accent2">
+                    <a:lumMod val="75000"/>
+                  </a:schemeClr>
+                </a:solidFill>
+              </a:rPr>
+              <a:t>Evaluation</a:t>
+            </a:r>
+          </a:p>
+        </p:txBody>
+      </p:sp>
+      <p:sp>
+        <p:nvSpPr>
+          <p:cNvPr id="5" name="Rectangle: Top Corners Snipped 4">
+            <a:extLst>
+              <a:ext uri="{FF2B5EF4-FFF2-40B4-BE49-F238E27FC236}">
+                <a16:creationId xmlns:a16="http://schemas.microsoft.com/office/drawing/2014/main" id="{2B821FED-C303-856F-9AAA-1AD8342E234C}"/>
+              </a:ext>
+            </a:extLst>
+          </p:cNvPr>
+          <p:cNvSpPr/>
           <p:nvPr/>
         </p:nvSpPr>
         <p:spPr>
           <a:xfrm>
-            <a:off x="4948030" y="2136914"/>
-            <a:ext cx="2295939" cy="1754326"/>
-          </a:xfrm>
-          <a:prstGeom prst="rect">
+            <a:off x="3435626" y="4149587"/>
+            <a:ext cx="1868557" cy="964095"/>
+          </a:xfrm>
+          <a:prstGeom prst="snip2SameRect">
             <a:avLst/>
           </a:prstGeom>
           <a:noFill/>
-        </p:spPr>
-        <p:txBody>
-          <a:bodyPr wrap="square" rtlCol="0">
-            <a:spAutoFit/>
-          </a:bodyPr>
+          <a:ln w="28575">
+            <a:solidFill>
+              <a:srgbClr val="FA542E"/>
+            </a:solidFill>
+          </a:ln>
+        </p:spPr>
+        <p:style>
+          <a:lnRef idx="2">
+            <a:schemeClr val="accent1">
+              <a:shade val="15000"/>
+            </a:schemeClr>
+          </a:lnRef>
+          <a:fillRef idx="1">
+            <a:schemeClr val="accent1"/>
+          </a:fillRef>
+          <a:effectRef idx="0">
+            <a:schemeClr val="accent1"/>
+          </a:effectRef>
+          <a:fontRef idx="minor">
+            <a:schemeClr val="lt1"/>
+          </a:fontRef>
+        </p:style>
+        <p:txBody>
+          <a:bodyPr rtlCol="0" anchor="ctr"/>
           <a:lstStyle/>
           <a:p>
             <a:pPr algn="ctr"/>
             <a:r>
-              <a:rPr lang="en-US" b="1" dirty="0"/>
-              <a:t>Pooling Layer and Dropout Rate</a:t>
-            </a:r>
-          </a:p>
-          <a:p>
-            <a:r>
-              <a:rPr lang="en-US" dirty="0"/>
-              <a:t>Method: </a:t>
-            </a:r>
-            <a:r>
-              <a:rPr lang="en-US" dirty="0" err="1"/>
-              <a:t>Maxpoolingsize</a:t>
-            </a:r>
-            <a:r>
-              <a:rPr lang="en-US" dirty="0"/>
-              <a:t>(2,2)</a:t>
-            </a:r>
-          </a:p>
-          <a:p>
-            <a:r>
-              <a:rPr lang="en-US" dirty="0"/>
-              <a:t>Rate: 0.3</a:t>
-            </a:r>
-          </a:p>
-          <a:p>
-            <a:endParaRPr lang="en-US" dirty="0"/>
-          </a:p>
-        </p:txBody>
-      </p:sp>
-      <p:sp>
-        <p:nvSpPr>
-          <p:cNvPr id="6" name="TextBox 5">
-            <a:extLst>
-              <a:ext uri="{FF2B5EF4-FFF2-40B4-BE49-F238E27FC236}">
-                <a16:creationId xmlns:a16="http://schemas.microsoft.com/office/drawing/2014/main" id="{DA46D5CE-4627-B840-3E72-9A0CE6E9605D}"/>
-              </a:ext>
-            </a:extLst>
-          </p:cNvPr>
-          <p:cNvSpPr txBox="1"/>
+              <a:rPr lang="en-US" b="1" dirty="0">
+                <a:solidFill>
+                  <a:schemeClr val="accent2">
+                    <a:lumMod val="75000"/>
+                  </a:schemeClr>
+                </a:solidFill>
+              </a:rPr>
+              <a:t>Training</a:t>
+            </a:r>
+          </a:p>
+        </p:txBody>
+      </p:sp>
+      <p:sp>
+        <p:nvSpPr>
+          <p:cNvPr id="6" name="Rectangle: Top Corners Snipped 5">
+            <a:extLst>
+              <a:ext uri="{FF2B5EF4-FFF2-40B4-BE49-F238E27FC236}">
+                <a16:creationId xmlns:a16="http://schemas.microsoft.com/office/drawing/2014/main" id="{A07F6751-15CF-5770-5F97-1A11DCB51E21}"/>
+              </a:ext>
+            </a:extLst>
+          </p:cNvPr>
+          <p:cNvSpPr/>
           <p:nvPr/>
         </p:nvSpPr>
         <p:spPr>
           <a:xfrm>
-            <a:off x="8017566" y="2136914"/>
-            <a:ext cx="2385391" cy="1200329"/>
-          </a:xfrm>
-          <a:prstGeom prst="rect">
+            <a:off x="9922565" y="4149587"/>
+            <a:ext cx="1868557" cy="964095"/>
+          </a:xfrm>
+          <a:prstGeom prst="snip2SameRect">
             <a:avLst/>
           </a:prstGeom>
           <a:noFill/>
-        </p:spPr>
-        <p:txBody>
-          <a:bodyPr wrap="square" rtlCol="0">
-            <a:spAutoFit/>
-          </a:bodyPr>
+          <a:ln w="28575">
+            <a:solidFill>
+              <a:srgbClr val="FA542E"/>
+            </a:solidFill>
+          </a:ln>
+        </p:spPr>
+        <p:style>
+          <a:lnRef idx="2">
+            <a:schemeClr val="accent1">
+              <a:shade val="15000"/>
+            </a:schemeClr>
+          </a:lnRef>
+          <a:fillRef idx="1">
+            <a:schemeClr val="accent1"/>
+          </a:fillRef>
+          <a:effectRef idx="0">
+            <a:schemeClr val="accent1"/>
+          </a:effectRef>
+          <a:fontRef idx="minor">
+            <a:schemeClr val="lt1"/>
+          </a:fontRef>
+        </p:style>
+        <p:txBody>
+          <a:bodyPr rtlCol="0" anchor="ctr"/>
           <a:lstStyle/>
           <a:p>
             <a:pPr algn="ctr"/>
             <a:r>
-              <a:rPr lang="en-US" b="1" dirty="0"/>
-              <a:t>Flatten</a:t>
-            </a:r>
-          </a:p>
-          <a:p>
-            <a:r>
-              <a:rPr lang="en-US" dirty="0"/>
-              <a:t>Flatten the multidimensional tensors into 1d tensors.</a:t>
-            </a:r>
-          </a:p>
-        </p:txBody>
-      </p:sp>
-      <p:sp>
-        <p:nvSpPr>
-          <p:cNvPr id="7" name="TextBox 6">
-            <a:extLst>
-              <a:ext uri="{FF2B5EF4-FFF2-40B4-BE49-F238E27FC236}">
-                <a16:creationId xmlns:a16="http://schemas.microsoft.com/office/drawing/2014/main" id="{D86D1832-0BC4-46D3-D5C7-3DE5CD4B13CE}"/>
-              </a:ext>
-            </a:extLst>
-          </p:cNvPr>
-          <p:cNvSpPr txBox="1"/>
-          <p:nvPr/>
-        </p:nvSpPr>
-        <p:spPr>
-          <a:xfrm>
-            <a:off x="1833769" y="4323521"/>
-            <a:ext cx="2295938" cy="1477328"/>
-          </a:xfrm>
-          <a:prstGeom prst="rect">
-            <a:avLst/>
-          </a:prstGeom>
-          <a:noFill/>
-        </p:spPr>
-        <p:txBody>
-          <a:bodyPr wrap="square" rtlCol="0">
-            <a:spAutoFit/>
-          </a:bodyPr>
-          <a:lstStyle/>
-          <a:p>
-            <a:r>
-              <a:rPr lang="en-US" b="1" dirty="0"/>
-              <a:t>Fully Connected Layer</a:t>
-            </a:r>
-          </a:p>
-          <a:p>
-            <a:r>
-              <a:rPr lang="en-US" dirty="0"/>
-              <a:t>Activation function: </a:t>
-            </a:r>
-            <a:r>
-              <a:rPr lang="en-US" dirty="0" err="1"/>
-              <a:t>ReLU</a:t>
-            </a:r>
-            <a:r>
-              <a:rPr lang="en-US" dirty="0"/>
-              <a:t>: </a:t>
-            </a:r>
-          </a:p>
-          <a:p>
-            <a:r>
-              <a:rPr lang="en-US" dirty="0"/>
-              <a:t>1st layer: 256 unit</a:t>
-            </a:r>
-          </a:p>
-          <a:p>
-            <a:r>
-              <a:rPr lang="en-US" dirty="0"/>
-              <a:t>2nd layer: 512 units</a:t>
-            </a:r>
-          </a:p>
-        </p:txBody>
-      </p:sp>
-      <p:sp>
-        <p:nvSpPr>
-          <p:cNvPr id="8" name="TextBox 7">
-            <a:extLst>
-              <a:ext uri="{FF2B5EF4-FFF2-40B4-BE49-F238E27FC236}">
-                <a16:creationId xmlns:a16="http://schemas.microsoft.com/office/drawing/2014/main" id="{42FBE530-2390-440D-68EA-7927039916F5}"/>
-              </a:ext>
-            </a:extLst>
-          </p:cNvPr>
-          <p:cNvSpPr txBox="1"/>
-          <p:nvPr/>
-        </p:nvSpPr>
-        <p:spPr>
-          <a:xfrm>
-            <a:off x="8093764" y="4323521"/>
-            <a:ext cx="2309193" cy="1477328"/>
-          </a:xfrm>
-          <a:prstGeom prst="rect">
-            <a:avLst/>
-          </a:prstGeom>
-          <a:noFill/>
-        </p:spPr>
-        <p:txBody>
-          <a:bodyPr wrap="square" rtlCol="0">
-            <a:spAutoFit/>
-          </a:bodyPr>
-          <a:lstStyle/>
-          <a:p>
-            <a:pPr algn="ctr"/>
-            <a:r>
-              <a:rPr lang="en-US" b="1" dirty="0"/>
-              <a:t>Compiler</a:t>
-            </a:r>
-          </a:p>
-          <a:p>
-            <a:r>
-              <a:rPr lang="en-US" dirty="0"/>
-              <a:t>Optimizer: Adam</a:t>
-            </a:r>
-          </a:p>
-          <a:p>
-            <a:r>
-              <a:rPr lang="en-US" dirty="0"/>
-              <a:t>Loss: Categorical Cross Entropy</a:t>
-            </a:r>
-          </a:p>
-          <a:p>
-            <a:r>
-              <a:rPr lang="en-US" dirty="0"/>
-              <a:t>Metrics: Accuracy</a:t>
-            </a:r>
-          </a:p>
-        </p:txBody>
-      </p:sp>
-      <p:sp>
-        <p:nvSpPr>
-          <p:cNvPr id="9" name="TextBox 8">
-            <a:extLst>
-              <a:ext uri="{FF2B5EF4-FFF2-40B4-BE49-F238E27FC236}">
-                <a16:creationId xmlns:a16="http://schemas.microsoft.com/office/drawing/2014/main" id="{24ACAE31-3BA5-7E45-6341-7C1F5EEA7C26}"/>
-              </a:ext>
-            </a:extLst>
-          </p:cNvPr>
-          <p:cNvSpPr txBox="1"/>
-          <p:nvPr/>
-        </p:nvSpPr>
-        <p:spPr>
-          <a:xfrm>
-            <a:off x="4948030" y="4432852"/>
-            <a:ext cx="2295938" cy="1200329"/>
-          </a:xfrm>
-          <a:prstGeom prst="rect">
-            <a:avLst/>
-          </a:prstGeom>
-          <a:noFill/>
-        </p:spPr>
-        <p:txBody>
-          <a:bodyPr wrap="square" rtlCol="0">
-            <a:spAutoFit/>
-          </a:bodyPr>
-          <a:lstStyle/>
-          <a:p>
-            <a:pPr algn="ctr"/>
-            <a:r>
-              <a:rPr lang="en-US" b="1" dirty="0"/>
-              <a:t>Output</a:t>
-            </a:r>
-          </a:p>
-          <a:p>
-            <a:r>
-              <a:rPr lang="en-US" dirty="0"/>
-              <a:t>Activation function: SoftMax</a:t>
-            </a:r>
-          </a:p>
-          <a:p>
-            <a:r>
-              <a:rPr lang="en-US" dirty="0"/>
-              <a:t>Units: 7</a:t>
+              <a:rPr lang="en-US" b="1" dirty="0">
+                <a:solidFill>
+                  <a:schemeClr val="accent2">
+                    <a:lumMod val="75000"/>
+                  </a:schemeClr>
+                </a:solidFill>
+              </a:rPr>
+              <a:t>Testing</a:t>
             </a:r>
           </a:p>
         </p:txBody>
@@ -4941,7 +4780,7 @@
     </p:spTree>
     <p:extLst>
       <p:ext uri="{BB962C8B-B14F-4D97-AF65-F5344CB8AC3E}">
-        <p14:creationId xmlns:p14="http://schemas.microsoft.com/office/powerpoint/2010/main" val="767255824"/>
+        <p14:creationId xmlns:p14="http://schemas.microsoft.com/office/powerpoint/2010/main" val="3347711585"/>
       </p:ext>
     </p:extLst>
   </p:cSld>
@@ -4987,7 +4826,7 @@
           <p:cNvPr id="2" name="TextBox 1">
             <a:extLst>
               <a:ext uri="{FF2B5EF4-FFF2-40B4-BE49-F238E27FC236}">
-                <a16:creationId xmlns:a16="http://schemas.microsoft.com/office/drawing/2014/main" id="{1D91E143-989D-ACD0-CA67-86F0D8B2CF90}"/>
+                <a16:creationId xmlns:a16="http://schemas.microsoft.com/office/drawing/2014/main" id="{D816AC36-BDD9-8AD3-EDDE-038AC5F07179}"/>
               </a:ext>
             </a:extLst>
           </p:cNvPr>
@@ -4996,8 +4835,8 @@
         </p:nvSpPr>
         <p:spPr>
           <a:xfrm>
-            <a:off x="188843" y="526774"/>
-            <a:ext cx="3210340" cy="461665"/>
+            <a:off x="347870" y="496957"/>
+            <a:ext cx="2385391" cy="400110"/>
           </a:xfrm>
           <a:prstGeom prst="rect">
             <a:avLst/>
@@ -5011,12 +4850,12 @@
           <a:lstStyle/>
           <a:p>
             <a:r>
-              <a:rPr lang="en-US" sz="2400" b="1" dirty="0">
+              <a:rPr lang="en-US" sz="2000" b="1" dirty="0">
                 <a:solidFill>
                   <a:srgbClr val="02B675"/>
                 </a:solidFill>
               </a:rPr>
-              <a:t>Training</a:t>
+              <a:t>Model Building</a:t>
             </a:r>
           </a:p>
         </p:txBody>
@@ -5026,7 +4865,7 @@
           <p:cNvPr id="3" name="TextBox 2">
             <a:extLst>
               <a:ext uri="{FF2B5EF4-FFF2-40B4-BE49-F238E27FC236}">
-                <a16:creationId xmlns:a16="http://schemas.microsoft.com/office/drawing/2014/main" id="{016C9320-BD7D-8755-6173-AAF8ECA268CF}"/>
+                <a16:creationId xmlns:a16="http://schemas.microsoft.com/office/drawing/2014/main" id="{5B2D8EDF-D955-4704-96F0-9E11F9E25AF2}"/>
               </a:ext>
             </a:extLst>
           </p:cNvPr>
@@ -5035,8 +4874,8 @@
         </p:nvSpPr>
         <p:spPr>
           <a:xfrm>
-            <a:off x="531743" y="3955773"/>
-            <a:ext cx="3771900" cy="923330"/>
+            <a:off x="1789043" y="2136914"/>
+            <a:ext cx="2385391" cy="1477328"/>
           </a:xfrm>
           <a:prstGeom prst="rect">
             <a:avLst/>
@@ -5049,112 +4888,288 @@
           </a:bodyPr>
           <a:lstStyle/>
           <a:p>
+            <a:pPr algn="ctr"/>
             <a:r>
               <a:rPr lang="en-US" b="1" dirty="0"/>
-              <a:t>Number of Epochs</a:t>
-            </a:r>
+              <a:t>Convolutional Layers</a:t>
+            </a:r>
+          </a:p>
+          <a:p>
             <a:r>
               <a:rPr lang="en-US" dirty="0"/>
-              <a:t>: 50</a:t>
-            </a:r>
-          </a:p>
-          <a:p>
+              <a:t>1st layer:64 kernel of size (5,5).2nd layer:128 kernel (3,3).3rd and 4th layer:215 kernel(3,3)</a:t>
+            </a:r>
+          </a:p>
+        </p:txBody>
+      </p:sp>
+      <p:sp>
+        <p:nvSpPr>
+          <p:cNvPr id="4" name="TextBox 3">
+            <a:extLst>
+              <a:ext uri="{FF2B5EF4-FFF2-40B4-BE49-F238E27FC236}">
+                <a16:creationId xmlns:a16="http://schemas.microsoft.com/office/drawing/2014/main" id="{1D2533E7-88D3-F080-326A-2FBBC6F67B48}"/>
+              </a:ext>
+            </a:extLst>
+          </p:cNvPr>
+          <p:cNvSpPr txBox="1"/>
+          <p:nvPr/>
+        </p:nvSpPr>
+        <p:spPr>
+          <a:xfrm>
+            <a:off x="4948030" y="2136914"/>
+            <a:ext cx="2295939" cy="1754326"/>
+          </a:xfrm>
+          <a:prstGeom prst="rect">
+            <a:avLst/>
+          </a:prstGeom>
+          <a:noFill/>
+        </p:spPr>
+        <p:txBody>
+          <a:bodyPr wrap="square" rtlCol="0">
+            <a:spAutoFit/>
+          </a:bodyPr>
+          <a:lstStyle/>
+          <a:p>
+            <a:pPr algn="ctr"/>
             <a:r>
               <a:rPr lang="en-US" b="1" dirty="0"/>
-              <a:t>Train Set:</a:t>
-            </a:r>
+              <a:t>Pooling Layer and Dropout Rate</a:t>
+            </a:r>
+          </a:p>
+          <a:p>
             <a:r>
               <a:rPr lang="en-US" dirty="0"/>
-              <a:t> 23,056 </a:t>
-            </a:r>
-          </a:p>
-          <a:p>
+              <a:t>Method: </a:t>
+            </a:r>
+            <a:r>
+              <a:rPr lang="en-US" dirty="0" err="1"/>
+              <a:t>Maxpoolingsize</a:t>
+            </a:r>
+            <a:r>
+              <a:rPr lang="en-US" dirty="0"/>
+              <a:t>(2,2)</a:t>
+            </a:r>
+          </a:p>
+          <a:p>
+            <a:r>
+              <a:rPr lang="en-US" dirty="0"/>
+              <a:t>Rate: 0.3</a:t>
+            </a:r>
+          </a:p>
+          <a:p>
+            <a:endParaRPr lang="en-US" dirty="0"/>
+          </a:p>
+        </p:txBody>
+      </p:sp>
+      <p:sp>
+        <p:nvSpPr>
+          <p:cNvPr id="6" name="TextBox 5">
+            <a:extLst>
+              <a:ext uri="{FF2B5EF4-FFF2-40B4-BE49-F238E27FC236}">
+                <a16:creationId xmlns:a16="http://schemas.microsoft.com/office/drawing/2014/main" id="{DA46D5CE-4627-B840-3E72-9A0CE6E9605D}"/>
+              </a:ext>
+            </a:extLst>
+          </p:cNvPr>
+          <p:cNvSpPr txBox="1"/>
+          <p:nvPr/>
+        </p:nvSpPr>
+        <p:spPr>
+          <a:xfrm>
+            <a:off x="8017566" y="2136914"/>
+            <a:ext cx="2385391" cy="1200329"/>
+          </a:xfrm>
+          <a:prstGeom prst="rect">
+            <a:avLst/>
+          </a:prstGeom>
+          <a:noFill/>
+        </p:spPr>
+        <p:txBody>
+          <a:bodyPr wrap="square" rtlCol="0">
+            <a:spAutoFit/>
+          </a:bodyPr>
+          <a:lstStyle/>
+          <a:p>
+            <a:pPr algn="ctr"/>
             <a:r>
               <a:rPr lang="en-US" b="1" dirty="0"/>
-              <a:t>Validate Set:</a:t>
-            </a:r>
+              <a:t>Flatten</a:t>
+            </a:r>
+          </a:p>
+          <a:p>
             <a:r>
               <a:rPr lang="en-US" dirty="0"/>
-              <a:t> 5,765</a:t>
-            </a:r>
-          </a:p>
-        </p:txBody>
-      </p:sp>
-      <p:pic>
-        <p:nvPicPr>
-          <p:cNvPr id="5" name="Picture 4">
-            <a:extLst>
-              <a:ext uri="{FF2B5EF4-FFF2-40B4-BE49-F238E27FC236}">
-                <a16:creationId xmlns:a16="http://schemas.microsoft.com/office/drawing/2014/main" id="{82E31EA4-5C9B-FC43-4FE2-07E887CCF426}"/>
-              </a:ext>
-            </a:extLst>
-          </p:cNvPr>
-          <p:cNvPicPr>
-            <a:picLocks noChangeAspect="1"/>
-          </p:cNvPicPr>
+              <a:t>Flatten the multidimensional tensors into 1d tensors.</a:t>
+            </a:r>
+          </a:p>
+        </p:txBody>
+      </p:sp>
+      <p:sp>
+        <p:nvSpPr>
+          <p:cNvPr id="7" name="TextBox 6">
+            <a:extLst>
+              <a:ext uri="{FF2B5EF4-FFF2-40B4-BE49-F238E27FC236}">
+                <a16:creationId xmlns:a16="http://schemas.microsoft.com/office/drawing/2014/main" id="{D86D1832-0BC4-46D3-D5C7-3DE5CD4B13CE}"/>
+              </a:ext>
+            </a:extLst>
+          </p:cNvPr>
+          <p:cNvSpPr txBox="1"/>
           <p:nvPr/>
-        </p:nvPicPr>
-        <p:blipFill rotWithShape="1">
-          <a:blip r:embed="rId3">
-            <a:extLst>
-              <a:ext uri="{28A0092B-C50C-407E-A947-70E740481C1C}">
-                <a14:useLocalDpi xmlns:a14="http://schemas.microsoft.com/office/drawing/2010/main" val="0"/>
-              </a:ext>
-            </a:extLst>
-          </a:blip>
-          <a:srcRect r="11010"/>
-          <a:stretch/>
-        </p:blipFill>
-        <p:spPr>
-          <a:xfrm>
-            <a:off x="377687" y="1793510"/>
-            <a:ext cx="4900100" cy="1497289"/>
+        </p:nvSpPr>
+        <p:spPr>
+          <a:xfrm>
+            <a:off x="1833769" y="4323521"/>
+            <a:ext cx="2295938" cy="1477328"/>
           </a:xfrm>
           <a:prstGeom prst="rect">
             <a:avLst/>
           </a:prstGeom>
-        </p:spPr>
-      </p:pic>
-      <p:pic>
-        <p:nvPicPr>
-          <p:cNvPr id="7" name="Picture 6">
-            <a:extLst>
-              <a:ext uri="{FF2B5EF4-FFF2-40B4-BE49-F238E27FC236}">
-                <a16:creationId xmlns:a16="http://schemas.microsoft.com/office/drawing/2014/main" id="{A8589FF8-22BE-4C74-0014-8EF826B19E01}"/>
-              </a:ext>
-            </a:extLst>
-          </p:cNvPr>
-          <p:cNvPicPr>
-            <a:picLocks noChangeAspect="1"/>
-          </p:cNvPicPr>
+          <a:noFill/>
+        </p:spPr>
+        <p:txBody>
+          <a:bodyPr wrap="square" rtlCol="0">
+            <a:spAutoFit/>
+          </a:bodyPr>
+          <a:lstStyle/>
+          <a:p>
+            <a:r>
+              <a:rPr lang="en-US" b="1" dirty="0"/>
+              <a:t>Fully Connected Layer</a:t>
+            </a:r>
+          </a:p>
+          <a:p>
+            <a:r>
+              <a:rPr lang="en-US" dirty="0"/>
+              <a:t>Activation function: </a:t>
+            </a:r>
+            <a:r>
+              <a:rPr lang="en-US" dirty="0" err="1"/>
+              <a:t>ReLU</a:t>
+            </a:r>
+            <a:r>
+              <a:rPr lang="en-US" dirty="0"/>
+              <a:t>: </a:t>
+            </a:r>
+          </a:p>
+          <a:p>
+            <a:r>
+              <a:rPr lang="en-US" dirty="0"/>
+              <a:t>1st layer: 256 unit</a:t>
+            </a:r>
+          </a:p>
+          <a:p>
+            <a:r>
+              <a:rPr lang="en-US" dirty="0"/>
+              <a:t>2nd layer: 512 units</a:t>
+            </a:r>
+          </a:p>
+        </p:txBody>
+      </p:sp>
+      <p:sp>
+        <p:nvSpPr>
+          <p:cNvPr id="8" name="TextBox 7">
+            <a:extLst>
+              <a:ext uri="{FF2B5EF4-FFF2-40B4-BE49-F238E27FC236}">
+                <a16:creationId xmlns:a16="http://schemas.microsoft.com/office/drawing/2014/main" id="{42FBE530-2390-440D-68EA-7927039916F5}"/>
+              </a:ext>
+            </a:extLst>
+          </p:cNvPr>
+          <p:cNvSpPr txBox="1"/>
           <p:nvPr/>
-        </p:nvPicPr>
-        <p:blipFill>
-          <a:blip r:embed="rId4">
-            <a:extLst>
-              <a:ext uri="{28A0092B-C50C-407E-A947-70E740481C1C}">
-                <a14:useLocalDpi xmlns:a14="http://schemas.microsoft.com/office/drawing/2010/main" val="0"/>
-              </a:ext>
-            </a:extLst>
-          </a:blip>
-          <a:stretch>
-            <a:fillRect/>
-          </a:stretch>
-        </p:blipFill>
-        <p:spPr>
-          <a:xfrm>
-            <a:off x="377687" y="5934670"/>
-            <a:ext cx="10511757" cy="823939"/>
+        </p:nvSpPr>
+        <p:spPr>
+          <a:xfrm>
+            <a:off x="8093764" y="4323521"/>
+            <a:ext cx="2309193" cy="1477328"/>
           </a:xfrm>
           <a:prstGeom prst="rect">
             <a:avLst/>
           </a:prstGeom>
-        </p:spPr>
-      </p:pic>
+          <a:noFill/>
+        </p:spPr>
+        <p:txBody>
+          <a:bodyPr wrap="square" rtlCol="0">
+            <a:spAutoFit/>
+          </a:bodyPr>
+          <a:lstStyle/>
+          <a:p>
+            <a:pPr algn="ctr"/>
+            <a:r>
+              <a:rPr lang="en-US" b="1" dirty="0"/>
+              <a:t>Compiler</a:t>
+            </a:r>
+          </a:p>
+          <a:p>
+            <a:r>
+              <a:rPr lang="en-US" dirty="0"/>
+              <a:t>Optimizer: Adam</a:t>
+            </a:r>
+          </a:p>
+          <a:p>
+            <a:r>
+              <a:rPr lang="en-US" dirty="0"/>
+              <a:t>Loss: Categorical Cross Entropy</a:t>
+            </a:r>
+          </a:p>
+          <a:p>
+            <a:r>
+              <a:rPr lang="en-US" dirty="0"/>
+              <a:t>Metrics: Accuracy</a:t>
+            </a:r>
+          </a:p>
+        </p:txBody>
+      </p:sp>
+      <p:sp>
+        <p:nvSpPr>
+          <p:cNvPr id="9" name="TextBox 8">
+            <a:extLst>
+              <a:ext uri="{FF2B5EF4-FFF2-40B4-BE49-F238E27FC236}">
+                <a16:creationId xmlns:a16="http://schemas.microsoft.com/office/drawing/2014/main" id="{24ACAE31-3BA5-7E45-6341-7C1F5EEA7C26}"/>
+              </a:ext>
+            </a:extLst>
+          </p:cNvPr>
+          <p:cNvSpPr txBox="1"/>
+          <p:nvPr/>
+        </p:nvSpPr>
+        <p:spPr>
+          <a:xfrm>
+            <a:off x="4948030" y="4432852"/>
+            <a:ext cx="2295938" cy="1200329"/>
+          </a:xfrm>
+          <a:prstGeom prst="rect">
+            <a:avLst/>
+          </a:prstGeom>
+          <a:noFill/>
+        </p:spPr>
+        <p:txBody>
+          <a:bodyPr wrap="square" rtlCol="0">
+            <a:spAutoFit/>
+          </a:bodyPr>
+          <a:lstStyle/>
+          <a:p>
+            <a:pPr algn="ctr"/>
+            <a:r>
+              <a:rPr lang="en-US" b="1" dirty="0"/>
+              <a:t>Output</a:t>
+            </a:r>
+          </a:p>
+          <a:p>
+            <a:r>
+              <a:rPr lang="en-US" dirty="0"/>
+              <a:t>Activation function: SoftMax</a:t>
+            </a:r>
+          </a:p>
+          <a:p>
+            <a:r>
+              <a:rPr lang="en-US" dirty="0"/>
+              <a:t>Units: 7</a:t>
+            </a:r>
+          </a:p>
+        </p:txBody>
+      </p:sp>
     </p:spTree>
     <p:extLst>
       <p:ext uri="{BB962C8B-B14F-4D97-AF65-F5344CB8AC3E}">
-        <p14:creationId xmlns:p14="http://schemas.microsoft.com/office/powerpoint/2010/main" val="1672602049"/>
+        <p14:creationId xmlns:p14="http://schemas.microsoft.com/office/powerpoint/2010/main" val="767255824"/>
       </p:ext>
     </p:extLst>
   </p:cSld>
@@ -5195,12 +5210,110 @@
           <a:chExt cx="0" cy="0"/>
         </a:xfrm>
       </p:grpSpPr>
+      <p:sp>
+        <p:nvSpPr>
+          <p:cNvPr id="2" name="TextBox 1">
+            <a:extLst>
+              <a:ext uri="{FF2B5EF4-FFF2-40B4-BE49-F238E27FC236}">
+                <a16:creationId xmlns:a16="http://schemas.microsoft.com/office/drawing/2014/main" id="{1D91E143-989D-ACD0-CA67-86F0D8B2CF90}"/>
+              </a:ext>
+            </a:extLst>
+          </p:cNvPr>
+          <p:cNvSpPr txBox="1"/>
+          <p:nvPr/>
+        </p:nvSpPr>
+        <p:spPr>
+          <a:xfrm>
+            <a:off x="188843" y="526774"/>
+            <a:ext cx="3210340" cy="461665"/>
+          </a:xfrm>
+          <a:prstGeom prst="rect">
+            <a:avLst/>
+          </a:prstGeom>
+          <a:noFill/>
+        </p:spPr>
+        <p:txBody>
+          <a:bodyPr wrap="square" rtlCol="0">
+            <a:spAutoFit/>
+          </a:bodyPr>
+          <a:lstStyle/>
+          <a:p>
+            <a:r>
+              <a:rPr lang="en-US" sz="2400" b="1" dirty="0">
+                <a:solidFill>
+                  <a:srgbClr val="02B675"/>
+                </a:solidFill>
+              </a:rPr>
+              <a:t>Training</a:t>
+            </a:r>
+          </a:p>
+        </p:txBody>
+      </p:sp>
+      <p:sp>
+        <p:nvSpPr>
+          <p:cNvPr id="3" name="TextBox 2">
+            <a:extLst>
+              <a:ext uri="{FF2B5EF4-FFF2-40B4-BE49-F238E27FC236}">
+                <a16:creationId xmlns:a16="http://schemas.microsoft.com/office/drawing/2014/main" id="{016C9320-BD7D-8755-6173-AAF8ECA268CF}"/>
+              </a:ext>
+            </a:extLst>
+          </p:cNvPr>
+          <p:cNvSpPr txBox="1"/>
+          <p:nvPr/>
+        </p:nvSpPr>
+        <p:spPr>
+          <a:xfrm>
+            <a:off x="531743" y="3955773"/>
+            <a:ext cx="3771900" cy="923330"/>
+          </a:xfrm>
+          <a:prstGeom prst="rect">
+            <a:avLst/>
+          </a:prstGeom>
+          <a:noFill/>
+        </p:spPr>
+        <p:txBody>
+          <a:bodyPr wrap="square" rtlCol="0">
+            <a:spAutoFit/>
+          </a:bodyPr>
+          <a:lstStyle/>
+          <a:p>
+            <a:r>
+              <a:rPr lang="en-US" b="1" dirty="0"/>
+              <a:t>Number of Epochs</a:t>
+            </a:r>
+            <a:r>
+              <a:rPr lang="en-US" dirty="0"/>
+              <a:t>: 50</a:t>
+            </a:r>
+          </a:p>
+          <a:p>
+            <a:r>
+              <a:rPr lang="en-US" b="1" dirty="0"/>
+              <a:t>Train Set:</a:t>
+            </a:r>
+            <a:r>
+              <a:rPr lang="en-US" dirty="0"/>
+              <a:t> 23,056 </a:t>
+            </a:r>
+          </a:p>
+          <a:p>
+            <a:r>
+              <a:rPr lang="en-US" b="1" dirty="0"/>
+              <a:t>Validate Set:</a:t>
+            </a:r>
+            <a:r>
+              <a:rPr lang="en-US" dirty="0"/>
+              <a:t> 5,765</a:t>
+            </a:r>
+          </a:p>
+        </p:txBody>
+      </p:sp>
       <p:pic>
         <p:nvPicPr>
-          <p:cNvPr id="3" name="Picture 2">
-            <a:extLst>
-              <a:ext uri="{FF2B5EF4-FFF2-40B4-BE49-F238E27FC236}">
-                <a16:creationId xmlns:a16="http://schemas.microsoft.com/office/drawing/2014/main" id="{379F87E0-528F-8CB6-EC81-0169DB525906}"/>
+          <p:cNvPr id="5" name="Picture 4">
+            <a:extLst>
+              <a:ext uri="{FF2B5EF4-FFF2-40B4-BE49-F238E27FC236}">
+                <a16:creationId xmlns:a16="http://schemas.microsoft.com/office/drawing/2014/main" id="{82E31EA4-5C9B-FC43-4FE2-07E887CCF426}"/>
               </a:ext>
             </a:extLst>
           </p:cNvPr>
@@ -5209,7 +5322,7 @@
           </p:cNvPicPr>
           <p:nvPr/>
         </p:nvPicPr>
-        <p:blipFill>
+        <p:blipFill rotWithShape="1">
           <a:blip r:embed="rId3">
             <a:extLst>
               <a:ext uri="{28A0092B-C50C-407E-A947-70E740481C1C}">
@@ -5217,14 +5330,13 @@
               </a:ext>
             </a:extLst>
           </a:blip>
-          <a:stretch>
-            <a:fillRect/>
-          </a:stretch>
+          <a:srcRect r="11010"/>
+          <a:stretch/>
         </p:blipFill>
         <p:spPr>
           <a:xfrm>
-            <a:off x="288235" y="2852529"/>
-            <a:ext cx="4553552" cy="3329609"/>
+            <a:off x="377687" y="1793510"/>
+            <a:ext cx="4900100" cy="1497289"/>
           </a:xfrm>
           <a:prstGeom prst="rect">
             <a:avLst/>
@@ -5233,10 +5345,10 @@
       </p:pic>
       <p:pic>
         <p:nvPicPr>
-          <p:cNvPr id="5" name="Picture 4">
-            <a:extLst>
-              <a:ext uri="{FF2B5EF4-FFF2-40B4-BE49-F238E27FC236}">
-                <a16:creationId xmlns:a16="http://schemas.microsoft.com/office/drawing/2014/main" id="{04C1C62D-752B-1891-3FD6-A3E2E3D2C778}"/>
+          <p:cNvPr id="7" name="Picture 6">
+            <a:extLst>
+              <a:ext uri="{FF2B5EF4-FFF2-40B4-BE49-F238E27FC236}">
+                <a16:creationId xmlns:a16="http://schemas.microsoft.com/office/drawing/2014/main" id="{A8589FF8-22BE-4C74-0014-8EF826B19E01}"/>
               </a:ext>
             </a:extLst>
           </p:cNvPr>
@@ -5259,202 +5371,18 @@
         </p:blipFill>
         <p:spPr>
           <a:xfrm>
-            <a:off x="5840318" y="2852529"/>
-            <a:ext cx="4436824" cy="3329609"/>
+            <a:off x="377687" y="5934670"/>
+            <a:ext cx="10511757" cy="823939"/>
           </a:xfrm>
           <a:prstGeom prst="rect">
             <a:avLst/>
           </a:prstGeom>
         </p:spPr>
       </p:pic>
-      <p:sp>
-        <p:nvSpPr>
-          <p:cNvPr id="6" name="TextBox 5">
-            <a:extLst>
-              <a:ext uri="{FF2B5EF4-FFF2-40B4-BE49-F238E27FC236}">
-                <a16:creationId xmlns:a16="http://schemas.microsoft.com/office/drawing/2014/main" id="{98C8BA2C-A876-906E-DB77-F63DEABBE0F9}"/>
-              </a:ext>
-            </a:extLst>
-          </p:cNvPr>
-          <p:cNvSpPr txBox="1"/>
-          <p:nvPr/>
-        </p:nvSpPr>
-        <p:spPr>
-          <a:xfrm>
-            <a:off x="477078" y="248478"/>
-            <a:ext cx="2633870" cy="461665"/>
-          </a:xfrm>
-          <a:prstGeom prst="rect">
-            <a:avLst/>
-          </a:prstGeom>
-          <a:noFill/>
-        </p:spPr>
-        <p:txBody>
-          <a:bodyPr wrap="square" rtlCol="0">
-            <a:spAutoFit/>
-          </a:bodyPr>
-          <a:lstStyle/>
-          <a:p>
-            <a:r>
-              <a:rPr lang="en-US" sz="2400" b="1" dirty="0">
-                <a:solidFill>
-                  <a:srgbClr val="02B675"/>
-                </a:solidFill>
-              </a:rPr>
-              <a:t>Evaluation</a:t>
-            </a:r>
-          </a:p>
-        </p:txBody>
-      </p:sp>
-      <p:sp>
-        <p:nvSpPr>
-          <p:cNvPr id="7" name="TextBox 6">
-            <a:extLst>
-              <a:ext uri="{FF2B5EF4-FFF2-40B4-BE49-F238E27FC236}">
-                <a16:creationId xmlns:a16="http://schemas.microsoft.com/office/drawing/2014/main" id="{FBF550C2-32AB-4CE3-0F04-5A01D97758FA}"/>
-              </a:ext>
-            </a:extLst>
-          </p:cNvPr>
-          <p:cNvSpPr txBox="1"/>
-          <p:nvPr/>
-        </p:nvSpPr>
-        <p:spPr>
-          <a:xfrm>
-            <a:off x="288235" y="1929199"/>
-            <a:ext cx="4363279" cy="923330"/>
-          </a:xfrm>
-          <a:prstGeom prst="rect">
-            <a:avLst/>
-          </a:prstGeom>
-          <a:noFill/>
-        </p:spPr>
-        <p:txBody>
-          <a:bodyPr wrap="square" rtlCol="0">
-            <a:spAutoFit/>
-          </a:bodyPr>
-          <a:lstStyle/>
-          <a:p>
-            <a:r>
-              <a:rPr lang="en-US" b="1" dirty="0"/>
-              <a:t>Accuracy(after 50 Epochs)</a:t>
-            </a:r>
-          </a:p>
-          <a:p>
-            <a:pPr marL="285750" indent="-285750">
-              <a:buFont typeface="Arial" panose="020B0604020202020204" pitchFamily="34" charset="0"/>
-              <a:buChar char="•"/>
-            </a:pPr>
-            <a:r>
-              <a:rPr lang="en-US" dirty="0"/>
-              <a:t>Train set: 56.28%</a:t>
-            </a:r>
-          </a:p>
-          <a:p>
-            <a:pPr marL="285750" indent="-285750">
-              <a:buFont typeface="Arial" panose="020B0604020202020204" pitchFamily="34" charset="0"/>
-              <a:buChar char="•"/>
-            </a:pPr>
-            <a:r>
-              <a:rPr lang="en-US" dirty="0"/>
-              <a:t>Validate Set: 61.67% </a:t>
-            </a:r>
-          </a:p>
-        </p:txBody>
-      </p:sp>
-      <p:sp>
-        <p:nvSpPr>
-          <p:cNvPr id="8" name="TextBox 7">
-            <a:extLst>
-              <a:ext uri="{FF2B5EF4-FFF2-40B4-BE49-F238E27FC236}">
-                <a16:creationId xmlns:a16="http://schemas.microsoft.com/office/drawing/2014/main" id="{CD45D4DD-7A44-FB15-C00C-068AEBC3AB13}"/>
-              </a:ext>
-            </a:extLst>
-          </p:cNvPr>
-          <p:cNvSpPr txBox="1"/>
-          <p:nvPr/>
-        </p:nvSpPr>
-        <p:spPr>
-          <a:xfrm>
-            <a:off x="5840318" y="1947061"/>
-            <a:ext cx="4323521" cy="923330"/>
-          </a:xfrm>
-          <a:prstGeom prst="rect">
-            <a:avLst/>
-          </a:prstGeom>
-          <a:noFill/>
-        </p:spPr>
-        <p:txBody>
-          <a:bodyPr wrap="square" rtlCol="0">
-            <a:spAutoFit/>
-          </a:bodyPr>
-          <a:lstStyle/>
-          <a:p>
-            <a:r>
-              <a:rPr lang="en-US" b="1" dirty="0"/>
-              <a:t>Loss(after 50 epochs)</a:t>
-            </a:r>
-          </a:p>
-          <a:p>
-            <a:pPr marL="285750" indent="-285750">
-              <a:buFont typeface="Arial" panose="020B0604020202020204" pitchFamily="34" charset="0"/>
-              <a:buChar char="•"/>
-            </a:pPr>
-            <a:r>
-              <a:rPr lang="en-US" dirty="0"/>
-              <a:t>Train set: 1.15</a:t>
-            </a:r>
-          </a:p>
-          <a:p>
-            <a:pPr marL="285750" indent="-285750">
-              <a:buFont typeface="Arial" panose="020B0604020202020204" pitchFamily="34" charset="0"/>
-              <a:buChar char="•"/>
-            </a:pPr>
-            <a:r>
-              <a:rPr lang="en-US" dirty="0"/>
-              <a:t>Validate Set: 1.01</a:t>
-            </a:r>
-          </a:p>
-        </p:txBody>
-      </p:sp>
-      <p:sp>
-        <p:nvSpPr>
-          <p:cNvPr id="9" name="TextBox 8">
-            <a:extLst>
-              <a:ext uri="{FF2B5EF4-FFF2-40B4-BE49-F238E27FC236}">
-                <a16:creationId xmlns:a16="http://schemas.microsoft.com/office/drawing/2014/main" id="{747F1B26-F7F3-EE4F-1968-9AD50275D5A7}"/>
-              </a:ext>
-            </a:extLst>
-          </p:cNvPr>
-          <p:cNvSpPr txBox="1"/>
-          <p:nvPr/>
-        </p:nvSpPr>
-        <p:spPr>
-          <a:xfrm>
-            <a:off x="1216137" y="6319703"/>
-            <a:ext cx="9248361" cy="369332"/>
-          </a:xfrm>
-          <a:prstGeom prst="rect">
-            <a:avLst/>
-          </a:prstGeom>
-          <a:noFill/>
-        </p:spPr>
-        <p:txBody>
-          <a:bodyPr wrap="square" rtlCol="0">
-            <a:spAutoFit/>
-          </a:bodyPr>
-          <a:lstStyle/>
-          <a:p>
-            <a:r>
-              <a:rPr lang="en-US" dirty="0"/>
-              <a:t>Since the graph of validation loss is decreasing, we can conclude the model is not overfitted.</a:t>
-            </a:r>
-          </a:p>
-        </p:txBody>
-      </p:sp>
     </p:spTree>
     <p:extLst>
       <p:ext uri="{BB962C8B-B14F-4D97-AF65-F5344CB8AC3E}">
-        <p14:creationId xmlns:p14="http://schemas.microsoft.com/office/powerpoint/2010/main" val="3540866308"/>
+        <p14:creationId xmlns:p14="http://schemas.microsoft.com/office/powerpoint/2010/main" val="1672602049"/>
       </p:ext>
     </p:extLst>
   </p:cSld>
@@ -5495,51 +5423,12 @@
           <a:chExt cx="0" cy="0"/>
         </a:xfrm>
       </p:grpSpPr>
-      <p:sp>
-        <p:nvSpPr>
-          <p:cNvPr id="2" name="TextBox 1">
-            <a:extLst>
-              <a:ext uri="{FF2B5EF4-FFF2-40B4-BE49-F238E27FC236}">
-                <a16:creationId xmlns:a16="http://schemas.microsoft.com/office/drawing/2014/main" id="{C0CCC59A-64B4-97EB-C281-D881F2D76F6C}"/>
-              </a:ext>
-            </a:extLst>
-          </p:cNvPr>
-          <p:cNvSpPr txBox="1"/>
-          <p:nvPr/>
-        </p:nvSpPr>
-        <p:spPr>
-          <a:xfrm>
-            <a:off x="5521600" y="437322"/>
-            <a:ext cx="1719470" cy="461665"/>
-          </a:xfrm>
-          <a:prstGeom prst="rect">
-            <a:avLst/>
-          </a:prstGeom>
-          <a:noFill/>
-        </p:spPr>
-        <p:txBody>
-          <a:bodyPr wrap="square" rtlCol="0">
-            <a:spAutoFit/>
-          </a:bodyPr>
-          <a:lstStyle/>
-          <a:p>
-            <a:r>
-              <a:rPr lang="en-US" sz="2400" b="1" dirty="0">
-                <a:solidFill>
-                  <a:srgbClr val="02B675"/>
-                </a:solidFill>
-              </a:rPr>
-              <a:t>Testing</a:t>
-            </a:r>
-          </a:p>
-        </p:txBody>
-      </p:sp>
       <p:pic>
         <p:nvPicPr>
-          <p:cNvPr id="4" name="Picture 3">
-            <a:extLst>
-              <a:ext uri="{FF2B5EF4-FFF2-40B4-BE49-F238E27FC236}">
-                <a16:creationId xmlns:a16="http://schemas.microsoft.com/office/drawing/2014/main" id="{88321A17-7D71-574B-FAF0-DBA5303F29AC}"/>
+          <p:cNvPr id="3" name="Picture 2">
+            <a:extLst>
+              <a:ext uri="{FF2B5EF4-FFF2-40B4-BE49-F238E27FC236}">
+                <a16:creationId xmlns:a16="http://schemas.microsoft.com/office/drawing/2014/main" id="{379F87E0-528F-8CB6-EC81-0169DB525906}"/>
               </a:ext>
             </a:extLst>
           </p:cNvPr>
@@ -5562,8 +5451,8 @@
         </p:blipFill>
         <p:spPr>
           <a:xfrm>
-            <a:off x="5621820" y="1573334"/>
-            <a:ext cx="3429000" cy="2095500"/>
+            <a:off x="288235" y="2852529"/>
+            <a:ext cx="4553552" cy="3329609"/>
           </a:xfrm>
           <a:prstGeom prst="rect">
             <a:avLst/>
@@ -5572,10 +5461,10 @@
       </p:pic>
       <p:pic>
         <p:nvPicPr>
-          <p:cNvPr id="6" name="Picture 5">
-            <a:extLst>
-              <a:ext uri="{FF2B5EF4-FFF2-40B4-BE49-F238E27FC236}">
-                <a16:creationId xmlns:a16="http://schemas.microsoft.com/office/drawing/2014/main" id="{A797305C-5D15-4E99-6FDA-0D8D501A0031}"/>
+          <p:cNvPr id="5" name="Picture 4">
+            <a:extLst>
+              <a:ext uri="{FF2B5EF4-FFF2-40B4-BE49-F238E27FC236}">
+                <a16:creationId xmlns:a16="http://schemas.microsoft.com/office/drawing/2014/main" id="{04C1C62D-752B-1891-3FD6-A3E2E3D2C778}"/>
               </a:ext>
             </a:extLst>
           </p:cNvPr>
@@ -5598,8 +5487,8 @@
         </p:blipFill>
         <p:spPr>
           <a:xfrm>
-            <a:off x="5574195" y="4421938"/>
-            <a:ext cx="3524250" cy="2419350"/>
+            <a:off x="5840318" y="2852529"/>
+            <a:ext cx="4436824" cy="3329609"/>
           </a:xfrm>
           <a:prstGeom prst="rect">
             <a:avLst/>
@@ -5608,10 +5497,10 @@
       </p:pic>
       <p:sp>
         <p:nvSpPr>
-          <p:cNvPr id="7" name="TextBox 6">
-            <a:extLst>
-              <a:ext uri="{FF2B5EF4-FFF2-40B4-BE49-F238E27FC236}">
-                <a16:creationId xmlns:a16="http://schemas.microsoft.com/office/drawing/2014/main" id="{50599DA3-6B79-4E42-CA1A-EC2DD451551C}"/>
+          <p:cNvPr id="6" name="TextBox 5">
+            <a:extLst>
+              <a:ext uri="{FF2B5EF4-FFF2-40B4-BE49-F238E27FC236}">
+                <a16:creationId xmlns:a16="http://schemas.microsoft.com/office/drawing/2014/main" id="{98C8BA2C-A876-906E-DB77-F63DEABBE0F9}"/>
               </a:ext>
             </a:extLst>
           </p:cNvPr>
@@ -5620,8 +5509,8 @@
         </p:nvSpPr>
         <p:spPr>
           <a:xfrm>
-            <a:off x="9531626" y="2653172"/>
-            <a:ext cx="2554357" cy="2031325"/>
+            <a:off x="477078" y="248478"/>
+            <a:ext cx="2633870" cy="461665"/>
           </a:xfrm>
           <a:prstGeom prst="rect">
             <a:avLst/>
@@ -5635,61 +5524,22 @@
           <a:lstStyle/>
           <a:p>
             <a:r>
-              <a:rPr lang="en-US" dirty="0"/>
-              <a:t>When the model was tested on unseen data.</a:t>
-            </a:r>
-          </a:p>
-          <a:p>
-            <a:endParaRPr lang="en-US" dirty="0"/>
-          </a:p>
-          <a:p>
-            <a:r>
-              <a:rPr lang="en-US" dirty="0"/>
-              <a:t>It’s </a:t>
-            </a:r>
-            <a:r>
-              <a:rPr lang="en-US" b="1" dirty="0"/>
-              <a:t>Loss </a:t>
-            </a:r>
-            <a:r>
-              <a:rPr lang="en-US" dirty="0"/>
-              <a:t>was </a:t>
-            </a:r>
-            <a:r>
-              <a:rPr lang="en-US" b="1" dirty="0"/>
-              <a:t>1.01</a:t>
-            </a:r>
-            <a:r>
-              <a:rPr lang="en-US" dirty="0"/>
-              <a:t>, and</a:t>
-            </a:r>
-          </a:p>
-          <a:p>
-            <a:r>
-              <a:rPr lang="en-US" dirty="0"/>
-              <a:t>It correctly predicted classes with an </a:t>
-            </a:r>
-            <a:r>
-              <a:rPr lang="en-US" b="1" dirty="0"/>
-              <a:t>Accuracy Score </a:t>
-            </a:r>
-            <a:r>
-              <a:rPr lang="en-US" dirty="0"/>
-              <a:t>of </a:t>
-            </a:r>
-            <a:r>
-              <a:rPr lang="en-US" b="1" dirty="0"/>
-              <a:t>62.5%.</a:t>
-            </a:r>
-          </a:p>
-        </p:txBody>
-      </p:sp>
-      <p:sp>
-        <p:nvSpPr>
-          <p:cNvPr id="8" name="TextBox 7">
-            <a:extLst>
-              <a:ext uri="{FF2B5EF4-FFF2-40B4-BE49-F238E27FC236}">
-                <a16:creationId xmlns:a16="http://schemas.microsoft.com/office/drawing/2014/main" id="{33B33775-32DE-570C-5777-2329F609DBAD}"/>
+              <a:rPr lang="en-US" sz="2400" b="1" dirty="0">
+                <a:solidFill>
+                  <a:srgbClr val="02B675"/>
+                </a:solidFill>
+              </a:rPr>
+              <a:t>Evaluation</a:t>
+            </a:r>
+          </a:p>
+        </p:txBody>
+      </p:sp>
+      <p:sp>
+        <p:nvSpPr>
+          <p:cNvPr id="7" name="TextBox 6">
+            <a:extLst>
+              <a:ext uri="{FF2B5EF4-FFF2-40B4-BE49-F238E27FC236}">
+                <a16:creationId xmlns:a16="http://schemas.microsoft.com/office/drawing/2014/main" id="{FBF550C2-32AB-4CE3-0F04-5A01D97758FA}"/>
               </a:ext>
             </a:extLst>
           </p:cNvPr>
@@ -5698,8 +5548,8 @@
         </p:nvSpPr>
         <p:spPr>
           <a:xfrm>
-            <a:off x="5625548" y="1142422"/>
-            <a:ext cx="2872409" cy="369332"/>
+            <a:off x="288235" y="1929199"/>
+            <a:ext cx="4363279" cy="923330"/>
           </a:xfrm>
           <a:prstGeom prst="rect">
             <a:avLst/>
@@ -5714,17 +5564,37 @@
           <a:p>
             <a:r>
               <a:rPr lang="en-US" b="1" dirty="0"/>
-              <a:t>Classification Report</a:t>
-            </a:r>
-          </a:p>
-        </p:txBody>
-      </p:sp>
-      <p:sp>
-        <p:nvSpPr>
-          <p:cNvPr id="9" name="TextBox 8">
-            <a:extLst>
-              <a:ext uri="{FF2B5EF4-FFF2-40B4-BE49-F238E27FC236}">
-                <a16:creationId xmlns:a16="http://schemas.microsoft.com/office/drawing/2014/main" id="{AC42CEA2-7B8B-3CEB-A00C-970BCAE03CAA}"/>
+              <a:t>Accuracy(after 50 Epochs)</a:t>
+            </a:r>
+          </a:p>
+          <a:p>
+            <a:pPr marL="285750" indent="-285750">
+              <a:buFont typeface="Arial" panose="020B0604020202020204" pitchFamily="34" charset="0"/>
+              <a:buChar char="•"/>
+            </a:pPr>
+            <a:r>
+              <a:rPr lang="en-US" dirty="0"/>
+              <a:t>Train set: 56.28%</a:t>
+            </a:r>
+          </a:p>
+          <a:p>
+            <a:pPr marL="285750" indent="-285750">
+              <a:buFont typeface="Arial" panose="020B0604020202020204" pitchFamily="34" charset="0"/>
+              <a:buChar char="•"/>
+            </a:pPr>
+            <a:r>
+              <a:rPr lang="en-US" dirty="0"/>
+              <a:t>Validate Set: 61.67% </a:t>
+            </a:r>
+          </a:p>
+        </p:txBody>
+      </p:sp>
+      <p:sp>
+        <p:nvSpPr>
+          <p:cNvPr id="8" name="TextBox 7">
+            <a:extLst>
+              <a:ext uri="{FF2B5EF4-FFF2-40B4-BE49-F238E27FC236}">
+                <a16:creationId xmlns:a16="http://schemas.microsoft.com/office/drawing/2014/main" id="{CD45D4DD-7A44-FB15-C00C-068AEBC3AB13}"/>
               </a:ext>
             </a:extLst>
           </p:cNvPr>
@@ -5733,8 +5603,8 @@
         </p:nvSpPr>
         <p:spPr>
           <a:xfrm>
-            <a:off x="5621820" y="3973849"/>
-            <a:ext cx="3084858" cy="369332"/>
+            <a:off x="5840318" y="1947061"/>
+            <a:ext cx="4323521" cy="923330"/>
           </a:xfrm>
           <a:prstGeom prst="rect">
             <a:avLst/>
@@ -5749,7 +5619,62 @@
           <a:p>
             <a:r>
               <a:rPr lang="en-US" b="1" dirty="0"/>
-              <a:t>Prediction</a:t>
+              <a:t>Loss(after 50 epochs)</a:t>
+            </a:r>
+          </a:p>
+          <a:p>
+            <a:pPr marL="285750" indent="-285750">
+              <a:buFont typeface="Arial" panose="020B0604020202020204" pitchFamily="34" charset="0"/>
+              <a:buChar char="•"/>
+            </a:pPr>
+            <a:r>
+              <a:rPr lang="en-US" dirty="0"/>
+              <a:t>Train set: 1.15</a:t>
+            </a:r>
+          </a:p>
+          <a:p>
+            <a:pPr marL="285750" indent="-285750">
+              <a:buFont typeface="Arial" panose="020B0604020202020204" pitchFamily="34" charset="0"/>
+              <a:buChar char="•"/>
+            </a:pPr>
+            <a:r>
+              <a:rPr lang="en-US" dirty="0"/>
+              <a:t>Validate Set: 1.01</a:t>
+            </a:r>
+          </a:p>
+        </p:txBody>
+      </p:sp>
+      <p:sp>
+        <p:nvSpPr>
+          <p:cNvPr id="9" name="TextBox 8">
+            <a:extLst>
+              <a:ext uri="{FF2B5EF4-FFF2-40B4-BE49-F238E27FC236}">
+                <a16:creationId xmlns:a16="http://schemas.microsoft.com/office/drawing/2014/main" id="{747F1B26-F7F3-EE4F-1968-9AD50275D5A7}"/>
+              </a:ext>
+            </a:extLst>
+          </p:cNvPr>
+          <p:cNvSpPr txBox="1"/>
+          <p:nvPr/>
+        </p:nvSpPr>
+        <p:spPr>
+          <a:xfrm>
+            <a:off x="1216137" y="6319703"/>
+            <a:ext cx="9248361" cy="369332"/>
+          </a:xfrm>
+          <a:prstGeom prst="rect">
+            <a:avLst/>
+          </a:prstGeom>
+          <a:noFill/>
+        </p:spPr>
+        <p:txBody>
+          <a:bodyPr wrap="square" rtlCol="0">
+            <a:spAutoFit/>
+          </a:bodyPr>
+          <a:lstStyle/>
+          <a:p>
+            <a:r>
+              <a:rPr lang="en-US" dirty="0"/>
+              <a:t>Since the graph of validation loss is decreasing, we can conclude the model is not overfitted.</a:t>
             </a:r>
           </a:p>
         </p:txBody>
@@ -5757,7 +5682,7 @@
     </p:spTree>
     <p:extLst>
       <p:ext uri="{BB962C8B-B14F-4D97-AF65-F5344CB8AC3E}">
-        <p14:creationId xmlns:p14="http://schemas.microsoft.com/office/powerpoint/2010/main" val="1506381749"/>
+        <p14:creationId xmlns:p14="http://schemas.microsoft.com/office/powerpoint/2010/main" val="3540866308"/>
       </p:ext>
     </p:extLst>
   </p:cSld>
@@ -5803,7 +5728,7 @@
           <p:cNvPr id="2" name="TextBox 1">
             <a:extLst>
               <a:ext uri="{FF2B5EF4-FFF2-40B4-BE49-F238E27FC236}">
-                <a16:creationId xmlns:a16="http://schemas.microsoft.com/office/drawing/2014/main" id="{B18026BE-F118-9A15-962C-D835273DABFB}"/>
+                <a16:creationId xmlns:a16="http://schemas.microsoft.com/office/drawing/2014/main" id="{C0CCC59A-64B4-97EB-C281-D881F2D76F6C}"/>
               </a:ext>
             </a:extLst>
           </p:cNvPr>
@@ -5812,43 +5737,8 @@
         </p:nvSpPr>
         <p:spPr>
           <a:xfrm>
-            <a:off x="188844" y="1172818"/>
-            <a:ext cx="4611756" cy="400110"/>
-          </a:xfrm>
-          <a:prstGeom prst="rect">
-            <a:avLst/>
-          </a:prstGeom>
-          <a:noFill/>
-        </p:spPr>
-        <p:txBody>
-          <a:bodyPr wrap="square" rtlCol="0">
-            <a:spAutoFit/>
-          </a:bodyPr>
-          <a:lstStyle/>
-          <a:p>
-            <a:r>
-              <a:rPr lang="en-US" sz="2000" b="1" dirty="0"/>
-              <a:t>Steps for Face Detection:</a:t>
-            </a:r>
-          </a:p>
-        </p:txBody>
-      </p:sp>
-      <p:sp>
-        <p:nvSpPr>
-          <p:cNvPr id="3" name="TextBox 2">
-            <a:extLst>
-              <a:ext uri="{FF2B5EF4-FFF2-40B4-BE49-F238E27FC236}">
-                <a16:creationId xmlns:a16="http://schemas.microsoft.com/office/drawing/2014/main" id="{5E998E51-9C37-1349-A614-341F445DCA88}"/>
-              </a:ext>
-            </a:extLst>
-          </p:cNvPr>
-          <p:cNvSpPr txBox="1"/>
-          <p:nvPr/>
-        </p:nvSpPr>
-        <p:spPr>
-          <a:xfrm>
-            <a:off x="99391" y="347869"/>
-            <a:ext cx="6082748" cy="461665"/>
+            <a:off x="5521600" y="437322"/>
+            <a:ext cx="1719470" cy="461665"/>
           </a:xfrm>
           <a:prstGeom prst="rect">
             <a:avLst/>
@@ -5866,144 +5756,18 @@
                 <a:solidFill>
                   <a:srgbClr val="02B675"/>
                 </a:solidFill>
-                <a:latin typeface="Arial Rounded MT Bold" panose="020F0704030504030204" pitchFamily="34" charset="0"/>
               </a:rPr>
-              <a:t>Face Detection and Model Deployment</a:t>
-            </a:r>
-          </a:p>
-        </p:txBody>
-      </p:sp>
-      <p:sp>
-        <p:nvSpPr>
-          <p:cNvPr id="4" name="TextBox 3">
-            <a:extLst>
-              <a:ext uri="{FF2B5EF4-FFF2-40B4-BE49-F238E27FC236}">
-                <a16:creationId xmlns:a16="http://schemas.microsoft.com/office/drawing/2014/main" id="{5FCFA12D-E5CE-D653-4F14-D7C610810C37}"/>
-              </a:ext>
-            </a:extLst>
-          </p:cNvPr>
-          <p:cNvSpPr txBox="1"/>
-          <p:nvPr/>
-        </p:nvSpPr>
-        <p:spPr>
-          <a:xfrm>
-            <a:off x="266549" y="1674216"/>
-            <a:ext cx="4104861" cy="1200329"/>
-          </a:xfrm>
-          <a:prstGeom prst="rect">
-            <a:avLst/>
-          </a:prstGeom>
-          <a:noFill/>
-        </p:spPr>
-        <p:txBody>
-          <a:bodyPr wrap="square" rtlCol="0">
-            <a:spAutoFit/>
-          </a:bodyPr>
-          <a:lstStyle/>
-          <a:p>
-            <a:pPr marL="342900" indent="-342900">
-              <a:buFont typeface="+mj-lt"/>
-              <a:buAutoNum type="arabicPeriod"/>
-            </a:pPr>
-            <a:r>
-              <a:rPr lang="en-US" dirty="0"/>
-              <a:t>Loading Image</a:t>
-            </a:r>
-          </a:p>
-          <a:p>
-            <a:pPr marL="342900" indent="-342900">
-              <a:buFont typeface="+mj-lt"/>
-              <a:buAutoNum type="arabicPeriod"/>
-            </a:pPr>
-            <a:endParaRPr lang="en-US" dirty="0"/>
-          </a:p>
-          <a:p>
-            <a:pPr marL="342900" indent="-342900">
-              <a:buFont typeface="+mj-lt"/>
-              <a:buAutoNum type="arabicPeriod"/>
-            </a:pPr>
-            <a:r>
-              <a:rPr lang="en-US" dirty="0"/>
-              <a:t>Converting the image into grayscale</a:t>
-            </a:r>
-          </a:p>
-          <a:p>
-            <a:endParaRPr lang="en-US" dirty="0"/>
-          </a:p>
-        </p:txBody>
-      </p:sp>
-      <p:sp>
-        <p:nvSpPr>
-          <p:cNvPr id="5" name="TextBox 4">
-            <a:extLst>
-              <a:ext uri="{FF2B5EF4-FFF2-40B4-BE49-F238E27FC236}">
-                <a16:creationId xmlns:a16="http://schemas.microsoft.com/office/drawing/2014/main" id="{BEC31A13-9928-4C98-1E15-E06720FF8123}"/>
-              </a:ext>
-            </a:extLst>
-          </p:cNvPr>
-          <p:cNvSpPr txBox="1"/>
-          <p:nvPr/>
-        </p:nvSpPr>
-        <p:spPr>
-          <a:xfrm>
-            <a:off x="8304143" y="1401118"/>
-            <a:ext cx="4707835" cy="1477328"/>
-          </a:xfrm>
-          <a:prstGeom prst="rect">
-            <a:avLst/>
-          </a:prstGeom>
-          <a:noFill/>
-        </p:spPr>
-        <p:txBody>
-          <a:bodyPr wrap="square" rtlCol="0">
-            <a:spAutoFit/>
-          </a:bodyPr>
-          <a:lstStyle/>
-          <a:p>
-            <a:pPr marL="342900" indent="-342900">
-              <a:buFont typeface="+mj-lt"/>
-              <a:buAutoNum type="arabicPeriod"/>
-            </a:pPr>
-            <a:endParaRPr lang="en-US" dirty="0"/>
-          </a:p>
-          <a:p>
-            <a:r>
-              <a:rPr lang="en-US" dirty="0"/>
-              <a:t>3.    Applying </a:t>
-            </a:r>
-            <a:r>
-              <a:rPr lang="en-US" dirty="0" err="1"/>
-              <a:t>Haar</a:t>
-            </a:r>
-            <a:r>
-              <a:rPr lang="en-US" dirty="0"/>
-              <a:t> Cascade </a:t>
-            </a:r>
-          </a:p>
-          <a:p>
-            <a:pPr marL="342900" indent="-342900">
-              <a:buFont typeface="+mj-lt"/>
-              <a:buAutoNum type="arabicPeriod"/>
-            </a:pPr>
-            <a:endParaRPr lang="en-US" dirty="0"/>
-          </a:p>
-          <a:p>
-            <a:r>
-              <a:rPr lang="en-US" dirty="0"/>
-              <a:t>4.    Saving the coordinates in a variable</a:t>
-            </a:r>
-          </a:p>
-          <a:p>
-            <a:endParaRPr lang="en-US" dirty="0"/>
+              <a:t>Testing</a:t>
+            </a:r>
           </a:p>
         </p:txBody>
       </p:sp>
       <p:pic>
         <p:nvPicPr>
-          <p:cNvPr id="7" name="Picture 6">
-            <a:extLst>
-              <a:ext uri="{FF2B5EF4-FFF2-40B4-BE49-F238E27FC236}">
-                <a16:creationId xmlns:a16="http://schemas.microsoft.com/office/drawing/2014/main" id="{3FB35978-76AE-359F-C492-D4E4E19CEFC5}"/>
+          <p:cNvPr id="4" name="Picture 3">
+            <a:extLst>
+              <a:ext uri="{FF2B5EF4-FFF2-40B4-BE49-F238E27FC236}">
+                <a16:creationId xmlns:a16="http://schemas.microsoft.com/office/drawing/2014/main" id="{88321A17-7D71-574B-FAF0-DBA5303F29AC}"/>
               </a:ext>
             </a:extLst>
           </p:cNvPr>
@@ -6026,8 +5790,8 @@
         </p:blipFill>
         <p:spPr>
           <a:xfrm>
-            <a:off x="401539" y="4126544"/>
-            <a:ext cx="1917440" cy="2393646"/>
+            <a:off x="5621820" y="1573334"/>
+            <a:ext cx="3429000" cy="2095500"/>
           </a:xfrm>
           <a:prstGeom prst="rect">
             <a:avLst/>
@@ -6036,10 +5800,10 @@
       </p:pic>
       <p:pic>
         <p:nvPicPr>
-          <p:cNvPr id="9" name="Picture 8">
-            <a:extLst>
-              <a:ext uri="{FF2B5EF4-FFF2-40B4-BE49-F238E27FC236}">
-                <a16:creationId xmlns:a16="http://schemas.microsoft.com/office/drawing/2014/main" id="{7C500A6E-2755-CDE1-7E58-3F71E859ECC0}"/>
+          <p:cNvPr id="6" name="Picture 5">
+            <a:extLst>
+              <a:ext uri="{FF2B5EF4-FFF2-40B4-BE49-F238E27FC236}">
+                <a16:creationId xmlns:a16="http://schemas.microsoft.com/office/drawing/2014/main" id="{A797305C-5D15-4E99-6FDA-0D8D501A0031}"/>
               </a:ext>
             </a:extLst>
           </p:cNvPr>
@@ -6062,90 +5826,166 @@
         </p:blipFill>
         <p:spPr>
           <a:xfrm>
-            <a:off x="9372876" y="4126544"/>
-            <a:ext cx="2098687" cy="2229483"/>
+            <a:off x="5574195" y="4421938"/>
+            <a:ext cx="3524250" cy="2419350"/>
           </a:xfrm>
           <a:prstGeom prst="rect">
             <a:avLst/>
           </a:prstGeom>
         </p:spPr>
       </p:pic>
-      <p:pic>
-        <p:nvPicPr>
-          <p:cNvPr id="11" name="Picture 10">
-            <a:extLst>
-              <a:ext uri="{FF2B5EF4-FFF2-40B4-BE49-F238E27FC236}">
-                <a16:creationId xmlns:a16="http://schemas.microsoft.com/office/drawing/2014/main" id="{9163AB4B-5CD5-9D7F-F4A1-53789066D5D0}"/>
-              </a:ext>
-            </a:extLst>
-          </p:cNvPr>
-          <p:cNvPicPr>
-            <a:picLocks noChangeAspect="1"/>
-          </p:cNvPicPr>
+      <p:sp>
+        <p:nvSpPr>
+          <p:cNvPr id="7" name="TextBox 6">
+            <a:extLst>
+              <a:ext uri="{FF2B5EF4-FFF2-40B4-BE49-F238E27FC236}">
+                <a16:creationId xmlns:a16="http://schemas.microsoft.com/office/drawing/2014/main" id="{50599DA3-6B79-4E42-CA1A-EC2DD451551C}"/>
+              </a:ext>
+            </a:extLst>
+          </p:cNvPr>
+          <p:cNvSpPr txBox="1"/>
           <p:nvPr/>
-        </p:nvPicPr>
-        <p:blipFill>
-          <a:blip r:embed="rId5">
-            <a:extLst>
-              <a:ext uri="{28A0092B-C50C-407E-A947-70E740481C1C}">
-                <a14:useLocalDpi xmlns:a14="http://schemas.microsoft.com/office/drawing/2010/main" val="0"/>
-              </a:ext>
-            </a:extLst>
-          </a:blip>
-          <a:stretch>
-            <a:fillRect/>
-          </a:stretch>
-        </p:blipFill>
-        <p:spPr>
-          <a:xfrm>
-            <a:off x="266549" y="2874545"/>
-            <a:ext cx="2640556" cy="1038081"/>
+        </p:nvSpPr>
+        <p:spPr>
+          <a:xfrm>
+            <a:off x="9531626" y="2653172"/>
+            <a:ext cx="2554357" cy="2031325"/>
           </a:xfrm>
           <a:prstGeom prst="rect">
             <a:avLst/>
           </a:prstGeom>
-        </p:spPr>
-      </p:pic>
-      <p:pic>
-        <p:nvPicPr>
-          <p:cNvPr id="13" name="Picture 12">
-            <a:extLst>
-              <a:ext uri="{FF2B5EF4-FFF2-40B4-BE49-F238E27FC236}">
-                <a16:creationId xmlns:a16="http://schemas.microsoft.com/office/drawing/2014/main" id="{B1FEA619-BFA0-A803-385F-6311EF362C17}"/>
-              </a:ext>
-            </a:extLst>
-          </p:cNvPr>
-          <p:cNvPicPr>
-            <a:picLocks noChangeAspect="1"/>
-          </p:cNvPicPr>
+          <a:noFill/>
+        </p:spPr>
+        <p:txBody>
+          <a:bodyPr wrap="square" rtlCol="0">
+            <a:spAutoFit/>
+          </a:bodyPr>
+          <a:lstStyle/>
+          <a:p>
+            <a:r>
+              <a:rPr lang="en-US" dirty="0"/>
+              <a:t>When the model was tested on unseen data.</a:t>
+            </a:r>
+          </a:p>
+          <a:p>
+            <a:endParaRPr lang="en-US" dirty="0"/>
+          </a:p>
+          <a:p>
+            <a:r>
+              <a:rPr lang="en-US" dirty="0"/>
+              <a:t>It’s </a:t>
+            </a:r>
+            <a:r>
+              <a:rPr lang="en-US" b="1" dirty="0"/>
+              <a:t>Loss </a:t>
+            </a:r>
+            <a:r>
+              <a:rPr lang="en-US" dirty="0"/>
+              <a:t>was </a:t>
+            </a:r>
+            <a:r>
+              <a:rPr lang="en-US" b="1" dirty="0"/>
+              <a:t>1.01</a:t>
+            </a:r>
+            <a:r>
+              <a:rPr lang="en-US" dirty="0"/>
+              <a:t>, and</a:t>
+            </a:r>
+          </a:p>
+          <a:p>
+            <a:r>
+              <a:rPr lang="en-US" dirty="0"/>
+              <a:t>It correctly predicted classes with an </a:t>
+            </a:r>
+            <a:r>
+              <a:rPr lang="en-US" b="1" dirty="0"/>
+              <a:t>Accuracy Score </a:t>
+            </a:r>
+            <a:r>
+              <a:rPr lang="en-US" dirty="0"/>
+              <a:t>of </a:t>
+            </a:r>
+            <a:r>
+              <a:rPr lang="en-US" b="1" dirty="0"/>
+              <a:t>62.5%.</a:t>
+            </a:r>
+          </a:p>
+        </p:txBody>
+      </p:sp>
+      <p:sp>
+        <p:nvSpPr>
+          <p:cNvPr id="8" name="TextBox 7">
+            <a:extLst>
+              <a:ext uri="{FF2B5EF4-FFF2-40B4-BE49-F238E27FC236}">
+                <a16:creationId xmlns:a16="http://schemas.microsoft.com/office/drawing/2014/main" id="{33B33775-32DE-570C-5777-2329F609DBAD}"/>
+              </a:ext>
+            </a:extLst>
+          </p:cNvPr>
+          <p:cNvSpPr txBox="1"/>
           <p:nvPr/>
-        </p:nvPicPr>
-        <p:blipFill>
-          <a:blip r:embed="rId6">
-            <a:extLst>
-              <a:ext uri="{28A0092B-C50C-407E-A947-70E740481C1C}">
-                <a14:useLocalDpi xmlns:a14="http://schemas.microsoft.com/office/drawing/2010/main" val="0"/>
-              </a:ext>
-            </a:extLst>
-          </a:blip>
-          <a:stretch>
-            <a:fillRect/>
-          </a:stretch>
-        </p:blipFill>
-        <p:spPr>
-          <a:xfrm>
-            <a:off x="8779343" y="2874545"/>
-            <a:ext cx="3285754" cy="893314"/>
+        </p:nvSpPr>
+        <p:spPr>
+          <a:xfrm>
+            <a:off x="5625548" y="1142422"/>
+            <a:ext cx="2872409" cy="369332"/>
           </a:xfrm>
           <a:prstGeom prst="rect">
             <a:avLst/>
           </a:prstGeom>
-        </p:spPr>
-      </p:pic>
+          <a:noFill/>
+        </p:spPr>
+        <p:txBody>
+          <a:bodyPr wrap="square" rtlCol="0">
+            <a:spAutoFit/>
+          </a:bodyPr>
+          <a:lstStyle/>
+          <a:p>
+            <a:r>
+              <a:rPr lang="en-US" b="1" dirty="0"/>
+              <a:t>Classification Report</a:t>
+            </a:r>
+          </a:p>
+        </p:txBody>
+      </p:sp>
+      <p:sp>
+        <p:nvSpPr>
+          <p:cNvPr id="9" name="TextBox 8">
+            <a:extLst>
+              <a:ext uri="{FF2B5EF4-FFF2-40B4-BE49-F238E27FC236}">
+                <a16:creationId xmlns:a16="http://schemas.microsoft.com/office/drawing/2014/main" id="{AC42CEA2-7B8B-3CEB-A00C-970BCAE03CAA}"/>
+              </a:ext>
+            </a:extLst>
+          </p:cNvPr>
+          <p:cNvSpPr txBox="1"/>
+          <p:nvPr/>
+        </p:nvSpPr>
+        <p:spPr>
+          <a:xfrm>
+            <a:off x="5621820" y="3973849"/>
+            <a:ext cx="3084858" cy="369332"/>
+          </a:xfrm>
+          <a:prstGeom prst="rect">
+            <a:avLst/>
+          </a:prstGeom>
+          <a:noFill/>
+        </p:spPr>
+        <p:txBody>
+          <a:bodyPr wrap="square" rtlCol="0">
+            <a:spAutoFit/>
+          </a:bodyPr>
+          <a:lstStyle/>
+          <a:p>
+            <a:r>
+              <a:rPr lang="en-US" b="1" dirty="0"/>
+              <a:t>Prediction</a:t>
+            </a:r>
+          </a:p>
+        </p:txBody>
+      </p:sp>
     </p:spTree>
     <p:extLst>
       <p:ext uri="{BB962C8B-B14F-4D97-AF65-F5344CB8AC3E}">
-        <p14:creationId xmlns:p14="http://schemas.microsoft.com/office/powerpoint/2010/main" val="161104652"/>
+        <p14:creationId xmlns:p14="http://schemas.microsoft.com/office/powerpoint/2010/main" val="1506381749"/>
       </p:ext>
     </p:extLst>
   </p:cSld>
@@ -6191,7 +6031,7 @@
           <p:cNvPr id="2" name="TextBox 1">
             <a:extLst>
               <a:ext uri="{FF2B5EF4-FFF2-40B4-BE49-F238E27FC236}">
-                <a16:creationId xmlns:a16="http://schemas.microsoft.com/office/drawing/2014/main" id="{FEC73E83-6BD9-EC9A-C76F-3258442D9CD2}"/>
+                <a16:creationId xmlns:a16="http://schemas.microsoft.com/office/drawing/2014/main" id="{B18026BE-F118-9A15-962C-D835273DABFB}"/>
               </a:ext>
             </a:extLst>
           </p:cNvPr>
@@ -6200,8 +6040,43 @@
         </p:nvSpPr>
         <p:spPr>
           <a:xfrm>
-            <a:off x="259773" y="384464"/>
-            <a:ext cx="5985163" cy="738664"/>
+            <a:off x="188844" y="1172818"/>
+            <a:ext cx="4611756" cy="400110"/>
+          </a:xfrm>
+          <a:prstGeom prst="rect">
+            <a:avLst/>
+          </a:prstGeom>
+          <a:noFill/>
+        </p:spPr>
+        <p:txBody>
+          <a:bodyPr wrap="square" rtlCol="0">
+            <a:spAutoFit/>
+          </a:bodyPr>
+          <a:lstStyle/>
+          <a:p>
+            <a:r>
+              <a:rPr lang="en-US" sz="2000" b="1" dirty="0"/>
+              <a:t>Steps for Face Detection:</a:t>
+            </a:r>
+          </a:p>
+        </p:txBody>
+      </p:sp>
+      <p:sp>
+        <p:nvSpPr>
+          <p:cNvPr id="3" name="TextBox 2">
+            <a:extLst>
+              <a:ext uri="{FF2B5EF4-FFF2-40B4-BE49-F238E27FC236}">
+                <a16:creationId xmlns:a16="http://schemas.microsoft.com/office/drawing/2014/main" id="{5E998E51-9C37-1349-A614-341F445DCA88}"/>
+              </a:ext>
+            </a:extLst>
+          </p:cNvPr>
+          <p:cNvSpPr txBox="1"/>
+          <p:nvPr/>
+        </p:nvSpPr>
+        <p:spPr>
+          <a:xfrm>
+            <a:off x="99391" y="347869"/>
+            <a:ext cx="6082748" cy="461665"/>
           </a:xfrm>
           <a:prstGeom prst="rect">
             <a:avLst/>
@@ -6224,295 +6099,139 @@
               <a:t>Face Detection and Model Deployment</a:t>
             </a:r>
           </a:p>
-          <a:p>
+        </p:txBody>
+      </p:sp>
+      <p:sp>
+        <p:nvSpPr>
+          <p:cNvPr id="4" name="TextBox 3">
+            <a:extLst>
+              <a:ext uri="{FF2B5EF4-FFF2-40B4-BE49-F238E27FC236}">
+                <a16:creationId xmlns:a16="http://schemas.microsoft.com/office/drawing/2014/main" id="{5FCFA12D-E5CE-D653-4F14-D7C610810C37}"/>
+              </a:ext>
+            </a:extLst>
+          </p:cNvPr>
+          <p:cNvSpPr txBox="1"/>
+          <p:nvPr/>
+        </p:nvSpPr>
+        <p:spPr>
+          <a:xfrm>
+            <a:off x="266549" y="1674216"/>
+            <a:ext cx="4104861" cy="1200329"/>
+          </a:xfrm>
+          <a:prstGeom prst="rect">
+            <a:avLst/>
+          </a:prstGeom>
+          <a:noFill/>
+        </p:spPr>
+        <p:txBody>
+          <a:bodyPr wrap="square" rtlCol="0">
+            <a:spAutoFit/>
+          </a:bodyPr>
+          <a:lstStyle/>
+          <a:p>
+            <a:pPr marL="342900" indent="-342900">
+              <a:buFont typeface="+mj-lt"/>
+              <a:buAutoNum type="arabicPeriod"/>
+            </a:pPr>
+            <a:r>
+              <a:rPr lang="en-US" dirty="0"/>
+              <a:t>Loading Image</a:t>
+            </a:r>
+          </a:p>
+          <a:p>
+            <a:pPr marL="342900" indent="-342900">
+              <a:buFont typeface="+mj-lt"/>
+              <a:buAutoNum type="arabicPeriod"/>
+            </a:pPr>
             <a:endParaRPr lang="en-US" dirty="0"/>
           </a:p>
-        </p:txBody>
-      </p:sp>
-      <p:sp>
-        <p:nvSpPr>
-          <p:cNvPr id="3" name="Rectangle: Rounded Corners 2">
-            <a:extLst>
-              <a:ext uri="{FF2B5EF4-FFF2-40B4-BE49-F238E27FC236}">
-                <a16:creationId xmlns:a16="http://schemas.microsoft.com/office/drawing/2014/main" id="{73FC64E6-32D7-7A7C-A2C4-66340713BC45}"/>
-              </a:ext>
-            </a:extLst>
-          </p:cNvPr>
-          <p:cNvSpPr/>
+          <a:p>
+            <a:pPr marL="342900" indent="-342900">
+              <a:buFont typeface="+mj-lt"/>
+              <a:buAutoNum type="arabicPeriod"/>
+            </a:pPr>
+            <a:r>
+              <a:rPr lang="en-US" dirty="0"/>
+              <a:t>Converting the image into grayscale</a:t>
+            </a:r>
+          </a:p>
+          <a:p>
+            <a:endParaRPr lang="en-US" dirty="0"/>
+          </a:p>
+        </p:txBody>
+      </p:sp>
+      <p:sp>
+        <p:nvSpPr>
+          <p:cNvPr id="5" name="TextBox 4">
+            <a:extLst>
+              <a:ext uri="{FF2B5EF4-FFF2-40B4-BE49-F238E27FC236}">
+                <a16:creationId xmlns:a16="http://schemas.microsoft.com/office/drawing/2014/main" id="{BEC31A13-9928-4C98-1E15-E06720FF8123}"/>
+              </a:ext>
+            </a:extLst>
+          </p:cNvPr>
+          <p:cNvSpPr txBox="1"/>
           <p:nvPr/>
         </p:nvSpPr>
         <p:spPr>
           <a:xfrm>
-            <a:off x="103909" y="4170216"/>
-            <a:ext cx="2473036" cy="1288473"/>
-          </a:xfrm>
-          <a:prstGeom prst="roundRect">
+            <a:off x="8304143" y="1401118"/>
+            <a:ext cx="4707835" cy="1477328"/>
+          </a:xfrm>
+          <a:prstGeom prst="rect">
             <a:avLst/>
           </a:prstGeom>
           <a:noFill/>
-          <a:ln w="28575">
-            <a:solidFill>
-              <a:srgbClr val="FA542E"/>
-            </a:solidFill>
-          </a:ln>
-        </p:spPr>
-        <p:style>
-          <a:lnRef idx="2">
-            <a:schemeClr val="accent1">
-              <a:shade val="15000"/>
-            </a:schemeClr>
-          </a:lnRef>
-          <a:fillRef idx="1">
-            <a:schemeClr val="accent1"/>
-          </a:fillRef>
-          <a:effectRef idx="0">
-            <a:schemeClr val="accent1"/>
-          </a:effectRef>
-          <a:fontRef idx="minor">
-            <a:schemeClr val="lt1"/>
-          </a:fontRef>
-        </p:style>
-        <p:txBody>
-          <a:bodyPr rtlCol="0" anchor="ctr"/>
-          <a:lstStyle/>
-          <a:p>
-            <a:pPr algn="ctr"/>
-            <a:r>
-              <a:rPr lang="en-US" b="1" dirty="0">
-                <a:solidFill>
-                  <a:schemeClr val="tx1"/>
-                </a:solidFill>
-              </a:rPr>
-              <a:t>User Friendly</a:t>
-            </a:r>
-          </a:p>
-        </p:txBody>
-      </p:sp>
-      <p:sp>
-        <p:nvSpPr>
-          <p:cNvPr id="4" name="Rectangle: Rounded Corners 3">
-            <a:extLst>
-              <a:ext uri="{FF2B5EF4-FFF2-40B4-BE49-F238E27FC236}">
-                <a16:creationId xmlns:a16="http://schemas.microsoft.com/office/drawing/2014/main" id="{97901995-80F8-08BA-C46B-7A677EBF04D8}"/>
-              </a:ext>
-            </a:extLst>
-          </p:cNvPr>
-          <p:cNvSpPr/>
-          <p:nvPr/>
-        </p:nvSpPr>
-        <p:spPr>
-          <a:xfrm>
-            <a:off x="3281796" y="4170216"/>
-            <a:ext cx="2473036" cy="1319645"/>
-          </a:xfrm>
-          <a:prstGeom prst="roundRect">
-            <a:avLst/>
-          </a:prstGeom>
-          <a:noFill/>
-          <a:ln w="28575">
-            <a:solidFill>
-              <a:srgbClr val="FA542E"/>
-            </a:solidFill>
-          </a:ln>
-        </p:spPr>
-        <p:style>
-          <a:lnRef idx="2">
-            <a:schemeClr val="accent1">
-              <a:shade val="15000"/>
-            </a:schemeClr>
-          </a:lnRef>
-          <a:fillRef idx="1">
-            <a:schemeClr val="accent1"/>
-          </a:fillRef>
-          <a:effectRef idx="0">
-            <a:schemeClr val="accent1"/>
-          </a:effectRef>
-          <a:fontRef idx="minor">
-            <a:schemeClr val="lt1"/>
-          </a:fontRef>
-        </p:style>
-        <p:txBody>
-          <a:bodyPr rtlCol="0" anchor="ctr"/>
-          <a:lstStyle/>
-          <a:p>
-            <a:pPr algn="ctr"/>
-            <a:r>
-              <a:rPr lang="en-US" b="1" dirty="0">
-                <a:solidFill>
-                  <a:schemeClr val="tx1"/>
-                </a:solidFill>
-              </a:rPr>
-              <a:t>Provides 3 Functionality</a:t>
-            </a:r>
-          </a:p>
-          <a:p>
-            <a:pPr marL="285750" indent="-285750">
-              <a:buFont typeface="Arial" panose="020B0604020202020204" pitchFamily="34" charset="0"/>
-              <a:buChar char="•"/>
+        </p:spPr>
+        <p:txBody>
+          <a:bodyPr wrap="square" rtlCol="0">
+            <a:spAutoFit/>
+          </a:bodyPr>
+          <a:lstStyle/>
+          <a:p>
+            <a:pPr marL="342900" indent="-342900">
+              <a:buFont typeface="+mj-lt"/>
+              <a:buAutoNum type="arabicPeriod"/>
             </a:pPr>
-            <a:r>
-              <a:rPr lang="en-US" sz="1600" dirty="0">
-                <a:solidFill>
-                  <a:schemeClr val="tx1"/>
-                </a:solidFill>
-              </a:rPr>
-              <a:t>Pre-load images</a:t>
-            </a:r>
-          </a:p>
-          <a:p>
-            <a:pPr marL="285750" indent="-285750">
-              <a:buFont typeface="Arial" panose="020B0604020202020204" pitchFamily="34" charset="0"/>
-              <a:buChar char="•"/>
+            <a:endParaRPr lang="en-US" dirty="0"/>
+          </a:p>
+          <a:p>
+            <a:r>
+              <a:rPr lang="en-US" dirty="0"/>
+              <a:t>3.    Applying </a:t>
+            </a:r>
+            <a:r>
+              <a:rPr lang="en-US" dirty="0" err="1"/>
+              <a:t>Haar</a:t>
+            </a:r>
+            <a:r>
+              <a:rPr lang="en-US" dirty="0"/>
+              <a:t> Cascade </a:t>
+            </a:r>
+          </a:p>
+          <a:p>
+            <a:pPr marL="342900" indent="-342900">
+              <a:buFont typeface="+mj-lt"/>
+              <a:buAutoNum type="arabicPeriod"/>
             </a:pPr>
-            <a:r>
-              <a:rPr lang="en-US" sz="1600" dirty="0">
-                <a:solidFill>
-                  <a:schemeClr val="tx1"/>
-                </a:solidFill>
-              </a:rPr>
-              <a:t>Use web camera</a:t>
-            </a:r>
-          </a:p>
-          <a:p>
-            <a:pPr marL="285750" indent="-285750">
-              <a:buFont typeface="Arial" panose="020B0604020202020204" pitchFamily="34" charset="0"/>
-              <a:buChar char="•"/>
-            </a:pPr>
-            <a:r>
-              <a:rPr lang="en-US" sz="1600" dirty="0">
-                <a:solidFill>
-                  <a:schemeClr val="tx1"/>
-                </a:solidFill>
-              </a:rPr>
-              <a:t>Upload Image</a:t>
-            </a:r>
-          </a:p>
-        </p:txBody>
-      </p:sp>
-      <p:sp>
-        <p:nvSpPr>
-          <p:cNvPr id="5" name="Rectangle: Rounded Corners 4">
-            <a:extLst>
-              <a:ext uri="{FF2B5EF4-FFF2-40B4-BE49-F238E27FC236}">
-                <a16:creationId xmlns:a16="http://schemas.microsoft.com/office/drawing/2014/main" id="{D767C33D-D546-F069-BFA9-0E879BBF21B2}"/>
-              </a:ext>
-            </a:extLst>
-          </p:cNvPr>
-          <p:cNvSpPr/>
-          <p:nvPr/>
-        </p:nvSpPr>
-        <p:spPr>
-          <a:xfrm>
-            <a:off x="6378287" y="4170216"/>
-            <a:ext cx="2473036" cy="1288473"/>
-          </a:xfrm>
-          <a:prstGeom prst="roundRect">
-            <a:avLst/>
-          </a:prstGeom>
-          <a:noFill/>
-          <a:ln w="28575">
-            <a:solidFill>
-              <a:srgbClr val="FA542E"/>
-            </a:solidFill>
-          </a:ln>
-        </p:spPr>
-        <p:style>
-          <a:lnRef idx="2">
-            <a:schemeClr val="accent1">
-              <a:shade val="15000"/>
-            </a:schemeClr>
-          </a:lnRef>
-          <a:fillRef idx="1">
-            <a:schemeClr val="accent1"/>
-          </a:fillRef>
-          <a:effectRef idx="0">
-            <a:schemeClr val="accent1"/>
-          </a:effectRef>
-          <a:fontRef idx="minor">
-            <a:schemeClr val="lt1"/>
-          </a:fontRef>
-        </p:style>
-        <p:txBody>
-          <a:bodyPr rtlCol="0" anchor="ctr"/>
-          <a:lstStyle/>
-          <a:p>
-            <a:pPr algn="ctr"/>
-            <a:r>
-              <a:rPr lang="en-US" b="1" dirty="0">
-                <a:solidFill>
-                  <a:schemeClr val="tx1"/>
-                </a:solidFill>
-              </a:rPr>
-              <a:t>Saves Data for Future Use</a:t>
-            </a:r>
-          </a:p>
-        </p:txBody>
-      </p:sp>
-      <p:sp>
-        <p:nvSpPr>
-          <p:cNvPr id="6" name="Rectangle: Rounded Corners 5">
-            <a:extLst>
-              <a:ext uri="{FF2B5EF4-FFF2-40B4-BE49-F238E27FC236}">
-                <a16:creationId xmlns:a16="http://schemas.microsoft.com/office/drawing/2014/main" id="{D6737F3B-7E82-3768-387C-F7333F55E5F4}"/>
-              </a:ext>
-            </a:extLst>
-          </p:cNvPr>
-          <p:cNvSpPr/>
-          <p:nvPr/>
-        </p:nvSpPr>
-        <p:spPr>
-          <a:xfrm>
-            <a:off x="9459191" y="4170702"/>
-            <a:ext cx="2473036" cy="1301358"/>
-          </a:xfrm>
-          <a:prstGeom prst="roundRect">
-            <a:avLst/>
-          </a:prstGeom>
-          <a:noFill/>
-          <a:ln w="28575">
-            <a:solidFill>
-              <a:srgbClr val="FA542E"/>
-            </a:solidFill>
-          </a:ln>
-        </p:spPr>
-        <p:style>
-          <a:lnRef idx="2">
-            <a:schemeClr val="accent1">
-              <a:shade val="15000"/>
-            </a:schemeClr>
-          </a:lnRef>
-          <a:fillRef idx="1">
-            <a:schemeClr val="accent1"/>
-          </a:fillRef>
-          <a:effectRef idx="0">
-            <a:schemeClr val="accent1"/>
-          </a:effectRef>
-          <a:fontRef idx="minor">
-            <a:schemeClr val="lt1"/>
-          </a:fontRef>
-        </p:style>
-        <p:txBody>
-          <a:bodyPr rtlCol="0" anchor="ctr"/>
-          <a:lstStyle/>
-          <a:p>
-            <a:pPr algn="ctr"/>
-            <a:r>
-              <a:rPr lang="en-US" b="1" dirty="0">
-                <a:solidFill>
-                  <a:schemeClr val="tx1"/>
-                </a:solidFill>
-              </a:rPr>
-              <a:t>Pie chart showing the probability distribution of all emotions</a:t>
-            </a:r>
+            <a:endParaRPr lang="en-US" dirty="0"/>
+          </a:p>
+          <a:p>
+            <a:r>
+              <a:rPr lang="en-US" dirty="0"/>
+              <a:t>4.    Saving the coordinates in a variable</a:t>
+            </a:r>
+          </a:p>
+          <a:p>
+            <a:endParaRPr lang="en-US" dirty="0"/>
           </a:p>
         </p:txBody>
       </p:sp>
       <p:pic>
         <p:nvPicPr>
-          <p:cNvPr id="9" name="Picture 8">
-            <a:extLst>
-              <a:ext uri="{FF2B5EF4-FFF2-40B4-BE49-F238E27FC236}">
-                <a16:creationId xmlns:a16="http://schemas.microsoft.com/office/drawing/2014/main" id="{2F80ABCE-231D-27C9-BEF9-594BEA7FF929}"/>
+          <p:cNvPr id="7" name="Picture 6">
+            <a:extLst>
+              <a:ext uri="{FF2B5EF4-FFF2-40B4-BE49-F238E27FC236}">
+                <a16:creationId xmlns:a16="http://schemas.microsoft.com/office/drawing/2014/main" id="{3FB35978-76AE-359F-C492-D4E4E19CEFC5}"/>
               </a:ext>
             </a:extLst>
           </p:cNvPr>
@@ -6535,8 +6254,116 @@
         </p:blipFill>
         <p:spPr>
           <a:xfrm>
-            <a:off x="103909" y="1731463"/>
-            <a:ext cx="5527964" cy="1606564"/>
+            <a:off x="401539" y="4126544"/>
+            <a:ext cx="1917440" cy="2393646"/>
+          </a:xfrm>
+          <a:prstGeom prst="rect">
+            <a:avLst/>
+          </a:prstGeom>
+        </p:spPr>
+      </p:pic>
+      <p:pic>
+        <p:nvPicPr>
+          <p:cNvPr id="9" name="Picture 8">
+            <a:extLst>
+              <a:ext uri="{FF2B5EF4-FFF2-40B4-BE49-F238E27FC236}">
+                <a16:creationId xmlns:a16="http://schemas.microsoft.com/office/drawing/2014/main" id="{7C500A6E-2755-CDE1-7E58-3F71E859ECC0}"/>
+              </a:ext>
+            </a:extLst>
+          </p:cNvPr>
+          <p:cNvPicPr>
+            <a:picLocks noChangeAspect="1"/>
+          </p:cNvPicPr>
+          <p:nvPr/>
+        </p:nvPicPr>
+        <p:blipFill>
+          <a:blip r:embed="rId4">
+            <a:extLst>
+              <a:ext uri="{28A0092B-C50C-407E-A947-70E740481C1C}">
+                <a14:useLocalDpi xmlns:a14="http://schemas.microsoft.com/office/drawing/2010/main" val="0"/>
+              </a:ext>
+            </a:extLst>
+          </a:blip>
+          <a:stretch>
+            <a:fillRect/>
+          </a:stretch>
+        </p:blipFill>
+        <p:spPr>
+          <a:xfrm>
+            <a:off x="9372876" y="4126544"/>
+            <a:ext cx="2098687" cy="2229483"/>
+          </a:xfrm>
+          <a:prstGeom prst="rect">
+            <a:avLst/>
+          </a:prstGeom>
+        </p:spPr>
+      </p:pic>
+      <p:pic>
+        <p:nvPicPr>
+          <p:cNvPr id="11" name="Picture 10">
+            <a:extLst>
+              <a:ext uri="{FF2B5EF4-FFF2-40B4-BE49-F238E27FC236}">
+                <a16:creationId xmlns:a16="http://schemas.microsoft.com/office/drawing/2014/main" id="{9163AB4B-5CD5-9D7F-F4A1-53789066D5D0}"/>
+              </a:ext>
+            </a:extLst>
+          </p:cNvPr>
+          <p:cNvPicPr>
+            <a:picLocks noChangeAspect="1"/>
+          </p:cNvPicPr>
+          <p:nvPr/>
+        </p:nvPicPr>
+        <p:blipFill>
+          <a:blip r:embed="rId5">
+            <a:extLst>
+              <a:ext uri="{28A0092B-C50C-407E-A947-70E740481C1C}">
+                <a14:useLocalDpi xmlns:a14="http://schemas.microsoft.com/office/drawing/2010/main" val="0"/>
+              </a:ext>
+            </a:extLst>
+          </a:blip>
+          <a:stretch>
+            <a:fillRect/>
+          </a:stretch>
+        </p:blipFill>
+        <p:spPr>
+          <a:xfrm>
+            <a:off x="266549" y="2874545"/>
+            <a:ext cx="2640556" cy="1038081"/>
+          </a:xfrm>
+          <a:prstGeom prst="rect">
+            <a:avLst/>
+          </a:prstGeom>
+        </p:spPr>
+      </p:pic>
+      <p:pic>
+        <p:nvPicPr>
+          <p:cNvPr id="13" name="Picture 12">
+            <a:extLst>
+              <a:ext uri="{FF2B5EF4-FFF2-40B4-BE49-F238E27FC236}">
+                <a16:creationId xmlns:a16="http://schemas.microsoft.com/office/drawing/2014/main" id="{B1FEA619-BFA0-A803-385F-6311EF362C17}"/>
+              </a:ext>
+            </a:extLst>
+          </p:cNvPr>
+          <p:cNvPicPr>
+            <a:picLocks noChangeAspect="1"/>
+          </p:cNvPicPr>
+          <p:nvPr/>
+        </p:nvPicPr>
+        <p:blipFill>
+          <a:blip r:embed="rId6">
+            <a:extLst>
+              <a:ext uri="{28A0092B-C50C-407E-A947-70E740481C1C}">
+                <a14:useLocalDpi xmlns:a14="http://schemas.microsoft.com/office/drawing/2010/main" val="0"/>
+              </a:ext>
+            </a:extLst>
+          </a:blip>
+          <a:stretch>
+            <a:fillRect/>
+          </a:stretch>
+        </p:blipFill>
+        <p:spPr>
+          <a:xfrm>
+            <a:off x="8779343" y="2874545"/>
+            <a:ext cx="3285754" cy="893314"/>
           </a:xfrm>
           <a:prstGeom prst="rect">
             <a:avLst/>
@@ -6546,7 +6373,7 @@
     </p:spTree>
     <p:extLst>
       <p:ext uri="{BB962C8B-B14F-4D97-AF65-F5344CB8AC3E}">
-        <p14:creationId xmlns:p14="http://schemas.microsoft.com/office/powerpoint/2010/main" val="3101242240"/>
+        <p14:creationId xmlns:p14="http://schemas.microsoft.com/office/powerpoint/2010/main" val="161104652"/>
       </p:ext>
     </p:extLst>
   </p:cSld>
@@ -6592,7 +6419,7 @@
           <p:cNvPr id="2" name="TextBox 1">
             <a:extLst>
               <a:ext uri="{FF2B5EF4-FFF2-40B4-BE49-F238E27FC236}">
-                <a16:creationId xmlns:a16="http://schemas.microsoft.com/office/drawing/2014/main" id="{DFE20350-9411-13E4-D4B7-B43CD6B04DB5}"/>
+                <a16:creationId xmlns:a16="http://schemas.microsoft.com/office/drawing/2014/main" id="{FEC73E83-6BD9-EC9A-C76F-3258442D9CD2}"/>
               </a:ext>
             </a:extLst>
           </p:cNvPr>
@@ -6601,8 +6428,8 @@
         </p:nvSpPr>
         <p:spPr>
           <a:xfrm>
-            <a:off x="417443" y="273830"/>
-            <a:ext cx="2892287" cy="461665"/>
+            <a:off x="259773" y="384464"/>
+            <a:ext cx="5985163" cy="738664"/>
           </a:xfrm>
           <a:prstGeom prst="rect">
             <a:avLst/>
@@ -6622,46 +6449,142 @@
                 </a:solidFill>
                 <a:latin typeface="Arial Rounded MT Bold" panose="020F0704030504030204" pitchFamily="34" charset="0"/>
               </a:rPr>
-              <a:t>Conclusion</a:t>
-            </a:r>
-          </a:p>
-        </p:txBody>
-      </p:sp>
-      <p:sp>
-        <p:nvSpPr>
-          <p:cNvPr id="3" name="TextBox 2">
-            <a:extLst>
-              <a:ext uri="{FF2B5EF4-FFF2-40B4-BE49-F238E27FC236}">
-                <a16:creationId xmlns:a16="http://schemas.microsoft.com/office/drawing/2014/main" id="{8955AE40-E52B-E9FE-220F-874A48AACB51}"/>
-              </a:ext>
-            </a:extLst>
-          </p:cNvPr>
-          <p:cNvSpPr txBox="1"/>
+              <a:t>Face Detection and Model Deployment</a:t>
+            </a:r>
+          </a:p>
+          <a:p>
+            <a:endParaRPr lang="en-US" dirty="0"/>
+          </a:p>
+        </p:txBody>
+      </p:sp>
+      <p:sp>
+        <p:nvSpPr>
+          <p:cNvPr id="3" name="Rectangle: Rounded Corners 2">
+            <a:extLst>
+              <a:ext uri="{FF2B5EF4-FFF2-40B4-BE49-F238E27FC236}">
+                <a16:creationId xmlns:a16="http://schemas.microsoft.com/office/drawing/2014/main" id="{73FC64E6-32D7-7A7C-A2C4-66340713BC45}"/>
+              </a:ext>
+            </a:extLst>
+          </p:cNvPr>
+          <p:cNvSpPr/>
           <p:nvPr/>
         </p:nvSpPr>
         <p:spPr>
           <a:xfrm>
-            <a:off x="4785691" y="3220278"/>
-            <a:ext cx="2892287" cy="2308324"/>
-          </a:xfrm>
-          <a:prstGeom prst="rect">
+            <a:off x="103909" y="4170216"/>
+            <a:ext cx="2473036" cy="1288473"/>
+          </a:xfrm>
+          <a:prstGeom prst="roundRect">
             <a:avLst/>
           </a:prstGeom>
           <a:noFill/>
-        </p:spPr>
-        <p:txBody>
-          <a:bodyPr wrap="square" rtlCol="0">
-            <a:spAutoFit/>
-          </a:bodyPr>
-          <a:lstStyle/>
+          <a:ln w="28575">
+            <a:solidFill>
+              <a:srgbClr val="FA542E"/>
+            </a:solidFill>
+          </a:ln>
+        </p:spPr>
+        <p:style>
+          <a:lnRef idx="2">
+            <a:schemeClr val="accent1">
+              <a:shade val="15000"/>
+            </a:schemeClr>
+          </a:lnRef>
+          <a:fillRef idx="1">
+            <a:schemeClr val="accent1"/>
+          </a:fillRef>
+          <a:effectRef idx="0">
+            <a:schemeClr val="accent1"/>
+          </a:effectRef>
+          <a:fontRef idx="minor">
+            <a:schemeClr val="lt1"/>
+          </a:fontRef>
+        </p:style>
+        <p:txBody>
+          <a:bodyPr rtlCol="0" anchor="ctr"/>
+          <a:lstStyle/>
+          <a:p>
+            <a:pPr algn="ctr"/>
+            <a:r>
+              <a:rPr lang="en-US" b="1" dirty="0">
+                <a:solidFill>
+                  <a:schemeClr val="tx1"/>
+                </a:solidFill>
+              </a:rPr>
+              <a:t>User Friendly</a:t>
+            </a:r>
+          </a:p>
+        </p:txBody>
+      </p:sp>
+      <p:sp>
+        <p:nvSpPr>
+          <p:cNvPr id="4" name="Rectangle: Rounded Corners 3">
+            <a:extLst>
+              <a:ext uri="{FF2B5EF4-FFF2-40B4-BE49-F238E27FC236}">
+                <a16:creationId xmlns:a16="http://schemas.microsoft.com/office/drawing/2014/main" id="{97901995-80F8-08BA-C46B-7A677EBF04D8}"/>
+              </a:ext>
+            </a:extLst>
+          </p:cNvPr>
+          <p:cNvSpPr/>
+          <p:nvPr/>
+        </p:nvSpPr>
+        <p:spPr>
+          <a:xfrm>
+            <a:off x="3281796" y="4170216"/>
+            <a:ext cx="2473036" cy="1319645"/>
+          </a:xfrm>
+          <a:prstGeom prst="roundRect">
+            <a:avLst/>
+          </a:prstGeom>
+          <a:noFill/>
+          <a:ln w="28575">
+            <a:solidFill>
+              <a:srgbClr val="FA542E"/>
+            </a:solidFill>
+          </a:ln>
+        </p:spPr>
+        <p:style>
+          <a:lnRef idx="2">
+            <a:schemeClr val="accent1">
+              <a:shade val="15000"/>
+            </a:schemeClr>
+          </a:lnRef>
+          <a:fillRef idx="1">
+            <a:schemeClr val="accent1"/>
+          </a:fillRef>
+          <a:effectRef idx="0">
+            <a:schemeClr val="accent1"/>
+          </a:effectRef>
+          <a:fontRef idx="minor">
+            <a:schemeClr val="lt1"/>
+          </a:fontRef>
+        </p:style>
+        <p:txBody>
+          <a:bodyPr rtlCol="0" anchor="ctr"/>
+          <a:lstStyle/>
+          <a:p>
+            <a:pPr algn="ctr"/>
+            <a:r>
+              <a:rPr lang="en-US" b="1" dirty="0">
+                <a:solidFill>
+                  <a:schemeClr val="tx1"/>
+                </a:solidFill>
+              </a:rPr>
+              <a:t>Provides 3 Functionality</a:t>
+            </a:r>
+          </a:p>
           <a:p>
             <a:pPr marL="285750" indent="-285750">
               <a:buFont typeface="Arial" panose="020B0604020202020204" pitchFamily="34" charset="0"/>
               <a:buChar char="•"/>
             </a:pPr>
             <a:r>
-              <a:rPr lang="en-US" dirty="0"/>
-              <a:t>Fewer data.</a:t>
+              <a:rPr lang="en-US" sz="1600" dirty="0">
+                <a:solidFill>
+                  <a:schemeClr val="tx1"/>
+                </a:solidFill>
+              </a:rPr>
+              <a:t>Pre-load images</a:t>
             </a:r>
           </a:p>
           <a:p>
@@ -6670,8 +6593,12 @@
               <a:buChar char="•"/>
             </a:pPr>
             <a:r>
-              <a:rPr lang="en-US" dirty="0"/>
-              <a:t>Less accurate.</a:t>
+              <a:rPr lang="en-US" sz="1600" dirty="0">
+                <a:solidFill>
+                  <a:schemeClr val="tx1"/>
+                </a:solidFill>
+              </a:rPr>
+              <a:t>Use web camera</a:t>
             </a:r>
           </a:p>
           <a:p>
@@ -6680,28 +6607,212 @@
               <a:buChar char="•"/>
             </a:pPr>
             <a:r>
-              <a:rPr lang="en-US" dirty="0"/>
-              <a:t>Does not work well if more than one face is available in a single image.</a:t>
-            </a:r>
-          </a:p>
-          <a:p>
-            <a:pPr marL="285750" indent="-285750">
-              <a:buFont typeface="Arial" panose="020B0604020202020204" pitchFamily="34" charset="0"/>
-              <a:buChar char="•"/>
-            </a:pPr>
-            <a:r>
-              <a:rPr lang="en-US" dirty="0"/>
-              <a:t>Cannot classify live images.</a:t>
-            </a:r>
-          </a:p>
-        </p:txBody>
-      </p:sp>
-      <p:sp>
-        <p:nvSpPr>
-          <p:cNvPr id="4" name="TextBox 3">
-            <a:extLst>
-              <a:ext uri="{FF2B5EF4-FFF2-40B4-BE49-F238E27FC236}">
-                <a16:creationId xmlns:a16="http://schemas.microsoft.com/office/drawing/2014/main" id="{FA1EC556-8F10-1D49-5178-D257B203E7BD}"/>
+              <a:rPr lang="en-US" sz="1600" dirty="0">
+                <a:solidFill>
+                  <a:schemeClr val="tx1"/>
+                </a:solidFill>
+              </a:rPr>
+              <a:t>Upload Image</a:t>
+            </a:r>
+          </a:p>
+        </p:txBody>
+      </p:sp>
+      <p:sp>
+        <p:nvSpPr>
+          <p:cNvPr id="5" name="Rectangle: Rounded Corners 4">
+            <a:extLst>
+              <a:ext uri="{FF2B5EF4-FFF2-40B4-BE49-F238E27FC236}">
+                <a16:creationId xmlns:a16="http://schemas.microsoft.com/office/drawing/2014/main" id="{D767C33D-D546-F069-BFA9-0E879BBF21B2}"/>
+              </a:ext>
+            </a:extLst>
+          </p:cNvPr>
+          <p:cNvSpPr/>
+          <p:nvPr/>
+        </p:nvSpPr>
+        <p:spPr>
+          <a:xfrm>
+            <a:off x="6378287" y="4170216"/>
+            <a:ext cx="2473036" cy="1288473"/>
+          </a:xfrm>
+          <a:prstGeom prst="roundRect">
+            <a:avLst/>
+          </a:prstGeom>
+          <a:noFill/>
+          <a:ln w="28575">
+            <a:solidFill>
+              <a:srgbClr val="FA542E"/>
+            </a:solidFill>
+          </a:ln>
+        </p:spPr>
+        <p:style>
+          <a:lnRef idx="2">
+            <a:schemeClr val="accent1">
+              <a:shade val="15000"/>
+            </a:schemeClr>
+          </a:lnRef>
+          <a:fillRef idx="1">
+            <a:schemeClr val="accent1"/>
+          </a:fillRef>
+          <a:effectRef idx="0">
+            <a:schemeClr val="accent1"/>
+          </a:effectRef>
+          <a:fontRef idx="minor">
+            <a:schemeClr val="lt1"/>
+          </a:fontRef>
+        </p:style>
+        <p:txBody>
+          <a:bodyPr rtlCol="0" anchor="ctr"/>
+          <a:lstStyle/>
+          <a:p>
+            <a:pPr algn="ctr"/>
+            <a:r>
+              <a:rPr lang="en-US" b="1" dirty="0">
+                <a:solidFill>
+                  <a:schemeClr val="tx1"/>
+                </a:solidFill>
+              </a:rPr>
+              <a:t>Saves Data for Future Use</a:t>
+            </a:r>
+          </a:p>
+        </p:txBody>
+      </p:sp>
+      <p:sp>
+        <p:nvSpPr>
+          <p:cNvPr id="6" name="Rectangle: Rounded Corners 5">
+            <a:extLst>
+              <a:ext uri="{FF2B5EF4-FFF2-40B4-BE49-F238E27FC236}">
+                <a16:creationId xmlns:a16="http://schemas.microsoft.com/office/drawing/2014/main" id="{D6737F3B-7E82-3768-387C-F7333F55E5F4}"/>
+              </a:ext>
+            </a:extLst>
+          </p:cNvPr>
+          <p:cNvSpPr/>
+          <p:nvPr/>
+        </p:nvSpPr>
+        <p:spPr>
+          <a:xfrm>
+            <a:off x="9459191" y="4170702"/>
+            <a:ext cx="2473036" cy="1301358"/>
+          </a:xfrm>
+          <a:prstGeom prst="roundRect">
+            <a:avLst/>
+          </a:prstGeom>
+          <a:noFill/>
+          <a:ln w="28575">
+            <a:solidFill>
+              <a:srgbClr val="FA542E"/>
+            </a:solidFill>
+          </a:ln>
+        </p:spPr>
+        <p:style>
+          <a:lnRef idx="2">
+            <a:schemeClr val="accent1">
+              <a:shade val="15000"/>
+            </a:schemeClr>
+          </a:lnRef>
+          <a:fillRef idx="1">
+            <a:schemeClr val="accent1"/>
+          </a:fillRef>
+          <a:effectRef idx="0">
+            <a:schemeClr val="accent1"/>
+          </a:effectRef>
+          <a:fontRef idx="minor">
+            <a:schemeClr val="lt1"/>
+          </a:fontRef>
+        </p:style>
+        <p:txBody>
+          <a:bodyPr rtlCol="0" anchor="ctr"/>
+          <a:lstStyle/>
+          <a:p>
+            <a:pPr algn="ctr"/>
+            <a:r>
+              <a:rPr lang="en-US" b="1" dirty="0">
+                <a:solidFill>
+                  <a:schemeClr val="tx1"/>
+                </a:solidFill>
+              </a:rPr>
+              <a:t>Pie chart showing the probability distribution of all emotions</a:t>
+            </a:r>
+          </a:p>
+        </p:txBody>
+      </p:sp>
+      <p:pic>
+        <p:nvPicPr>
+          <p:cNvPr id="8" name="Picture 7">
+            <a:extLst>
+              <a:ext uri="{FF2B5EF4-FFF2-40B4-BE49-F238E27FC236}">
+                <a16:creationId xmlns:a16="http://schemas.microsoft.com/office/drawing/2014/main" id="{E8E2962B-B370-2AC3-18BE-909CF7DACEC2}"/>
+              </a:ext>
+            </a:extLst>
+          </p:cNvPr>
+          <p:cNvPicPr>
+            <a:picLocks noChangeAspect="1"/>
+          </p:cNvPicPr>
+          <p:nvPr/>
+        </p:nvPicPr>
+        <p:blipFill>
+          <a:blip r:embed="rId3">
+            <a:extLst>
+              <a:ext uri="{28A0092B-C50C-407E-A947-70E740481C1C}">
+                <a14:useLocalDpi xmlns:a14="http://schemas.microsoft.com/office/drawing/2010/main" val="0"/>
+              </a:ext>
+            </a:extLst>
+          </a:blip>
+          <a:stretch>
+            <a:fillRect/>
+          </a:stretch>
+        </p:blipFill>
+        <p:spPr>
+          <a:xfrm>
+            <a:off x="259773" y="852413"/>
+            <a:ext cx="5100892" cy="2383451"/>
+          </a:xfrm>
+          <a:prstGeom prst="rect">
+            <a:avLst/>
+          </a:prstGeom>
+        </p:spPr>
+      </p:pic>
+      <p:pic>
+        <p:nvPicPr>
+          <p:cNvPr id="11" name="Picture 10">
+            <a:extLst>
+              <a:ext uri="{FF2B5EF4-FFF2-40B4-BE49-F238E27FC236}">
+                <a16:creationId xmlns:a16="http://schemas.microsoft.com/office/drawing/2014/main" id="{0B57F466-94D4-9665-EC84-5E51DB027942}"/>
+              </a:ext>
+            </a:extLst>
+          </p:cNvPr>
+          <p:cNvPicPr>
+            <a:picLocks noChangeAspect="1"/>
+          </p:cNvPicPr>
+          <p:nvPr/>
+        </p:nvPicPr>
+        <p:blipFill>
+          <a:blip r:embed="rId4">
+            <a:extLst>
+              <a:ext uri="{28A0092B-C50C-407E-A947-70E740481C1C}">
+                <a14:useLocalDpi xmlns:a14="http://schemas.microsoft.com/office/drawing/2010/main" val="0"/>
+              </a:ext>
+            </a:extLst>
+          </a:blip>
+          <a:stretch>
+            <a:fillRect/>
+          </a:stretch>
+        </p:blipFill>
+        <p:spPr>
+          <a:xfrm>
+            <a:off x="5934385" y="852413"/>
+            <a:ext cx="2082430" cy="2082430"/>
+          </a:xfrm>
+          <a:prstGeom prst="rect">
+            <a:avLst/>
+          </a:prstGeom>
+        </p:spPr>
+      </p:pic>
+      <p:sp>
+        <p:nvSpPr>
+          <p:cNvPr id="12" name="TextBox 11">
+            <a:extLst>
+              <a:ext uri="{FF2B5EF4-FFF2-40B4-BE49-F238E27FC236}">
+                <a16:creationId xmlns:a16="http://schemas.microsoft.com/office/drawing/2014/main" id="{39BBA705-8341-B487-5F78-C0E7D6AFF503}"/>
               </a:ext>
             </a:extLst>
           </p:cNvPr>
@@ -6710,8 +6821,8 @@
         </p:nvSpPr>
         <p:spPr>
           <a:xfrm>
-            <a:off x="8125239" y="3220278"/>
-            <a:ext cx="2743200" cy="1477328"/>
+            <a:off x="259773" y="3262702"/>
+            <a:ext cx="3007548" cy="261610"/>
           </a:xfrm>
           <a:prstGeom prst="rect">
             <a:avLst/>
@@ -6724,265 +6835,20 @@
           </a:bodyPr>
           <a:lstStyle/>
           <a:p>
-            <a:pPr marL="285750" indent="-285750">
-              <a:buFont typeface="Arial" panose="020B0604020202020204" pitchFamily="34" charset="0"/>
-              <a:buChar char="•"/>
-            </a:pPr>
-            <a:r>
-              <a:rPr lang="en-US" dirty="0"/>
-              <a:t>Using the collected data to train the model.</a:t>
-            </a:r>
-          </a:p>
-          <a:p>
-            <a:pPr marL="285750" indent="-285750">
-              <a:buFont typeface="Arial" panose="020B0604020202020204" pitchFamily="34" charset="0"/>
-              <a:buChar char="•"/>
-            </a:pPr>
-            <a:r>
-              <a:rPr lang="en-US" dirty="0"/>
-              <a:t> This will further increase the accuracy.</a:t>
-            </a:r>
-          </a:p>
-          <a:p>
-            <a:pPr marL="285750" indent="-285750">
-              <a:buFont typeface="Arial" panose="020B0604020202020204" pitchFamily="34" charset="0"/>
-              <a:buChar char="•"/>
-            </a:pPr>
-            <a:r>
-              <a:rPr lang="en-US" dirty="0"/>
-              <a:t>User friendly website.</a:t>
-            </a:r>
-          </a:p>
-        </p:txBody>
-      </p:sp>
-      <p:sp>
-        <p:nvSpPr>
-          <p:cNvPr id="5" name="TextBox 4">
-            <a:extLst>
-              <a:ext uri="{FF2B5EF4-FFF2-40B4-BE49-F238E27FC236}">
-                <a16:creationId xmlns:a16="http://schemas.microsoft.com/office/drawing/2014/main" id="{BCAB8312-921C-A071-CFBD-E892F5C22867}"/>
-              </a:ext>
-            </a:extLst>
-          </p:cNvPr>
-          <p:cNvSpPr txBox="1"/>
-          <p:nvPr/>
-        </p:nvSpPr>
-        <p:spPr>
-          <a:xfrm>
-            <a:off x="1421297" y="3220278"/>
-            <a:ext cx="2613991" cy="1477328"/>
-          </a:xfrm>
-          <a:prstGeom prst="rect">
-            <a:avLst/>
-          </a:prstGeom>
-          <a:noFill/>
-        </p:spPr>
-        <p:txBody>
-          <a:bodyPr wrap="square" rtlCol="0">
-            <a:spAutoFit/>
-          </a:bodyPr>
-          <a:lstStyle/>
-          <a:p>
-            <a:pPr marL="285750" indent="-285750">
-              <a:buFont typeface="Arial" panose="020B0604020202020204" pitchFamily="34" charset="0"/>
-              <a:buChar char="•"/>
-            </a:pPr>
-            <a:r>
-              <a:rPr lang="en-US" dirty="0"/>
-              <a:t>E-KYC.</a:t>
-            </a:r>
-          </a:p>
-          <a:p>
-            <a:pPr marL="285750" indent="-285750">
-              <a:buFont typeface="Arial" panose="020B0604020202020204" pitchFamily="34" charset="0"/>
-              <a:buChar char="•"/>
-            </a:pPr>
-            <a:r>
-              <a:rPr lang="en-US" dirty="0"/>
-              <a:t>Biometric attendance</a:t>
-            </a:r>
-          </a:p>
-          <a:p>
-            <a:pPr marL="285750" indent="-285750">
-              <a:buFont typeface="Arial" panose="020B0604020202020204" pitchFamily="34" charset="0"/>
-              <a:buChar char="•"/>
-            </a:pPr>
-            <a:r>
-              <a:rPr lang="en-US" dirty="0"/>
-              <a:t>Security systems</a:t>
-            </a:r>
-          </a:p>
-          <a:p>
-            <a:pPr marL="285750" indent="-285750">
-              <a:buFont typeface="Arial" panose="020B0604020202020204" pitchFamily="34" charset="0"/>
-              <a:buChar char="•"/>
-            </a:pPr>
-            <a:r>
-              <a:rPr lang="en-US" dirty="0"/>
-              <a:t>In the field of psychology</a:t>
-            </a:r>
-          </a:p>
-        </p:txBody>
-      </p:sp>
-      <p:sp>
-        <p:nvSpPr>
-          <p:cNvPr id="6" name="TextBox 5">
-            <a:extLst>
-              <a:ext uri="{FF2B5EF4-FFF2-40B4-BE49-F238E27FC236}">
-                <a16:creationId xmlns:a16="http://schemas.microsoft.com/office/drawing/2014/main" id="{96B1AB75-E92C-B78C-7876-59E9673FD10E}"/>
-              </a:ext>
-            </a:extLst>
-          </p:cNvPr>
-          <p:cNvSpPr txBox="1"/>
-          <p:nvPr/>
-        </p:nvSpPr>
-        <p:spPr>
-          <a:xfrm>
-            <a:off x="911086" y="802405"/>
-            <a:ext cx="10442714" cy="1200329"/>
-          </a:xfrm>
-          <a:prstGeom prst="rect">
-            <a:avLst/>
-          </a:prstGeom>
-          <a:noFill/>
-        </p:spPr>
-        <p:txBody>
-          <a:bodyPr wrap="square" rtlCol="0">
-            <a:spAutoFit/>
-          </a:bodyPr>
-          <a:lstStyle/>
-          <a:p>
-            <a:r>
-              <a:rPr lang="en-US" dirty="0"/>
-              <a:t>This study outlines the FER pipeline: face detection, preprocessing, feature extraction, and CNN-based classification, demonstrating effective emotion capture and classification. The model's integration into a web platform allows real-time emotion recognition from images and live webcam feeds, enhancing interactive and personalized user experiences based on emotional states.</a:t>
-            </a:r>
-          </a:p>
-        </p:txBody>
-      </p:sp>
-      <p:sp>
-        <p:nvSpPr>
-          <p:cNvPr id="7" name="TextBox 6">
-            <a:extLst>
-              <a:ext uri="{FF2B5EF4-FFF2-40B4-BE49-F238E27FC236}">
-                <a16:creationId xmlns:a16="http://schemas.microsoft.com/office/drawing/2014/main" id="{4DA3C0AC-E2E4-1DED-DE7A-17378449E393}"/>
-              </a:ext>
-            </a:extLst>
-          </p:cNvPr>
-          <p:cNvSpPr txBox="1"/>
-          <p:nvPr/>
-        </p:nvSpPr>
-        <p:spPr>
-          <a:xfrm>
-            <a:off x="1421297" y="2693504"/>
-            <a:ext cx="2753138" cy="369332"/>
-          </a:xfrm>
-          <a:prstGeom prst="rect">
-            <a:avLst/>
-          </a:prstGeom>
-          <a:noFill/>
-        </p:spPr>
-        <p:txBody>
-          <a:bodyPr wrap="square" rtlCol="0">
-            <a:spAutoFit/>
-          </a:bodyPr>
-          <a:lstStyle/>
-          <a:p>
-            <a:pPr algn="ctr"/>
-            <a:r>
-              <a:rPr lang="en-US" b="1" dirty="0">
-                <a:solidFill>
-                  <a:srgbClr val="02B675"/>
-                </a:solidFill>
+            <a:r>
+              <a:rPr lang="en-IN" sz="1100" dirty="0">
+                <a:hlinkClick r:id="rId5"/>
               </a:rPr>
-              <a:t>Applications</a:t>
-            </a:r>
-          </a:p>
-        </p:txBody>
-      </p:sp>
-      <p:sp>
-        <p:nvSpPr>
-          <p:cNvPr id="8" name="TextBox 7">
-            <a:extLst>
-              <a:ext uri="{FF2B5EF4-FFF2-40B4-BE49-F238E27FC236}">
-                <a16:creationId xmlns:a16="http://schemas.microsoft.com/office/drawing/2014/main" id="{B29B42A5-E29E-A7B5-419A-3D5A8880B3E5}"/>
-              </a:ext>
-            </a:extLst>
-          </p:cNvPr>
-          <p:cNvSpPr txBox="1"/>
-          <p:nvPr/>
-        </p:nvSpPr>
-        <p:spPr>
-          <a:xfrm>
-            <a:off x="4785691" y="2693504"/>
-            <a:ext cx="2728292" cy="369332"/>
-          </a:xfrm>
-          <a:prstGeom prst="rect">
-            <a:avLst/>
-          </a:prstGeom>
-          <a:noFill/>
-        </p:spPr>
-        <p:txBody>
-          <a:bodyPr wrap="square" rtlCol="0">
-            <a:spAutoFit/>
-          </a:bodyPr>
-          <a:lstStyle/>
-          <a:p>
-            <a:pPr algn="ctr"/>
-            <a:r>
-              <a:rPr lang="en-US" b="1" dirty="0">
-                <a:solidFill>
-                  <a:srgbClr val="E35A37"/>
-                </a:solidFill>
-              </a:rPr>
-              <a:t>Drawbacks</a:t>
-            </a:r>
-          </a:p>
-        </p:txBody>
-      </p:sp>
-      <p:sp>
-        <p:nvSpPr>
-          <p:cNvPr id="9" name="TextBox 8">
-            <a:extLst>
-              <a:ext uri="{FF2B5EF4-FFF2-40B4-BE49-F238E27FC236}">
-                <a16:creationId xmlns:a16="http://schemas.microsoft.com/office/drawing/2014/main" id="{34584FE8-2746-52B3-DED0-C7AFA16A6C44}"/>
-              </a:ext>
-            </a:extLst>
-          </p:cNvPr>
-          <p:cNvSpPr txBox="1"/>
-          <p:nvPr/>
-        </p:nvSpPr>
-        <p:spPr>
-          <a:xfrm>
-            <a:off x="8125239" y="2693504"/>
-            <a:ext cx="2728292" cy="369332"/>
-          </a:xfrm>
-          <a:prstGeom prst="rect">
-            <a:avLst/>
-          </a:prstGeom>
-          <a:noFill/>
-        </p:spPr>
-        <p:txBody>
-          <a:bodyPr wrap="square" rtlCol="0">
-            <a:spAutoFit/>
-          </a:bodyPr>
-          <a:lstStyle/>
-          <a:p>
-            <a:pPr algn="ctr"/>
-            <a:r>
-              <a:rPr lang="en-US" b="1" dirty="0">
-                <a:solidFill>
-                  <a:srgbClr val="F4C927"/>
-                </a:solidFill>
-              </a:rPr>
-              <a:t>Future Aspects</a:t>
-            </a:r>
+              <a:t>https://facial-emotion-recognition.streamlit.app/</a:t>
+            </a:r>
+            <a:endParaRPr lang="en-IN" sz="1100" dirty="0"/>
           </a:p>
         </p:txBody>
       </p:sp>
     </p:spTree>
     <p:extLst>
       <p:ext uri="{BB962C8B-B14F-4D97-AF65-F5344CB8AC3E}">
-        <p14:creationId xmlns:p14="http://schemas.microsoft.com/office/powerpoint/2010/main" val="3981886295"/>
+        <p14:creationId xmlns:p14="http://schemas.microsoft.com/office/powerpoint/2010/main" val="3101242240"/>
       </p:ext>
     </p:extLst>
   </p:cSld>
@@ -7023,46 +6889,402 @@
           <a:chExt cx="0" cy="0"/>
         </a:xfrm>
       </p:grpSpPr>
-      <p:pic>
-        <p:nvPicPr>
-          <p:cNvPr id="7" name="Picture 6">
-            <a:extLst>
-              <a:ext uri="{FF2B5EF4-FFF2-40B4-BE49-F238E27FC236}">
-                <a16:creationId xmlns:a16="http://schemas.microsoft.com/office/drawing/2014/main" id="{A414839B-3E96-C031-72E4-3FAC0FA07D15}"/>
-              </a:ext>
-            </a:extLst>
-          </p:cNvPr>
-          <p:cNvPicPr>
-            <a:picLocks noChangeAspect="1"/>
-          </p:cNvPicPr>
+      <p:sp>
+        <p:nvSpPr>
+          <p:cNvPr id="2" name="TextBox 1">
+            <a:extLst>
+              <a:ext uri="{FF2B5EF4-FFF2-40B4-BE49-F238E27FC236}">
+                <a16:creationId xmlns:a16="http://schemas.microsoft.com/office/drawing/2014/main" id="{DFE20350-9411-13E4-D4B7-B43CD6B04DB5}"/>
+              </a:ext>
+            </a:extLst>
+          </p:cNvPr>
+          <p:cNvSpPr txBox="1"/>
           <p:nvPr/>
-        </p:nvPicPr>
-        <p:blipFill>
-          <a:blip r:embed="rId3">
-            <a:extLst>
-              <a:ext uri="{28A0092B-C50C-407E-A947-70E740481C1C}">
-                <a14:useLocalDpi xmlns:a14="http://schemas.microsoft.com/office/drawing/2010/main" val="0"/>
-              </a:ext>
-            </a:extLst>
-          </a:blip>
-          <a:stretch>
-            <a:fillRect/>
-          </a:stretch>
-        </p:blipFill>
-        <p:spPr>
-          <a:xfrm>
-            <a:off x="5227983" y="625213"/>
-            <a:ext cx="4731026" cy="4147298"/>
+        </p:nvSpPr>
+        <p:spPr>
+          <a:xfrm>
+            <a:off x="417443" y="273830"/>
+            <a:ext cx="2892287" cy="461665"/>
           </a:xfrm>
           <a:prstGeom prst="rect">
             <a:avLst/>
           </a:prstGeom>
-        </p:spPr>
-      </p:pic>
+          <a:noFill/>
+        </p:spPr>
+        <p:txBody>
+          <a:bodyPr wrap="square" rtlCol="0">
+            <a:spAutoFit/>
+          </a:bodyPr>
+          <a:lstStyle/>
+          <a:p>
+            <a:r>
+              <a:rPr lang="en-US" sz="2400" b="1" dirty="0">
+                <a:solidFill>
+                  <a:srgbClr val="02B675"/>
+                </a:solidFill>
+                <a:latin typeface="Arial Rounded MT Bold" panose="020F0704030504030204" pitchFamily="34" charset="0"/>
+              </a:rPr>
+              <a:t>Conclusion</a:t>
+            </a:r>
+          </a:p>
+        </p:txBody>
+      </p:sp>
+      <p:sp>
+        <p:nvSpPr>
+          <p:cNvPr id="3" name="TextBox 2">
+            <a:extLst>
+              <a:ext uri="{FF2B5EF4-FFF2-40B4-BE49-F238E27FC236}">
+                <a16:creationId xmlns:a16="http://schemas.microsoft.com/office/drawing/2014/main" id="{8955AE40-E52B-E9FE-220F-874A48AACB51}"/>
+              </a:ext>
+            </a:extLst>
+          </p:cNvPr>
+          <p:cNvSpPr txBox="1"/>
+          <p:nvPr/>
+        </p:nvSpPr>
+        <p:spPr>
+          <a:xfrm>
+            <a:off x="4785691" y="3220278"/>
+            <a:ext cx="2892287" cy="2308324"/>
+          </a:xfrm>
+          <a:prstGeom prst="rect">
+            <a:avLst/>
+          </a:prstGeom>
+          <a:noFill/>
+        </p:spPr>
+        <p:txBody>
+          <a:bodyPr wrap="square" rtlCol="0">
+            <a:spAutoFit/>
+          </a:bodyPr>
+          <a:lstStyle/>
+          <a:p>
+            <a:pPr marL="285750" indent="-285750">
+              <a:buFont typeface="Arial" panose="020B0604020202020204" pitchFamily="34" charset="0"/>
+              <a:buChar char="•"/>
+            </a:pPr>
+            <a:r>
+              <a:rPr lang="en-US" dirty="0"/>
+              <a:t>Fewer data.</a:t>
+            </a:r>
+          </a:p>
+          <a:p>
+            <a:pPr marL="285750" indent="-285750">
+              <a:buFont typeface="Arial" panose="020B0604020202020204" pitchFamily="34" charset="0"/>
+              <a:buChar char="•"/>
+            </a:pPr>
+            <a:r>
+              <a:rPr lang="en-US" dirty="0"/>
+              <a:t>Less accurate.</a:t>
+            </a:r>
+          </a:p>
+          <a:p>
+            <a:pPr marL="285750" indent="-285750">
+              <a:buFont typeface="Arial" panose="020B0604020202020204" pitchFamily="34" charset="0"/>
+              <a:buChar char="•"/>
+            </a:pPr>
+            <a:r>
+              <a:rPr lang="en-US" dirty="0"/>
+              <a:t>Does not work well if more than one face is available in a single image.</a:t>
+            </a:r>
+          </a:p>
+          <a:p>
+            <a:pPr marL="285750" indent="-285750">
+              <a:buFont typeface="Arial" panose="020B0604020202020204" pitchFamily="34" charset="0"/>
+              <a:buChar char="•"/>
+            </a:pPr>
+            <a:r>
+              <a:rPr lang="en-US" dirty="0"/>
+              <a:t>Cannot classify live images.</a:t>
+            </a:r>
+          </a:p>
+        </p:txBody>
+      </p:sp>
+      <p:sp>
+        <p:nvSpPr>
+          <p:cNvPr id="4" name="TextBox 3">
+            <a:extLst>
+              <a:ext uri="{FF2B5EF4-FFF2-40B4-BE49-F238E27FC236}">
+                <a16:creationId xmlns:a16="http://schemas.microsoft.com/office/drawing/2014/main" id="{FA1EC556-8F10-1D49-5178-D257B203E7BD}"/>
+              </a:ext>
+            </a:extLst>
+          </p:cNvPr>
+          <p:cNvSpPr txBox="1"/>
+          <p:nvPr/>
+        </p:nvSpPr>
+        <p:spPr>
+          <a:xfrm>
+            <a:off x="8125239" y="3220278"/>
+            <a:ext cx="2743200" cy="1477328"/>
+          </a:xfrm>
+          <a:prstGeom prst="rect">
+            <a:avLst/>
+          </a:prstGeom>
+          <a:noFill/>
+        </p:spPr>
+        <p:txBody>
+          <a:bodyPr wrap="square" rtlCol="0">
+            <a:spAutoFit/>
+          </a:bodyPr>
+          <a:lstStyle/>
+          <a:p>
+            <a:pPr marL="285750" indent="-285750">
+              <a:buFont typeface="Arial" panose="020B0604020202020204" pitchFamily="34" charset="0"/>
+              <a:buChar char="•"/>
+            </a:pPr>
+            <a:r>
+              <a:rPr lang="en-US" dirty="0"/>
+              <a:t>Using the collected data to train the model.</a:t>
+            </a:r>
+          </a:p>
+          <a:p>
+            <a:pPr marL="285750" indent="-285750">
+              <a:buFont typeface="Arial" panose="020B0604020202020204" pitchFamily="34" charset="0"/>
+              <a:buChar char="•"/>
+            </a:pPr>
+            <a:r>
+              <a:rPr lang="en-US" dirty="0"/>
+              <a:t> This will further increase the accuracy.</a:t>
+            </a:r>
+          </a:p>
+          <a:p>
+            <a:pPr marL="285750" indent="-285750">
+              <a:buFont typeface="Arial" panose="020B0604020202020204" pitchFamily="34" charset="0"/>
+              <a:buChar char="•"/>
+            </a:pPr>
+            <a:r>
+              <a:rPr lang="en-US" dirty="0"/>
+              <a:t>User friendly website.</a:t>
+            </a:r>
+          </a:p>
+        </p:txBody>
+      </p:sp>
+      <p:sp>
+        <p:nvSpPr>
+          <p:cNvPr id="5" name="TextBox 4">
+            <a:extLst>
+              <a:ext uri="{FF2B5EF4-FFF2-40B4-BE49-F238E27FC236}">
+                <a16:creationId xmlns:a16="http://schemas.microsoft.com/office/drawing/2014/main" id="{BCAB8312-921C-A071-CFBD-E892F5C22867}"/>
+              </a:ext>
+            </a:extLst>
+          </p:cNvPr>
+          <p:cNvSpPr txBox="1"/>
+          <p:nvPr/>
+        </p:nvSpPr>
+        <p:spPr>
+          <a:xfrm>
+            <a:off x="1421297" y="3220278"/>
+            <a:ext cx="2613991" cy="1477328"/>
+          </a:xfrm>
+          <a:prstGeom prst="rect">
+            <a:avLst/>
+          </a:prstGeom>
+          <a:noFill/>
+        </p:spPr>
+        <p:txBody>
+          <a:bodyPr wrap="square" rtlCol="0">
+            <a:spAutoFit/>
+          </a:bodyPr>
+          <a:lstStyle/>
+          <a:p>
+            <a:pPr marL="285750" indent="-285750">
+              <a:buFont typeface="Arial" panose="020B0604020202020204" pitchFamily="34" charset="0"/>
+              <a:buChar char="•"/>
+            </a:pPr>
+            <a:r>
+              <a:rPr lang="en-US" dirty="0"/>
+              <a:t>E-KYC.</a:t>
+            </a:r>
+          </a:p>
+          <a:p>
+            <a:pPr marL="285750" indent="-285750">
+              <a:buFont typeface="Arial" panose="020B0604020202020204" pitchFamily="34" charset="0"/>
+              <a:buChar char="•"/>
+            </a:pPr>
+            <a:r>
+              <a:rPr lang="en-US" dirty="0"/>
+              <a:t>Biometric attendance</a:t>
+            </a:r>
+          </a:p>
+          <a:p>
+            <a:pPr marL="285750" indent="-285750">
+              <a:buFont typeface="Arial" panose="020B0604020202020204" pitchFamily="34" charset="0"/>
+              <a:buChar char="•"/>
+            </a:pPr>
+            <a:r>
+              <a:rPr lang="en-US" dirty="0"/>
+              <a:t>Security systems</a:t>
+            </a:r>
+          </a:p>
+          <a:p>
+            <a:pPr marL="285750" indent="-285750">
+              <a:buFont typeface="Arial" panose="020B0604020202020204" pitchFamily="34" charset="0"/>
+              <a:buChar char="•"/>
+            </a:pPr>
+            <a:r>
+              <a:rPr lang="en-US" dirty="0"/>
+              <a:t>In the field of psychology</a:t>
+            </a:r>
+          </a:p>
+        </p:txBody>
+      </p:sp>
+      <p:sp>
+        <p:nvSpPr>
+          <p:cNvPr id="6" name="TextBox 5">
+            <a:extLst>
+              <a:ext uri="{FF2B5EF4-FFF2-40B4-BE49-F238E27FC236}">
+                <a16:creationId xmlns:a16="http://schemas.microsoft.com/office/drawing/2014/main" id="{96B1AB75-E92C-B78C-7876-59E9673FD10E}"/>
+              </a:ext>
+            </a:extLst>
+          </p:cNvPr>
+          <p:cNvSpPr txBox="1"/>
+          <p:nvPr/>
+        </p:nvSpPr>
+        <p:spPr>
+          <a:xfrm>
+            <a:off x="911086" y="802405"/>
+            <a:ext cx="10442714" cy="1200329"/>
+          </a:xfrm>
+          <a:prstGeom prst="rect">
+            <a:avLst/>
+          </a:prstGeom>
+          <a:noFill/>
+        </p:spPr>
+        <p:txBody>
+          <a:bodyPr wrap="square" rtlCol="0">
+            <a:spAutoFit/>
+          </a:bodyPr>
+          <a:lstStyle/>
+          <a:p>
+            <a:r>
+              <a:rPr lang="en-US" dirty="0"/>
+              <a:t>This study outlines the FER pipeline: face detection, preprocessing, feature extraction, and CNN-based classification, demonstrating effective emotion capture and classification. The model's integration into a web platform allows real-time emotion recognition from images and live webcam feeds, enhancing interactive and personalized user experiences based on emotional states.</a:t>
+            </a:r>
+          </a:p>
+        </p:txBody>
+      </p:sp>
+      <p:sp>
+        <p:nvSpPr>
+          <p:cNvPr id="7" name="TextBox 6">
+            <a:extLst>
+              <a:ext uri="{FF2B5EF4-FFF2-40B4-BE49-F238E27FC236}">
+                <a16:creationId xmlns:a16="http://schemas.microsoft.com/office/drawing/2014/main" id="{4DA3C0AC-E2E4-1DED-DE7A-17378449E393}"/>
+              </a:ext>
+            </a:extLst>
+          </p:cNvPr>
+          <p:cNvSpPr txBox="1"/>
+          <p:nvPr/>
+        </p:nvSpPr>
+        <p:spPr>
+          <a:xfrm>
+            <a:off x="1421297" y="2693504"/>
+            <a:ext cx="2753138" cy="369332"/>
+          </a:xfrm>
+          <a:prstGeom prst="rect">
+            <a:avLst/>
+          </a:prstGeom>
+          <a:noFill/>
+        </p:spPr>
+        <p:txBody>
+          <a:bodyPr wrap="square" rtlCol="0">
+            <a:spAutoFit/>
+          </a:bodyPr>
+          <a:lstStyle/>
+          <a:p>
+            <a:pPr algn="ctr"/>
+            <a:r>
+              <a:rPr lang="en-US" b="1" dirty="0">
+                <a:solidFill>
+                  <a:srgbClr val="02B675"/>
+                </a:solidFill>
+              </a:rPr>
+              <a:t>Applications</a:t>
+            </a:r>
+          </a:p>
+        </p:txBody>
+      </p:sp>
+      <p:sp>
+        <p:nvSpPr>
+          <p:cNvPr id="8" name="TextBox 7">
+            <a:extLst>
+              <a:ext uri="{FF2B5EF4-FFF2-40B4-BE49-F238E27FC236}">
+                <a16:creationId xmlns:a16="http://schemas.microsoft.com/office/drawing/2014/main" id="{B29B42A5-E29E-A7B5-419A-3D5A8880B3E5}"/>
+              </a:ext>
+            </a:extLst>
+          </p:cNvPr>
+          <p:cNvSpPr txBox="1"/>
+          <p:nvPr/>
+        </p:nvSpPr>
+        <p:spPr>
+          <a:xfrm>
+            <a:off x="4785691" y="2693504"/>
+            <a:ext cx="2728292" cy="369332"/>
+          </a:xfrm>
+          <a:prstGeom prst="rect">
+            <a:avLst/>
+          </a:prstGeom>
+          <a:noFill/>
+        </p:spPr>
+        <p:txBody>
+          <a:bodyPr wrap="square" rtlCol="0">
+            <a:spAutoFit/>
+          </a:bodyPr>
+          <a:lstStyle/>
+          <a:p>
+            <a:pPr algn="ctr"/>
+            <a:r>
+              <a:rPr lang="en-US" b="1" dirty="0">
+                <a:solidFill>
+                  <a:srgbClr val="E35A37"/>
+                </a:solidFill>
+              </a:rPr>
+              <a:t>Drawbacks</a:t>
+            </a:r>
+          </a:p>
+        </p:txBody>
+      </p:sp>
+      <p:sp>
+        <p:nvSpPr>
+          <p:cNvPr id="9" name="TextBox 8">
+            <a:extLst>
+              <a:ext uri="{FF2B5EF4-FFF2-40B4-BE49-F238E27FC236}">
+                <a16:creationId xmlns:a16="http://schemas.microsoft.com/office/drawing/2014/main" id="{34584FE8-2746-52B3-DED0-C7AFA16A6C44}"/>
+              </a:ext>
+            </a:extLst>
+          </p:cNvPr>
+          <p:cNvSpPr txBox="1"/>
+          <p:nvPr/>
+        </p:nvSpPr>
+        <p:spPr>
+          <a:xfrm>
+            <a:off x="8125239" y="2693504"/>
+            <a:ext cx="2728292" cy="369332"/>
+          </a:xfrm>
+          <a:prstGeom prst="rect">
+            <a:avLst/>
+          </a:prstGeom>
+          <a:noFill/>
+        </p:spPr>
+        <p:txBody>
+          <a:bodyPr wrap="square" rtlCol="0">
+            <a:spAutoFit/>
+          </a:bodyPr>
+          <a:lstStyle/>
+          <a:p>
+            <a:pPr algn="ctr"/>
+            <a:r>
+              <a:rPr lang="en-US" b="1" dirty="0">
+                <a:solidFill>
+                  <a:srgbClr val="F4C927"/>
+                </a:solidFill>
+              </a:rPr>
+              <a:t>Future Aspects</a:t>
+            </a:r>
+          </a:p>
+        </p:txBody>
+      </p:sp>
     </p:spTree>
     <p:extLst>
       <p:ext uri="{BB962C8B-B14F-4D97-AF65-F5344CB8AC3E}">
-        <p14:creationId xmlns:p14="http://schemas.microsoft.com/office/powerpoint/2010/main" val="4184143137"/>
+        <p14:creationId xmlns:p14="http://schemas.microsoft.com/office/powerpoint/2010/main" val="3981886295"/>
       </p:ext>
     </p:extLst>
   </p:cSld>
@@ -7105,10 +7327,10 @@
       </p:grpSpPr>
       <p:sp>
         <p:nvSpPr>
-          <p:cNvPr id="2" name="TextBox 1">
-            <a:extLst>
-              <a:ext uri="{FF2B5EF4-FFF2-40B4-BE49-F238E27FC236}">
-                <a16:creationId xmlns:a16="http://schemas.microsoft.com/office/drawing/2014/main" id="{0EB89EBF-E5DD-7B7C-CBA0-1C7DD6E26EBC}"/>
+          <p:cNvPr id="3" name="TextBox 2">
+            <a:extLst>
+              <a:ext uri="{FF2B5EF4-FFF2-40B4-BE49-F238E27FC236}">
+                <a16:creationId xmlns:a16="http://schemas.microsoft.com/office/drawing/2014/main" id="{44587354-D274-94FA-B83F-7BEE93A5120C}"/>
               </a:ext>
             </a:extLst>
           </p:cNvPr>
@@ -7117,8 +7339,8 @@
         </p:nvSpPr>
         <p:spPr>
           <a:xfrm>
-            <a:off x="4830417" y="795131"/>
-            <a:ext cx="2087218" cy="461665"/>
+            <a:off x="496956" y="445415"/>
+            <a:ext cx="1789043" cy="523220"/>
           </a:xfrm>
           <a:prstGeom prst="rect">
             <a:avLst/>
@@ -7132,13 +7354,13 @@
           <a:lstStyle/>
           <a:p>
             <a:r>
-              <a:rPr lang="en-US" sz="2400" b="1" dirty="0">
+              <a:rPr lang="en-US" sz="2800" b="1" dirty="0">
                 <a:solidFill>
                   <a:srgbClr val="02B675"/>
                 </a:solidFill>
                 <a:latin typeface="Arial Rounded MT Bold" panose="020F0704030504030204" pitchFamily="34" charset="0"/>
               </a:rPr>
-              <a:t>Introduction</a:t>
+              <a:t>Content</a:t>
             </a:r>
           </a:p>
         </p:txBody>
@@ -7148,7 +7370,7 @@
           <p:cNvPr id="4" name="TextBox 3">
             <a:extLst>
               <a:ext uri="{FF2B5EF4-FFF2-40B4-BE49-F238E27FC236}">
-                <a16:creationId xmlns:a16="http://schemas.microsoft.com/office/drawing/2014/main" id="{6CA66E15-63ED-EDBA-1BA9-3CAA02F8781A}"/>
+                <a16:creationId xmlns:a16="http://schemas.microsoft.com/office/drawing/2014/main" id="{F8EE9E27-AC27-BE28-A536-13EDC8432222}"/>
               </a:ext>
             </a:extLst>
           </p:cNvPr>
@@ -7157,8 +7379,8 @@
         </p:nvSpPr>
         <p:spPr>
           <a:xfrm>
-            <a:off x="4830417" y="1719469"/>
-            <a:ext cx="4830418" cy="4524315"/>
+            <a:off x="2057400" y="3512691"/>
+            <a:ext cx="1401417" cy="369332"/>
           </a:xfrm>
           <a:prstGeom prst="rect">
             <a:avLst/>
@@ -7172,8 +7394,348 @@
           <a:lstStyle/>
           <a:p>
             <a:r>
+              <a:rPr lang="en-US" b="1" dirty="0">
+                <a:solidFill>
+                  <a:srgbClr val="02B675"/>
+                </a:solidFill>
+              </a:rPr>
+              <a:t>Introduction</a:t>
+            </a:r>
+          </a:p>
+        </p:txBody>
+      </p:sp>
+      <p:sp>
+        <p:nvSpPr>
+          <p:cNvPr id="5" name="TextBox 4">
+            <a:extLst>
+              <a:ext uri="{FF2B5EF4-FFF2-40B4-BE49-F238E27FC236}">
+                <a16:creationId xmlns:a16="http://schemas.microsoft.com/office/drawing/2014/main" id="{9E40CB24-415D-184A-55EC-8204E4990424}"/>
+              </a:ext>
+            </a:extLst>
+          </p:cNvPr>
+          <p:cNvSpPr txBox="1"/>
+          <p:nvPr/>
+        </p:nvSpPr>
+        <p:spPr>
+          <a:xfrm>
+            <a:off x="8786191" y="4780722"/>
+            <a:ext cx="1331844" cy="369332"/>
+          </a:xfrm>
+          <a:prstGeom prst="rect">
+            <a:avLst/>
+          </a:prstGeom>
+          <a:noFill/>
+        </p:spPr>
+        <p:txBody>
+          <a:bodyPr wrap="square" rtlCol="0">
+            <a:spAutoFit/>
+          </a:bodyPr>
+          <a:lstStyle/>
+          <a:p>
+            <a:r>
+              <a:rPr lang="en-US" b="1" dirty="0">
+                <a:solidFill>
+                  <a:srgbClr val="FFC97F"/>
+                </a:solidFill>
+              </a:rPr>
+              <a:t>Conclusion</a:t>
+            </a:r>
+          </a:p>
+        </p:txBody>
+      </p:sp>
+      <p:sp>
+        <p:nvSpPr>
+          <p:cNvPr id="6" name="TextBox 5">
+            <a:extLst>
+              <a:ext uri="{FF2B5EF4-FFF2-40B4-BE49-F238E27FC236}">
+                <a16:creationId xmlns:a16="http://schemas.microsoft.com/office/drawing/2014/main" id="{AE502A01-E8DD-6180-93A3-CB0D70CB3ECC}"/>
+              </a:ext>
+            </a:extLst>
+          </p:cNvPr>
+          <p:cNvSpPr txBox="1"/>
+          <p:nvPr/>
+        </p:nvSpPr>
+        <p:spPr>
+          <a:xfrm>
+            <a:off x="6185451" y="3499152"/>
+            <a:ext cx="2256180" cy="646331"/>
+          </a:xfrm>
+          <a:prstGeom prst="rect">
+            <a:avLst/>
+          </a:prstGeom>
+          <a:noFill/>
+        </p:spPr>
+        <p:txBody>
+          <a:bodyPr wrap="square" rtlCol="0">
+            <a:spAutoFit/>
+          </a:bodyPr>
+          <a:lstStyle/>
+          <a:p>
+            <a:r>
+              <a:rPr lang="en-US" b="1" dirty="0">
+                <a:solidFill>
+                  <a:srgbClr val="02B675"/>
+                </a:solidFill>
+              </a:rPr>
+              <a:t>Face Detection and Model Deployment</a:t>
+            </a:r>
+          </a:p>
+        </p:txBody>
+      </p:sp>
+      <p:sp>
+        <p:nvSpPr>
+          <p:cNvPr id="7" name="TextBox 6">
+            <a:extLst>
+              <a:ext uri="{FF2B5EF4-FFF2-40B4-BE49-F238E27FC236}">
+                <a16:creationId xmlns:a16="http://schemas.microsoft.com/office/drawing/2014/main" id="{A0356709-F8B9-81FE-AEA2-B32356DCD726}"/>
+              </a:ext>
+            </a:extLst>
+          </p:cNvPr>
+          <p:cNvSpPr txBox="1"/>
+          <p:nvPr/>
+        </p:nvSpPr>
+        <p:spPr>
+          <a:xfrm>
+            <a:off x="6301407" y="968635"/>
+            <a:ext cx="1928191" cy="369332"/>
+          </a:xfrm>
+          <a:prstGeom prst="rect">
+            <a:avLst/>
+          </a:prstGeom>
+          <a:noFill/>
+        </p:spPr>
+        <p:txBody>
+          <a:bodyPr wrap="square" rtlCol="0">
+            <a:spAutoFit/>
+          </a:bodyPr>
+          <a:lstStyle/>
+          <a:p>
+            <a:r>
+              <a:rPr lang="en-US" b="1" dirty="0">
+                <a:solidFill>
+                  <a:srgbClr val="02B675"/>
+                </a:solidFill>
+              </a:rPr>
+              <a:t>Data Description</a:t>
+            </a:r>
+          </a:p>
+        </p:txBody>
+      </p:sp>
+      <p:sp>
+        <p:nvSpPr>
+          <p:cNvPr id="8" name="TextBox 7">
+            <a:extLst>
+              <a:ext uri="{FF2B5EF4-FFF2-40B4-BE49-F238E27FC236}">
+                <a16:creationId xmlns:a16="http://schemas.microsoft.com/office/drawing/2014/main" id="{8093A2F7-BE56-8791-7A7D-15389EDAE07C}"/>
+              </a:ext>
+            </a:extLst>
+          </p:cNvPr>
+          <p:cNvSpPr txBox="1"/>
+          <p:nvPr/>
+        </p:nvSpPr>
+        <p:spPr>
+          <a:xfrm>
+            <a:off x="8229598" y="2231121"/>
+            <a:ext cx="2256180" cy="646331"/>
+          </a:xfrm>
+          <a:prstGeom prst="rect">
+            <a:avLst/>
+          </a:prstGeom>
+          <a:noFill/>
+        </p:spPr>
+        <p:txBody>
+          <a:bodyPr wrap="square" rtlCol="0">
+            <a:spAutoFit/>
+          </a:bodyPr>
+          <a:lstStyle/>
+          <a:p>
+            <a:pPr algn="ctr"/>
+            <a:r>
+              <a:rPr lang="en-US" b="1" dirty="0">
+                <a:solidFill>
+                  <a:srgbClr val="FFC97F"/>
+                </a:solidFill>
+              </a:rPr>
+              <a:t>Neural Network Model</a:t>
+            </a:r>
+          </a:p>
+        </p:txBody>
+      </p:sp>
+      <p:sp>
+        <p:nvSpPr>
+          <p:cNvPr id="10" name="TextBox 9">
+            <a:extLst>
+              <a:ext uri="{FF2B5EF4-FFF2-40B4-BE49-F238E27FC236}">
+                <a16:creationId xmlns:a16="http://schemas.microsoft.com/office/drawing/2014/main" id="{847C2410-A68C-F3D0-660F-587D58FFAAE2}"/>
+              </a:ext>
+            </a:extLst>
+          </p:cNvPr>
+          <p:cNvSpPr txBox="1"/>
+          <p:nvPr/>
+        </p:nvSpPr>
+        <p:spPr>
+          <a:xfrm>
+            <a:off x="4174435" y="2231121"/>
+            <a:ext cx="1792357" cy="369332"/>
+          </a:xfrm>
+          <a:prstGeom prst="rect">
+            <a:avLst/>
+          </a:prstGeom>
+          <a:noFill/>
+        </p:spPr>
+        <p:txBody>
+          <a:bodyPr wrap="square" rtlCol="0">
+            <a:spAutoFit/>
+          </a:bodyPr>
+          <a:lstStyle/>
+          <a:p>
+            <a:r>
+              <a:rPr lang="en-US" b="1" dirty="0">
+                <a:solidFill>
+                  <a:srgbClr val="FFC97F"/>
+                </a:solidFill>
+              </a:rPr>
+              <a:t>Background</a:t>
+            </a:r>
+          </a:p>
+        </p:txBody>
+      </p:sp>
+      <p:sp>
+        <p:nvSpPr>
+          <p:cNvPr id="11" name="TextBox 10">
+            <a:extLst>
+              <a:ext uri="{FF2B5EF4-FFF2-40B4-BE49-F238E27FC236}">
+                <a16:creationId xmlns:a16="http://schemas.microsoft.com/office/drawing/2014/main" id="{F10739F4-63D9-D9D2-4018-030FC8566A6E}"/>
+              </a:ext>
+            </a:extLst>
+          </p:cNvPr>
+          <p:cNvSpPr txBox="1"/>
+          <p:nvPr/>
+        </p:nvSpPr>
+        <p:spPr>
+          <a:xfrm>
+            <a:off x="1749287" y="3949725"/>
+            <a:ext cx="2345635" cy="1200329"/>
+          </a:xfrm>
+          <a:prstGeom prst="rect">
+            <a:avLst/>
+          </a:prstGeom>
+          <a:noFill/>
+        </p:spPr>
+        <p:txBody>
+          <a:bodyPr wrap="square" rtlCol="0">
+            <a:spAutoFit/>
+          </a:bodyPr>
+          <a:lstStyle/>
+          <a:p>
+            <a:r>
               <a:rPr lang="en-US" dirty="0"/>
-              <a:t>Facial expression recognition is a crucial aspect of computer vision and artificial intelligence, with applications ranging from human-computer interaction to psychological analysis. This project focuses on developing a deep learning model to classify facial expressions into seven categories: anger, sad, disgust, neutral, fear, happy, and surprise. By leveraging a deep neural network architecture and employing </a:t>
+              <a:t>Understanding the problem statement and objectives of the project.</a:t>
+            </a:r>
+          </a:p>
+        </p:txBody>
+      </p:sp>
+      <p:sp>
+        <p:nvSpPr>
+          <p:cNvPr id="12" name="TextBox 11">
+            <a:extLst>
+              <a:ext uri="{FF2B5EF4-FFF2-40B4-BE49-F238E27FC236}">
+                <a16:creationId xmlns:a16="http://schemas.microsoft.com/office/drawing/2014/main" id="{244338D5-14C1-3E2C-E2B6-9653DA5D8AE5}"/>
+              </a:ext>
+            </a:extLst>
+          </p:cNvPr>
+          <p:cNvSpPr txBox="1"/>
+          <p:nvPr/>
+        </p:nvSpPr>
+        <p:spPr>
+          <a:xfrm>
+            <a:off x="4045224" y="2828835"/>
+            <a:ext cx="2100470" cy="1200329"/>
+          </a:xfrm>
+          <a:prstGeom prst="rect">
+            <a:avLst/>
+          </a:prstGeom>
+          <a:noFill/>
+        </p:spPr>
+        <p:txBody>
+          <a:bodyPr wrap="square" rtlCol="0">
+            <a:spAutoFit/>
+          </a:bodyPr>
+          <a:lstStyle/>
+          <a:p>
+            <a:r>
+              <a:rPr lang="en-US" dirty="0"/>
+              <a:t>Getting the gist of deep Learning activation functions, CNN and so on.</a:t>
+            </a:r>
+          </a:p>
+        </p:txBody>
+      </p:sp>
+      <p:sp>
+        <p:nvSpPr>
+          <p:cNvPr id="13" name="TextBox 12">
+            <a:extLst>
+              <a:ext uri="{FF2B5EF4-FFF2-40B4-BE49-F238E27FC236}">
+                <a16:creationId xmlns:a16="http://schemas.microsoft.com/office/drawing/2014/main" id="{75312A2C-9EFE-BF63-3896-42D3CBB19855}"/>
+              </a:ext>
+            </a:extLst>
+          </p:cNvPr>
+          <p:cNvSpPr txBox="1"/>
+          <p:nvPr/>
+        </p:nvSpPr>
+        <p:spPr>
+          <a:xfrm>
+            <a:off x="5966792" y="1609421"/>
+            <a:ext cx="2673622" cy="923330"/>
+          </a:xfrm>
+          <a:prstGeom prst="rect">
+            <a:avLst/>
+          </a:prstGeom>
+          <a:noFill/>
+        </p:spPr>
+        <p:txBody>
+          <a:bodyPr wrap="square" rtlCol="0">
+            <a:spAutoFit/>
+          </a:bodyPr>
+          <a:lstStyle/>
+          <a:p>
+            <a:r>
+              <a:rPr lang="en-US" dirty="0"/>
+              <a:t>First-hand understanding of the data and various labels.</a:t>
+            </a:r>
+          </a:p>
+        </p:txBody>
+      </p:sp>
+      <p:sp>
+        <p:nvSpPr>
+          <p:cNvPr id="16" name="TextBox 15">
+            <a:extLst>
+              <a:ext uri="{FF2B5EF4-FFF2-40B4-BE49-F238E27FC236}">
+                <a16:creationId xmlns:a16="http://schemas.microsoft.com/office/drawing/2014/main" id="{59D01506-5B7D-BE05-A95A-CAD97B9FFA4F}"/>
+              </a:ext>
+            </a:extLst>
+          </p:cNvPr>
+          <p:cNvSpPr txBox="1"/>
+          <p:nvPr/>
+        </p:nvSpPr>
+        <p:spPr>
+          <a:xfrm>
+            <a:off x="6223550" y="4145483"/>
+            <a:ext cx="2083904" cy="1477328"/>
+          </a:xfrm>
+          <a:prstGeom prst="rect">
+            <a:avLst/>
+          </a:prstGeom>
+          <a:noFill/>
+        </p:spPr>
+        <p:txBody>
+          <a:bodyPr wrap="square" rtlCol="0">
+            <a:spAutoFit/>
+          </a:bodyPr>
+          <a:lstStyle/>
+          <a:p>
+            <a:r>
+              <a:rPr lang="en-US" dirty="0"/>
+              <a:t>Extracting face from the image using </a:t>
             </a:r>
             <a:r>
               <a:rPr lang="en-US" dirty="0" err="1"/>
@@ -7181,7 +7743,83 @@
             </a:r>
             <a:r>
               <a:rPr lang="en-US" dirty="0"/>
-              <a:t> Cascade classifiers for face detection, the project aims to create a robust system capable of accurately identifying facial expressions from images. Additionally, the model will be deployed to allow for practical, real-time applications in various domains, enhancing the interaction between humans and technology.</a:t>
+              <a:t> Cascade. Deploying model </a:t>
+            </a:r>
+          </a:p>
+          <a:p>
+            <a:r>
+              <a:rPr lang="en-US" dirty="0"/>
+              <a:t>   on the web.</a:t>
+            </a:r>
+          </a:p>
+        </p:txBody>
+      </p:sp>
+      <p:sp>
+        <p:nvSpPr>
+          <p:cNvPr id="17" name="TextBox 16">
+            <a:extLst>
+              <a:ext uri="{FF2B5EF4-FFF2-40B4-BE49-F238E27FC236}">
+                <a16:creationId xmlns:a16="http://schemas.microsoft.com/office/drawing/2014/main" id="{EDA5EF87-F5ED-2142-73EC-9C327458602C}"/>
+              </a:ext>
+            </a:extLst>
+          </p:cNvPr>
+          <p:cNvSpPr txBox="1"/>
+          <p:nvPr/>
+        </p:nvSpPr>
+        <p:spPr>
+          <a:xfrm>
+            <a:off x="8441631" y="2905757"/>
+            <a:ext cx="1885126" cy="923330"/>
+          </a:xfrm>
+          <a:prstGeom prst="rect">
+            <a:avLst/>
+          </a:prstGeom>
+          <a:noFill/>
+        </p:spPr>
+        <p:txBody>
+          <a:bodyPr wrap="square" rtlCol="0">
+            <a:spAutoFit/>
+          </a:bodyPr>
+          <a:lstStyle/>
+          <a:p>
+            <a:r>
+              <a:rPr lang="en-US" dirty="0"/>
+              <a:t>Building, Training, Evaluating, and Testing model. </a:t>
+            </a:r>
+          </a:p>
+        </p:txBody>
+      </p:sp>
+      <p:sp>
+        <p:nvSpPr>
+          <p:cNvPr id="18" name="TextBox 17">
+            <a:extLst>
+              <a:ext uri="{FF2B5EF4-FFF2-40B4-BE49-F238E27FC236}">
+                <a16:creationId xmlns:a16="http://schemas.microsoft.com/office/drawing/2014/main" id="{43A4B601-6C48-D614-B147-3667450C9FB0}"/>
+              </a:ext>
+            </a:extLst>
+          </p:cNvPr>
+          <p:cNvSpPr txBox="1"/>
+          <p:nvPr/>
+        </p:nvSpPr>
+        <p:spPr>
+          <a:xfrm>
+            <a:off x="8328994" y="5248579"/>
+            <a:ext cx="2256180" cy="1200329"/>
+          </a:xfrm>
+          <a:prstGeom prst="rect">
+            <a:avLst/>
+          </a:prstGeom>
+          <a:noFill/>
+        </p:spPr>
+        <p:txBody>
+          <a:bodyPr wrap="square" rtlCol="0">
+            <a:spAutoFit/>
+          </a:bodyPr>
+          <a:lstStyle/>
+          <a:p>
+            <a:r>
+              <a:rPr lang="en-US" dirty="0"/>
+              <a:t>Drawbacks, Applications, and Future aspects of the model.</a:t>
             </a:r>
           </a:p>
         </p:txBody>
@@ -7189,7 +7827,87 @@
     </p:spTree>
     <p:extLst>
       <p:ext uri="{BB962C8B-B14F-4D97-AF65-F5344CB8AC3E}">
-        <p14:creationId xmlns:p14="http://schemas.microsoft.com/office/powerpoint/2010/main" val="302455687"/>
+        <p14:creationId xmlns:p14="http://schemas.microsoft.com/office/powerpoint/2010/main" val="4095185493"/>
+      </p:ext>
+    </p:extLst>
+  </p:cSld>
+  <p:clrMapOvr>
+    <a:masterClrMapping/>
+  </p:clrMapOvr>
+</p:sld>
+</file>
+
+<file path=ppt/slides/slide20.xml><?xml version="1.0" encoding="utf-8"?>
+<p:sld xmlns:a="http://schemas.openxmlformats.org/drawingml/2006/main" xmlns:r="http://schemas.openxmlformats.org/officeDocument/2006/relationships" xmlns:p="http://schemas.openxmlformats.org/presentationml/2006/main">
+  <p:cSld>
+    <p:bg>
+      <p:bgPr>
+        <a:blipFill dpi="0" rotWithShape="1">
+          <a:blip r:embed="rId2">
+            <a:lum/>
+          </a:blip>
+          <a:srcRect/>
+          <a:stretch>
+            <a:fillRect/>
+          </a:stretch>
+        </a:blipFill>
+        <a:effectLst/>
+      </p:bgPr>
+    </p:bg>
+    <p:spTree>
+      <p:nvGrpSpPr>
+        <p:cNvPr id="1" name=""/>
+        <p:cNvGrpSpPr/>
+        <p:nvPr/>
+      </p:nvGrpSpPr>
+      <p:grpSpPr>
+        <a:xfrm>
+          <a:off x="0" y="0"/>
+          <a:ext cx="0" cy="0"/>
+          <a:chOff x="0" y="0"/>
+          <a:chExt cx="0" cy="0"/>
+        </a:xfrm>
+      </p:grpSpPr>
+      <p:pic>
+        <p:nvPicPr>
+          <p:cNvPr id="7" name="Picture 6">
+            <a:extLst>
+              <a:ext uri="{FF2B5EF4-FFF2-40B4-BE49-F238E27FC236}">
+                <a16:creationId xmlns:a16="http://schemas.microsoft.com/office/drawing/2014/main" id="{A414839B-3E96-C031-72E4-3FAC0FA07D15}"/>
+              </a:ext>
+            </a:extLst>
+          </p:cNvPr>
+          <p:cNvPicPr>
+            <a:picLocks noChangeAspect="1"/>
+          </p:cNvPicPr>
+          <p:nvPr/>
+        </p:nvPicPr>
+        <p:blipFill>
+          <a:blip r:embed="rId3">
+            <a:extLst>
+              <a:ext uri="{28A0092B-C50C-407E-A947-70E740481C1C}">
+                <a14:useLocalDpi xmlns:a14="http://schemas.microsoft.com/office/drawing/2010/main" val="0"/>
+              </a:ext>
+            </a:extLst>
+          </a:blip>
+          <a:stretch>
+            <a:fillRect/>
+          </a:stretch>
+        </p:blipFill>
+        <p:spPr>
+          <a:xfrm>
+            <a:off x="5227983" y="625213"/>
+            <a:ext cx="4731026" cy="4147298"/>
+          </a:xfrm>
+          <a:prstGeom prst="rect">
+            <a:avLst/>
+          </a:prstGeom>
+        </p:spPr>
+      </p:pic>
+    </p:spTree>
+    <p:extLst>
+      <p:ext uri="{BB962C8B-B14F-4D97-AF65-F5344CB8AC3E}">
+        <p14:creationId xmlns:p14="http://schemas.microsoft.com/office/powerpoint/2010/main" val="4184143137"/>
       </p:ext>
     </p:extLst>
   </p:cSld>
@@ -7235,7 +7953,7 @@
           <p:cNvPr id="2" name="TextBox 1">
             <a:extLst>
               <a:ext uri="{FF2B5EF4-FFF2-40B4-BE49-F238E27FC236}">
-                <a16:creationId xmlns:a16="http://schemas.microsoft.com/office/drawing/2014/main" id="{A26CA3DF-49FF-B6F9-BD3C-261B48B5AAD2}"/>
+                <a16:creationId xmlns:a16="http://schemas.microsoft.com/office/drawing/2014/main" id="{0EB89EBF-E5DD-7B7C-CBA0-1C7DD6E26EBC}"/>
               </a:ext>
             </a:extLst>
           </p:cNvPr>
@@ -7244,8 +7962,8 @@
         </p:nvSpPr>
         <p:spPr>
           <a:xfrm>
-            <a:off x="248478" y="1113183"/>
-            <a:ext cx="2564296" cy="523220"/>
+            <a:off x="4830417" y="795131"/>
+            <a:ext cx="2087218" cy="461665"/>
           </a:xfrm>
           <a:prstGeom prst="rect">
             <a:avLst/>
@@ -7259,328 +7977,56 @@
           <a:lstStyle/>
           <a:p>
             <a:r>
-              <a:rPr lang="en-US" sz="2800" b="1" dirty="0">
+              <a:rPr lang="en-US" sz="2400" b="1" dirty="0">
                 <a:solidFill>
                   <a:srgbClr val="02B675"/>
                 </a:solidFill>
                 <a:latin typeface="Arial Rounded MT Bold" panose="020F0704030504030204" pitchFamily="34" charset="0"/>
               </a:rPr>
-              <a:t>Background</a:t>
-            </a:r>
-          </a:p>
-        </p:txBody>
-      </p:sp>
-      <p:sp>
-        <p:nvSpPr>
-          <p:cNvPr id="7" name="Rectangle: Top Corners Snipped 6">
-            <a:extLst>
-              <a:ext uri="{FF2B5EF4-FFF2-40B4-BE49-F238E27FC236}">
-                <a16:creationId xmlns:a16="http://schemas.microsoft.com/office/drawing/2014/main" id="{53C3DA3A-885D-30B2-4C40-6448002D3F87}"/>
-              </a:ext>
-            </a:extLst>
-          </p:cNvPr>
-          <p:cNvSpPr/>
+              <a:t>Introduction</a:t>
+            </a:r>
+          </a:p>
+        </p:txBody>
+      </p:sp>
+      <p:sp>
+        <p:nvSpPr>
+          <p:cNvPr id="4" name="TextBox 3">
+            <a:extLst>
+              <a:ext uri="{FF2B5EF4-FFF2-40B4-BE49-F238E27FC236}">
+                <a16:creationId xmlns:a16="http://schemas.microsoft.com/office/drawing/2014/main" id="{6CA66E15-63ED-EDBA-1BA9-3CAA02F8781A}"/>
+              </a:ext>
+            </a:extLst>
+          </p:cNvPr>
+          <p:cNvSpPr txBox="1"/>
           <p:nvPr/>
         </p:nvSpPr>
         <p:spPr>
           <a:xfrm>
-            <a:off x="248478" y="4149587"/>
-            <a:ext cx="1868557" cy="964095"/>
-          </a:xfrm>
-          <a:prstGeom prst="snip2SameRect">
+            <a:off x="4830417" y="1719469"/>
+            <a:ext cx="4830418" cy="4524315"/>
+          </a:xfrm>
+          <a:prstGeom prst="rect">
             <a:avLst/>
           </a:prstGeom>
           <a:noFill/>
-          <a:ln w="28575">
-            <a:solidFill>
-              <a:srgbClr val="FA542E"/>
-            </a:solidFill>
-          </a:ln>
-        </p:spPr>
-        <p:style>
-          <a:lnRef idx="2">
-            <a:schemeClr val="accent1">
-              <a:shade val="15000"/>
-            </a:schemeClr>
-          </a:lnRef>
-          <a:fillRef idx="1">
-            <a:schemeClr val="accent1"/>
-          </a:fillRef>
-          <a:effectRef idx="0">
-            <a:schemeClr val="accent1"/>
-          </a:effectRef>
-          <a:fontRef idx="minor">
-            <a:schemeClr val="lt1"/>
-          </a:fontRef>
-        </p:style>
-        <p:txBody>
-          <a:bodyPr rtlCol="0" anchor="ctr"/>
-          <a:lstStyle/>
-          <a:p>
-            <a:pPr algn="ctr"/>
-            <a:r>
-              <a:rPr lang="en-US" b="1" dirty="0">
-                <a:solidFill>
-                  <a:schemeClr val="accent2">
-                    <a:lumMod val="75000"/>
-                  </a:schemeClr>
-                </a:solidFill>
-              </a:rPr>
-              <a:t>Deep Learning</a:t>
-            </a:r>
-          </a:p>
-        </p:txBody>
-      </p:sp>
-      <p:sp>
-        <p:nvSpPr>
-          <p:cNvPr id="8" name="Rectangle: Top Corners Snipped 7">
-            <a:extLst>
-              <a:ext uri="{FF2B5EF4-FFF2-40B4-BE49-F238E27FC236}">
-                <a16:creationId xmlns:a16="http://schemas.microsoft.com/office/drawing/2014/main" id="{3A9920CD-DFA8-90F9-FE00-CE8F26A22A34}"/>
-              </a:ext>
-            </a:extLst>
-          </p:cNvPr>
-          <p:cNvSpPr/>
-          <p:nvPr/>
-        </p:nvSpPr>
-        <p:spPr>
-          <a:xfrm>
-            <a:off x="10207487" y="4124738"/>
-            <a:ext cx="1868557" cy="964095"/>
-          </a:xfrm>
-          <a:prstGeom prst="snip2SameRect">
-            <a:avLst/>
-          </a:prstGeom>
-          <a:noFill/>
-          <a:ln w="28575">
-            <a:solidFill>
-              <a:srgbClr val="FA542E"/>
-            </a:solidFill>
-          </a:ln>
-        </p:spPr>
-        <p:style>
-          <a:lnRef idx="2">
-            <a:schemeClr val="accent1">
-              <a:shade val="15000"/>
-            </a:schemeClr>
-          </a:lnRef>
-          <a:fillRef idx="1">
-            <a:schemeClr val="accent1"/>
-          </a:fillRef>
-          <a:effectRef idx="0">
-            <a:schemeClr val="accent1"/>
-          </a:effectRef>
-          <a:fontRef idx="minor">
-            <a:schemeClr val="lt1"/>
-          </a:fontRef>
-        </p:style>
-        <p:txBody>
-          <a:bodyPr rtlCol="0" anchor="ctr"/>
-          <a:lstStyle/>
-          <a:p>
-            <a:pPr algn="ctr"/>
-            <a:r>
-              <a:rPr lang="en-US" b="1" dirty="0">
-                <a:solidFill>
-                  <a:schemeClr val="accent2">
-                    <a:lumMod val="75000"/>
-                  </a:schemeClr>
-                </a:solidFill>
-              </a:rPr>
-              <a:t>Convolution Neural Network</a:t>
-            </a:r>
-          </a:p>
-        </p:txBody>
-      </p:sp>
-      <p:sp>
-        <p:nvSpPr>
-          <p:cNvPr id="9" name="Rectangle: Top Corners Snipped 8">
-            <a:extLst>
-              <a:ext uri="{FF2B5EF4-FFF2-40B4-BE49-F238E27FC236}">
-                <a16:creationId xmlns:a16="http://schemas.microsoft.com/office/drawing/2014/main" id="{BBC90F07-B2DF-AF50-43FB-E372F1A0A1A0}"/>
-              </a:ext>
-            </a:extLst>
-          </p:cNvPr>
-          <p:cNvSpPr/>
-          <p:nvPr/>
-        </p:nvSpPr>
-        <p:spPr>
-          <a:xfrm>
-            <a:off x="7782339" y="4119767"/>
-            <a:ext cx="1868557" cy="964095"/>
-          </a:xfrm>
-          <a:prstGeom prst="snip2SameRect">
-            <a:avLst/>
-          </a:prstGeom>
-          <a:noFill/>
-          <a:ln w="28575">
-            <a:solidFill>
-              <a:srgbClr val="FA542E"/>
-            </a:solidFill>
-          </a:ln>
-        </p:spPr>
-        <p:style>
-          <a:lnRef idx="2">
-            <a:schemeClr val="accent1">
-              <a:shade val="15000"/>
-            </a:schemeClr>
-          </a:lnRef>
-          <a:fillRef idx="1">
-            <a:schemeClr val="accent1"/>
-          </a:fillRef>
-          <a:effectRef idx="0">
-            <a:schemeClr val="accent1"/>
-          </a:effectRef>
-          <a:fontRef idx="minor">
-            <a:schemeClr val="lt1"/>
-          </a:fontRef>
-        </p:style>
-        <p:txBody>
-          <a:bodyPr rtlCol="0" anchor="ctr"/>
-          <a:lstStyle/>
-          <a:p>
-            <a:pPr algn="ctr"/>
-            <a:r>
-              <a:rPr lang="en-US" b="1" dirty="0" err="1">
-                <a:solidFill>
-                  <a:schemeClr val="accent2">
-                    <a:lumMod val="75000"/>
-                  </a:schemeClr>
-                </a:solidFill>
-              </a:rPr>
+        </p:spPr>
+        <p:txBody>
+          <a:bodyPr wrap="square" rtlCol="0">
+            <a:spAutoFit/>
+          </a:bodyPr>
+          <a:lstStyle/>
+          <a:p>
+            <a:r>
+              <a:rPr lang="en-US" dirty="0"/>
+              <a:t>Facial expression recognition is a crucial aspect of computer vision and artificial intelligence, with applications ranging from human-computer interaction to psychological analysis. This project focuses on developing a deep learning model to classify facial expressions into seven categories: anger, sad, disgust, neutral, fear, happy, and surprise. By leveraging a deep neural network architecture and employing </a:t>
+            </a:r>
+            <a:r>
+              <a:rPr lang="en-US" dirty="0" err="1"/>
               <a:t>Haar</a:t>
             </a:r>
             <a:r>
-              <a:rPr lang="en-US" b="1" dirty="0">
-                <a:solidFill>
-                  <a:schemeClr val="accent2">
-                    <a:lumMod val="75000"/>
-                  </a:schemeClr>
-                </a:solidFill>
-              </a:rPr>
-              <a:t> Cascading</a:t>
-            </a:r>
-          </a:p>
-        </p:txBody>
-      </p:sp>
-      <p:sp>
-        <p:nvSpPr>
-          <p:cNvPr id="10" name="Rectangle: Top Corners Snipped 9">
-            <a:extLst>
-              <a:ext uri="{FF2B5EF4-FFF2-40B4-BE49-F238E27FC236}">
-                <a16:creationId xmlns:a16="http://schemas.microsoft.com/office/drawing/2014/main" id="{D832F267-1224-2898-770E-D78AB8058B34}"/>
-              </a:ext>
-            </a:extLst>
-          </p:cNvPr>
-          <p:cNvSpPr/>
-          <p:nvPr/>
-        </p:nvSpPr>
-        <p:spPr>
-          <a:xfrm>
-            <a:off x="5357191" y="4149586"/>
-            <a:ext cx="1868557" cy="964095"/>
-          </a:xfrm>
-          <a:prstGeom prst="snip2SameRect">
-            <a:avLst/>
-          </a:prstGeom>
-          <a:noFill/>
-          <a:ln w="28575">
-            <a:solidFill>
-              <a:srgbClr val="FA542E"/>
-            </a:solidFill>
-          </a:ln>
-        </p:spPr>
-        <p:style>
-          <a:lnRef idx="2">
-            <a:schemeClr val="accent1">
-              <a:shade val="15000"/>
-            </a:schemeClr>
-          </a:lnRef>
-          <a:fillRef idx="1">
-            <a:schemeClr val="accent1"/>
-          </a:fillRef>
-          <a:effectRef idx="0">
-            <a:schemeClr val="accent1"/>
-          </a:effectRef>
-          <a:fontRef idx="minor">
-            <a:schemeClr val="lt1"/>
-          </a:fontRef>
-        </p:style>
-        <p:txBody>
-          <a:bodyPr rtlCol="0" anchor="ctr"/>
-          <a:lstStyle/>
-          <a:p>
-            <a:pPr algn="ctr"/>
-            <a:r>
-              <a:rPr lang="en-US" b="1" dirty="0">
-                <a:solidFill>
-                  <a:schemeClr val="accent2">
-                    <a:lumMod val="75000"/>
-                  </a:schemeClr>
-                </a:solidFill>
-              </a:rPr>
-              <a:t>Optimizers</a:t>
-            </a:r>
-          </a:p>
-        </p:txBody>
-      </p:sp>
-      <p:sp>
-        <p:nvSpPr>
-          <p:cNvPr id="11" name="Rectangle: Top Corners Snipped 10">
-            <a:extLst>
-              <a:ext uri="{FF2B5EF4-FFF2-40B4-BE49-F238E27FC236}">
-                <a16:creationId xmlns:a16="http://schemas.microsoft.com/office/drawing/2014/main" id="{380E890C-F09B-09F1-0B92-D65ACC360F5B}"/>
-              </a:ext>
-            </a:extLst>
-          </p:cNvPr>
-          <p:cNvSpPr/>
-          <p:nvPr/>
-        </p:nvSpPr>
-        <p:spPr>
-          <a:xfrm>
-            <a:off x="2731606" y="4149586"/>
-            <a:ext cx="1868557" cy="964095"/>
-          </a:xfrm>
-          <a:prstGeom prst="snip2SameRect">
-            <a:avLst/>
-          </a:prstGeom>
-          <a:noFill/>
-          <a:ln w="28575">
-            <a:solidFill>
-              <a:srgbClr val="FA542E"/>
-            </a:solidFill>
-          </a:ln>
-        </p:spPr>
-        <p:style>
-          <a:lnRef idx="2">
-            <a:schemeClr val="accent1">
-              <a:shade val="15000"/>
-            </a:schemeClr>
-          </a:lnRef>
-          <a:fillRef idx="1">
-            <a:schemeClr val="accent1"/>
-          </a:fillRef>
-          <a:effectRef idx="0">
-            <a:schemeClr val="accent1"/>
-          </a:effectRef>
-          <a:fontRef idx="minor">
-            <a:schemeClr val="lt1"/>
-          </a:fontRef>
-        </p:style>
-        <p:txBody>
-          <a:bodyPr rtlCol="0" anchor="ctr"/>
-          <a:lstStyle/>
-          <a:p>
-            <a:pPr algn="ctr"/>
-            <a:r>
-              <a:rPr lang="en-US" b="1" dirty="0">
-                <a:solidFill>
-                  <a:schemeClr val="accent2">
-                    <a:lumMod val="75000"/>
-                  </a:schemeClr>
-                </a:solidFill>
-              </a:rPr>
-              <a:t>Activation Function</a:t>
+              <a:rPr lang="en-US" dirty="0"/>
+              <a:t> Cascade classifiers for face detection, the project aims to create a robust system capable of accurately identifying facial expressions from images. Additionally, the model will be deployed to allow for practical, real-time applications in various domains, enhancing the interaction between humans and technology.</a:t>
             </a:r>
           </a:p>
         </p:txBody>
@@ -7588,7 +8034,7 @@
     </p:spTree>
     <p:extLst>
       <p:ext uri="{BB962C8B-B14F-4D97-AF65-F5344CB8AC3E}">
-        <p14:creationId xmlns:p14="http://schemas.microsoft.com/office/powerpoint/2010/main" val="2636069554"/>
+        <p14:creationId xmlns:p14="http://schemas.microsoft.com/office/powerpoint/2010/main" val="302455687"/>
       </p:ext>
     </p:extLst>
   </p:cSld>
@@ -7634,6 +8080,405 @@
           <p:cNvPr id="2" name="TextBox 1">
             <a:extLst>
               <a:ext uri="{FF2B5EF4-FFF2-40B4-BE49-F238E27FC236}">
+                <a16:creationId xmlns:a16="http://schemas.microsoft.com/office/drawing/2014/main" id="{A26CA3DF-49FF-B6F9-BD3C-261B48B5AAD2}"/>
+              </a:ext>
+            </a:extLst>
+          </p:cNvPr>
+          <p:cNvSpPr txBox="1"/>
+          <p:nvPr/>
+        </p:nvSpPr>
+        <p:spPr>
+          <a:xfrm>
+            <a:off x="248478" y="1113183"/>
+            <a:ext cx="2564296" cy="523220"/>
+          </a:xfrm>
+          <a:prstGeom prst="rect">
+            <a:avLst/>
+          </a:prstGeom>
+          <a:noFill/>
+        </p:spPr>
+        <p:txBody>
+          <a:bodyPr wrap="square" rtlCol="0">
+            <a:spAutoFit/>
+          </a:bodyPr>
+          <a:lstStyle/>
+          <a:p>
+            <a:r>
+              <a:rPr lang="en-US" sz="2800" b="1" dirty="0">
+                <a:solidFill>
+                  <a:srgbClr val="02B675"/>
+                </a:solidFill>
+                <a:latin typeface="Arial Rounded MT Bold" panose="020F0704030504030204" pitchFamily="34" charset="0"/>
+              </a:rPr>
+              <a:t>Background</a:t>
+            </a:r>
+          </a:p>
+        </p:txBody>
+      </p:sp>
+      <p:sp>
+        <p:nvSpPr>
+          <p:cNvPr id="7" name="Rectangle: Top Corners Snipped 6">
+            <a:extLst>
+              <a:ext uri="{FF2B5EF4-FFF2-40B4-BE49-F238E27FC236}">
+                <a16:creationId xmlns:a16="http://schemas.microsoft.com/office/drawing/2014/main" id="{53C3DA3A-885D-30B2-4C40-6448002D3F87}"/>
+              </a:ext>
+            </a:extLst>
+          </p:cNvPr>
+          <p:cNvSpPr/>
+          <p:nvPr/>
+        </p:nvSpPr>
+        <p:spPr>
+          <a:xfrm>
+            <a:off x="248478" y="4149587"/>
+            <a:ext cx="1868557" cy="964095"/>
+          </a:xfrm>
+          <a:prstGeom prst="snip2SameRect">
+            <a:avLst/>
+          </a:prstGeom>
+          <a:noFill/>
+          <a:ln w="28575">
+            <a:solidFill>
+              <a:srgbClr val="FA542E"/>
+            </a:solidFill>
+          </a:ln>
+        </p:spPr>
+        <p:style>
+          <a:lnRef idx="2">
+            <a:schemeClr val="accent1">
+              <a:shade val="15000"/>
+            </a:schemeClr>
+          </a:lnRef>
+          <a:fillRef idx="1">
+            <a:schemeClr val="accent1"/>
+          </a:fillRef>
+          <a:effectRef idx="0">
+            <a:schemeClr val="accent1"/>
+          </a:effectRef>
+          <a:fontRef idx="minor">
+            <a:schemeClr val="lt1"/>
+          </a:fontRef>
+        </p:style>
+        <p:txBody>
+          <a:bodyPr rtlCol="0" anchor="ctr"/>
+          <a:lstStyle/>
+          <a:p>
+            <a:pPr algn="ctr"/>
+            <a:r>
+              <a:rPr lang="en-US" b="1" dirty="0">
+                <a:solidFill>
+                  <a:schemeClr val="accent2">
+                    <a:lumMod val="75000"/>
+                  </a:schemeClr>
+                </a:solidFill>
+              </a:rPr>
+              <a:t>Deep Learning</a:t>
+            </a:r>
+          </a:p>
+        </p:txBody>
+      </p:sp>
+      <p:sp>
+        <p:nvSpPr>
+          <p:cNvPr id="8" name="Rectangle: Top Corners Snipped 7">
+            <a:extLst>
+              <a:ext uri="{FF2B5EF4-FFF2-40B4-BE49-F238E27FC236}">
+                <a16:creationId xmlns:a16="http://schemas.microsoft.com/office/drawing/2014/main" id="{3A9920CD-DFA8-90F9-FE00-CE8F26A22A34}"/>
+              </a:ext>
+            </a:extLst>
+          </p:cNvPr>
+          <p:cNvSpPr/>
+          <p:nvPr/>
+        </p:nvSpPr>
+        <p:spPr>
+          <a:xfrm>
+            <a:off x="10207487" y="4124738"/>
+            <a:ext cx="1868557" cy="964095"/>
+          </a:xfrm>
+          <a:prstGeom prst="snip2SameRect">
+            <a:avLst/>
+          </a:prstGeom>
+          <a:noFill/>
+          <a:ln w="28575">
+            <a:solidFill>
+              <a:srgbClr val="FA542E"/>
+            </a:solidFill>
+          </a:ln>
+        </p:spPr>
+        <p:style>
+          <a:lnRef idx="2">
+            <a:schemeClr val="accent1">
+              <a:shade val="15000"/>
+            </a:schemeClr>
+          </a:lnRef>
+          <a:fillRef idx="1">
+            <a:schemeClr val="accent1"/>
+          </a:fillRef>
+          <a:effectRef idx="0">
+            <a:schemeClr val="accent1"/>
+          </a:effectRef>
+          <a:fontRef idx="minor">
+            <a:schemeClr val="lt1"/>
+          </a:fontRef>
+        </p:style>
+        <p:txBody>
+          <a:bodyPr rtlCol="0" anchor="ctr"/>
+          <a:lstStyle/>
+          <a:p>
+            <a:pPr algn="ctr"/>
+            <a:r>
+              <a:rPr lang="en-US" b="1" dirty="0">
+                <a:solidFill>
+                  <a:schemeClr val="accent2">
+                    <a:lumMod val="75000"/>
+                  </a:schemeClr>
+                </a:solidFill>
+              </a:rPr>
+              <a:t>Convolution Neural Network</a:t>
+            </a:r>
+          </a:p>
+        </p:txBody>
+      </p:sp>
+      <p:sp>
+        <p:nvSpPr>
+          <p:cNvPr id="9" name="Rectangle: Top Corners Snipped 8">
+            <a:extLst>
+              <a:ext uri="{FF2B5EF4-FFF2-40B4-BE49-F238E27FC236}">
+                <a16:creationId xmlns:a16="http://schemas.microsoft.com/office/drawing/2014/main" id="{BBC90F07-B2DF-AF50-43FB-E372F1A0A1A0}"/>
+              </a:ext>
+            </a:extLst>
+          </p:cNvPr>
+          <p:cNvSpPr/>
+          <p:nvPr/>
+        </p:nvSpPr>
+        <p:spPr>
+          <a:xfrm>
+            <a:off x="7782339" y="4119767"/>
+            <a:ext cx="1868557" cy="964095"/>
+          </a:xfrm>
+          <a:prstGeom prst="snip2SameRect">
+            <a:avLst/>
+          </a:prstGeom>
+          <a:noFill/>
+          <a:ln w="28575">
+            <a:solidFill>
+              <a:srgbClr val="FA542E"/>
+            </a:solidFill>
+          </a:ln>
+        </p:spPr>
+        <p:style>
+          <a:lnRef idx="2">
+            <a:schemeClr val="accent1">
+              <a:shade val="15000"/>
+            </a:schemeClr>
+          </a:lnRef>
+          <a:fillRef idx="1">
+            <a:schemeClr val="accent1"/>
+          </a:fillRef>
+          <a:effectRef idx="0">
+            <a:schemeClr val="accent1"/>
+          </a:effectRef>
+          <a:fontRef idx="minor">
+            <a:schemeClr val="lt1"/>
+          </a:fontRef>
+        </p:style>
+        <p:txBody>
+          <a:bodyPr rtlCol="0" anchor="ctr"/>
+          <a:lstStyle/>
+          <a:p>
+            <a:pPr algn="ctr"/>
+            <a:r>
+              <a:rPr lang="en-US" b="1" dirty="0" err="1">
+                <a:solidFill>
+                  <a:schemeClr val="accent2">
+                    <a:lumMod val="75000"/>
+                  </a:schemeClr>
+                </a:solidFill>
+              </a:rPr>
+              <a:t>Haar</a:t>
+            </a:r>
+            <a:r>
+              <a:rPr lang="en-US" b="1" dirty="0">
+                <a:solidFill>
+                  <a:schemeClr val="accent2">
+                    <a:lumMod val="75000"/>
+                  </a:schemeClr>
+                </a:solidFill>
+              </a:rPr>
+              <a:t> Cascading</a:t>
+            </a:r>
+          </a:p>
+        </p:txBody>
+      </p:sp>
+      <p:sp>
+        <p:nvSpPr>
+          <p:cNvPr id="10" name="Rectangle: Top Corners Snipped 9">
+            <a:extLst>
+              <a:ext uri="{FF2B5EF4-FFF2-40B4-BE49-F238E27FC236}">
+                <a16:creationId xmlns:a16="http://schemas.microsoft.com/office/drawing/2014/main" id="{D832F267-1224-2898-770E-D78AB8058B34}"/>
+              </a:ext>
+            </a:extLst>
+          </p:cNvPr>
+          <p:cNvSpPr/>
+          <p:nvPr/>
+        </p:nvSpPr>
+        <p:spPr>
+          <a:xfrm>
+            <a:off x="5357191" y="4149586"/>
+            <a:ext cx="1868557" cy="964095"/>
+          </a:xfrm>
+          <a:prstGeom prst="snip2SameRect">
+            <a:avLst/>
+          </a:prstGeom>
+          <a:noFill/>
+          <a:ln w="28575">
+            <a:solidFill>
+              <a:srgbClr val="FA542E"/>
+            </a:solidFill>
+          </a:ln>
+        </p:spPr>
+        <p:style>
+          <a:lnRef idx="2">
+            <a:schemeClr val="accent1">
+              <a:shade val="15000"/>
+            </a:schemeClr>
+          </a:lnRef>
+          <a:fillRef idx="1">
+            <a:schemeClr val="accent1"/>
+          </a:fillRef>
+          <a:effectRef idx="0">
+            <a:schemeClr val="accent1"/>
+          </a:effectRef>
+          <a:fontRef idx="minor">
+            <a:schemeClr val="lt1"/>
+          </a:fontRef>
+        </p:style>
+        <p:txBody>
+          <a:bodyPr rtlCol="0" anchor="ctr"/>
+          <a:lstStyle/>
+          <a:p>
+            <a:pPr algn="ctr"/>
+            <a:r>
+              <a:rPr lang="en-US" b="1" dirty="0">
+                <a:solidFill>
+                  <a:schemeClr val="accent2">
+                    <a:lumMod val="75000"/>
+                  </a:schemeClr>
+                </a:solidFill>
+              </a:rPr>
+              <a:t>Optimizers</a:t>
+            </a:r>
+          </a:p>
+        </p:txBody>
+      </p:sp>
+      <p:sp>
+        <p:nvSpPr>
+          <p:cNvPr id="11" name="Rectangle: Top Corners Snipped 10">
+            <a:extLst>
+              <a:ext uri="{FF2B5EF4-FFF2-40B4-BE49-F238E27FC236}">
+                <a16:creationId xmlns:a16="http://schemas.microsoft.com/office/drawing/2014/main" id="{380E890C-F09B-09F1-0B92-D65ACC360F5B}"/>
+              </a:ext>
+            </a:extLst>
+          </p:cNvPr>
+          <p:cNvSpPr/>
+          <p:nvPr/>
+        </p:nvSpPr>
+        <p:spPr>
+          <a:xfrm>
+            <a:off x="2731606" y="4149586"/>
+            <a:ext cx="1868557" cy="964095"/>
+          </a:xfrm>
+          <a:prstGeom prst="snip2SameRect">
+            <a:avLst/>
+          </a:prstGeom>
+          <a:noFill/>
+          <a:ln w="28575">
+            <a:solidFill>
+              <a:srgbClr val="FA542E"/>
+            </a:solidFill>
+          </a:ln>
+        </p:spPr>
+        <p:style>
+          <a:lnRef idx="2">
+            <a:schemeClr val="accent1">
+              <a:shade val="15000"/>
+            </a:schemeClr>
+          </a:lnRef>
+          <a:fillRef idx="1">
+            <a:schemeClr val="accent1"/>
+          </a:fillRef>
+          <a:effectRef idx="0">
+            <a:schemeClr val="accent1"/>
+          </a:effectRef>
+          <a:fontRef idx="minor">
+            <a:schemeClr val="lt1"/>
+          </a:fontRef>
+        </p:style>
+        <p:txBody>
+          <a:bodyPr rtlCol="0" anchor="ctr"/>
+          <a:lstStyle/>
+          <a:p>
+            <a:pPr algn="ctr"/>
+            <a:r>
+              <a:rPr lang="en-US" b="1" dirty="0">
+                <a:solidFill>
+                  <a:schemeClr val="accent2">
+                    <a:lumMod val="75000"/>
+                  </a:schemeClr>
+                </a:solidFill>
+              </a:rPr>
+              <a:t>Activation Function</a:t>
+            </a:r>
+          </a:p>
+        </p:txBody>
+      </p:sp>
+    </p:spTree>
+    <p:extLst>
+      <p:ext uri="{BB962C8B-B14F-4D97-AF65-F5344CB8AC3E}">
+        <p14:creationId xmlns:p14="http://schemas.microsoft.com/office/powerpoint/2010/main" val="2636069554"/>
+      </p:ext>
+    </p:extLst>
+  </p:cSld>
+  <p:clrMapOvr>
+    <a:masterClrMapping/>
+  </p:clrMapOvr>
+</p:sld>
+</file>
+
+<file path=ppt/slides/slide5.xml><?xml version="1.0" encoding="utf-8"?>
+<p:sld xmlns:a="http://schemas.openxmlformats.org/drawingml/2006/main" xmlns:r="http://schemas.openxmlformats.org/officeDocument/2006/relationships" xmlns:p="http://schemas.openxmlformats.org/presentationml/2006/main">
+  <p:cSld>
+    <p:bg>
+      <p:bgPr>
+        <a:blipFill dpi="0" rotWithShape="1">
+          <a:blip r:embed="rId2">
+            <a:lum/>
+          </a:blip>
+          <a:srcRect/>
+          <a:stretch>
+            <a:fillRect/>
+          </a:stretch>
+        </a:blipFill>
+        <a:effectLst/>
+      </p:bgPr>
+    </p:bg>
+    <p:spTree>
+      <p:nvGrpSpPr>
+        <p:cNvPr id="1" name=""/>
+        <p:cNvGrpSpPr/>
+        <p:nvPr/>
+      </p:nvGrpSpPr>
+      <p:grpSpPr>
+        <a:xfrm>
+          <a:off x="0" y="0"/>
+          <a:ext cx="0" cy="0"/>
+          <a:chOff x="0" y="0"/>
+          <a:chExt cx="0" cy="0"/>
+        </a:xfrm>
+      </p:grpSpPr>
+      <p:sp>
+        <p:nvSpPr>
+          <p:cNvPr id="2" name="TextBox 1">
+            <a:extLst>
+              <a:ext uri="{FF2B5EF4-FFF2-40B4-BE49-F238E27FC236}">
                 <a16:creationId xmlns:a16="http://schemas.microsoft.com/office/drawing/2014/main" id="{D0F4382D-368E-A132-FBC4-7438506D7C13}"/>
               </a:ext>
             </a:extLst>
@@ -7799,7 +8644,7 @@
 </p:sld>
 </file>
 
-<file path=ppt/slides/slide5.xml><?xml version="1.0" encoding="utf-8"?>
+<file path=ppt/slides/slide6.xml><?xml version="1.0" encoding="utf-8"?>
 <p:sld xmlns:a="http://schemas.openxmlformats.org/drawingml/2006/main" xmlns:r="http://schemas.openxmlformats.org/officeDocument/2006/relationships" xmlns:p="http://schemas.openxmlformats.org/presentationml/2006/main">
   <p:cSld>
     <p:bg>
@@ -8315,7 +9160,7 @@
 </p:sld>
 </file>
 
-<file path=ppt/slides/slide6.xml><?xml version="1.0" encoding="utf-8"?>
+<file path=ppt/slides/slide7.xml><?xml version="1.0" encoding="utf-8"?>
 <p:sld xmlns:a="http://schemas.openxmlformats.org/drawingml/2006/main" xmlns:r="http://schemas.openxmlformats.org/officeDocument/2006/relationships" xmlns:p="http://schemas.openxmlformats.org/presentationml/2006/main">
   <p:cSld>
     <p:bg>
@@ -9990,290 +10835,6 @@
 </p:sld>
 </file>
 
-<file path=ppt/slides/slide7.xml><?xml version="1.0" encoding="utf-8"?>
-<p:sld xmlns:a="http://schemas.openxmlformats.org/drawingml/2006/main" xmlns:r="http://schemas.openxmlformats.org/officeDocument/2006/relationships" xmlns:p="http://schemas.openxmlformats.org/presentationml/2006/main">
-  <p:cSld>
-    <p:bg>
-      <p:bgPr>
-        <a:blipFill dpi="0" rotWithShape="1">
-          <a:blip r:embed="rId2">
-            <a:lum/>
-          </a:blip>
-          <a:srcRect/>
-          <a:stretch>
-            <a:fillRect/>
-          </a:stretch>
-        </a:blipFill>
-        <a:effectLst/>
-      </p:bgPr>
-    </p:bg>
-    <p:spTree>
-      <p:nvGrpSpPr>
-        <p:cNvPr id="1" name=""/>
-        <p:cNvGrpSpPr/>
-        <p:nvPr/>
-      </p:nvGrpSpPr>
-      <p:grpSpPr>
-        <a:xfrm>
-          <a:off x="0" y="0"/>
-          <a:ext cx="0" cy="0"/>
-          <a:chOff x="0" y="0"/>
-          <a:chExt cx="0" cy="0"/>
-        </a:xfrm>
-      </p:grpSpPr>
-      <p:sp>
-        <p:nvSpPr>
-          <p:cNvPr id="2" name="TextBox 1">
-            <a:extLst>
-              <a:ext uri="{FF2B5EF4-FFF2-40B4-BE49-F238E27FC236}">
-                <a16:creationId xmlns:a16="http://schemas.microsoft.com/office/drawing/2014/main" id="{FC43F2B5-E5C5-D3D3-E930-6763C8CAB1DA}"/>
-              </a:ext>
-            </a:extLst>
-          </p:cNvPr>
-          <p:cNvSpPr txBox="1"/>
-          <p:nvPr/>
-        </p:nvSpPr>
-        <p:spPr>
-          <a:xfrm>
-            <a:off x="228600" y="447261"/>
-            <a:ext cx="4094922" cy="461665"/>
-          </a:xfrm>
-          <a:prstGeom prst="rect">
-            <a:avLst/>
-          </a:prstGeom>
-          <a:noFill/>
-        </p:spPr>
-        <p:txBody>
-          <a:bodyPr wrap="square" rtlCol="0">
-            <a:spAutoFit/>
-          </a:bodyPr>
-          <a:lstStyle/>
-          <a:p>
-            <a:r>
-              <a:rPr lang="en-US" sz="2400" b="1" dirty="0" err="1">
-                <a:solidFill>
-                  <a:srgbClr val="02B675"/>
-                </a:solidFill>
-              </a:rPr>
-              <a:t>Haar</a:t>
-            </a:r>
-            <a:r>
-              <a:rPr lang="en-US" sz="2400" b="1" dirty="0">
-                <a:solidFill>
-                  <a:srgbClr val="02B675"/>
-                </a:solidFill>
-              </a:rPr>
-              <a:t> Cascading</a:t>
-            </a:r>
-          </a:p>
-        </p:txBody>
-      </p:sp>
-      <p:sp>
-        <p:nvSpPr>
-          <p:cNvPr id="3" name="TextBox 2">
-            <a:extLst>
-              <a:ext uri="{FF2B5EF4-FFF2-40B4-BE49-F238E27FC236}">
-                <a16:creationId xmlns:a16="http://schemas.microsoft.com/office/drawing/2014/main" id="{89415049-3B92-C29F-5255-E5D9E58D521F}"/>
-              </a:ext>
-            </a:extLst>
-          </p:cNvPr>
-          <p:cNvSpPr txBox="1"/>
-          <p:nvPr/>
-        </p:nvSpPr>
-        <p:spPr>
-          <a:xfrm>
-            <a:off x="228600" y="1560444"/>
-            <a:ext cx="6082748" cy="2031325"/>
-          </a:xfrm>
-          <a:prstGeom prst="rect">
-            <a:avLst/>
-          </a:prstGeom>
-          <a:noFill/>
-        </p:spPr>
-        <p:txBody>
-          <a:bodyPr wrap="square" rtlCol="0">
-            <a:spAutoFit/>
-          </a:bodyPr>
-          <a:lstStyle/>
-          <a:p>
-            <a:r>
-              <a:rPr lang="en-US" dirty="0" err="1"/>
-              <a:t>Haar</a:t>
-            </a:r>
-            <a:r>
-              <a:rPr lang="en-US" dirty="0"/>
-              <a:t> cascade is an object detection algorithm that uses a series of increasingly complex classifiers (stages) applied sequentially to detect objects, such as faces, in images. It is based on </a:t>
-            </a:r>
-            <a:r>
-              <a:rPr lang="en-US" dirty="0" err="1"/>
-              <a:t>Haar</a:t>
-            </a:r>
-            <a:r>
-              <a:rPr lang="en-US" dirty="0"/>
-              <a:t>-like features, which are simple rectangular features used to encode the presence of specific intensity patterns in an image and is trained using AdaBoost to combine multiple weak classifiers into a strong one for robust detection.</a:t>
-            </a:r>
-          </a:p>
-        </p:txBody>
-      </p:sp>
-      <p:pic>
-        <p:nvPicPr>
-          <p:cNvPr id="9" name="Picture 8">
-            <a:extLst>
-              <a:ext uri="{FF2B5EF4-FFF2-40B4-BE49-F238E27FC236}">
-                <a16:creationId xmlns:a16="http://schemas.microsoft.com/office/drawing/2014/main" id="{629AD656-7DA0-F38C-704A-3E8CA1EC5630}"/>
-              </a:ext>
-            </a:extLst>
-          </p:cNvPr>
-          <p:cNvPicPr>
-            <a:picLocks noChangeAspect="1"/>
-          </p:cNvPicPr>
-          <p:nvPr/>
-        </p:nvPicPr>
-        <p:blipFill>
-          <a:blip r:embed="rId3">
-            <a:extLst>
-              <a:ext uri="{28A0092B-C50C-407E-A947-70E740481C1C}">
-                <a14:useLocalDpi xmlns:a14="http://schemas.microsoft.com/office/drawing/2010/main" val="0"/>
-              </a:ext>
-            </a:extLst>
-          </a:blip>
-          <a:stretch>
-            <a:fillRect/>
-          </a:stretch>
-        </p:blipFill>
-        <p:spPr>
-          <a:xfrm>
-            <a:off x="367748" y="4204980"/>
-            <a:ext cx="3048000" cy="2581275"/>
-          </a:xfrm>
-          <a:prstGeom prst="rect">
-            <a:avLst/>
-          </a:prstGeom>
-        </p:spPr>
-      </p:pic>
-      <p:pic>
-        <p:nvPicPr>
-          <p:cNvPr id="11" name="Picture 10">
-            <a:extLst>
-              <a:ext uri="{FF2B5EF4-FFF2-40B4-BE49-F238E27FC236}">
-                <a16:creationId xmlns:a16="http://schemas.microsoft.com/office/drawing/2014/main" id="{5D40627F-E6CB-7FF5-B607-0B75100F0484}"/>
-              </a:ext>
-            </a:extLst>
-          </p:cNvPr>
-          <p:cNvPicPr>
-            <a:picLocks noChangeAspect="1"/>
-          </p:cNvPicPr>
-          <p:nvPr/>
-        </p:nvPicPr>
-        <p:blipFill>
-          <a:blip r:embed="rId4">
-            <a:extLst>
-              <a:ext uri="{28A0092B-C50C-407E-A947-70E740481C1C}">
-                <a14:useLocalDpi xmlns:a14="http://schemas.microsoft.com/office/drawing/2010/main" val="0"/>
-              </a:ext>
-            </a:extLst>
-          </a:blip>
-          <a:stretch>
-            <a:fillRect/>
-          </a:stretch>
-        </p:blipFill>
-        <p:spPr>
-          <a:xfrm>
-            <a:off x="5519116" y="4678638"/>
-            <a:ext cx="3181350" cy="1933575"/>
-          </a:xfrm>
-          <a:prstGeom prst="rect">
-            <a:avLst/>
-          </a:prstGeom>
-        </p:spPr>
-      </p:pic>
-      <p:sp>
-        <p:nvSpPr>
-          <p:cNvPr id="12" name="TextBox 11">
-            <a:extLst>
-              <a:ext uri="{FF2B5EF4-FFF2-40B4-BE49-F238E27FC236}">
-                <a16:creationId xmlns:a16="http://schemas.microsoft.com/office/drawing/2014/main" id="{1357C9A0-3895-2582-6693-8C21094D95D0}"/>
-              </a:ext>
-            </a:extLst>
-          </p:cNvPr>
-          <p:cNvSpPr txBox="1"/>
-          <p:nvPr/>
-        </p:nvSpPr>
-        <p:spPr>
-          <a:xfrm>
-            <a:off x="347869" y="3804870"/>
-            <a:ext cx="2882347" cy="400110"/>
-          </a:xfrm>
-          <a:prstGeom prst="rect">
-            <a:avLst/>
-          </a:prstGeom>
-          <a:noFill/>
-        </p:spPr>
-        <p:txBody>
-          <a:bodyPr wrap="square" rtlCol="0">
-            <a:spAutoFit/>
-          </a:bodyPr>
-          <a:lstStyle/>
-          <a:p>
-            <a:r>
-              <a:rPr lang="en-US" sz="2000" b="1" dirty="0" err="1"/>
-              <a:t>Haar</a:t>
-            </a:r>
-            <a:r>
-              <a:rPr lang="en-US" sz="2000" b="1" dirty="0"/>
-              <a:t> Features</a:t>
-            </a:r>
-          </a:p>
-        </p:txBody>
-      </p:sp>
-      <p:sp>
-        <p:nvSpPr>
-          <p:cNvPr id="13" name="TextBox 12">
-            <a:extLst>
-              <a:ext uri="{FF2B5EF4-FFF2-40B4-BE49-F238E27FC236}">
-                <a16:creationId xmlns:a16="http://schemas.microsoft.com/office/drawing/2014/main" id="{077A555A-65A3-E2ED-A04D-5B6F3D334DAD}"/>
-              </a:ext>
-            </a:extLst>
-          </p:cNvPr>
-          <p:cNvSpPr txBox="1"/>
-          <p:nvPr/>
-        </p:nvSpPr>
-        <p:spPr>
-          <a:xfrm>
-            <a:off x="5519116" y="4273104"/>
-            <a:ext cx="3048000" cy="400110"/>
-          </a:xfrm>
-          <a:prstGeom prst="rect">
-            <a:avLst/>
-          </a:prstGeom>
-          <a:noFill/>
-        </p:spPr>
-        <p:txBody>
-          <a:bodyPr wrap="square" rtlCol="0">
-            <a:spAutoFit/>
-          </a:bodyPr>
-          <a:lstStyle/>
-          <a:p>
-            <a:r>
-              <a:rPr lang="en-US" sz="2000" b="1" dirty="0"/>
-              <a:t>Detection Using Features</a:t>
-            </a:r>
-          </a:p>
-        </p:txBody>
-      </p:sp>
-    </p:spTree>
-    <p:extLst>
-      <p:ext uri="{BB962C8B-B14F-4D97-AF65-F5344CB8AC3E}">
-        <p14:creationId xmlns:p14="http://schemas.microsoft.com/office/powerpoint/2010/main" val="1025229983"/>
-      </p:ext>
-    </p:extLst>
-  </p:cSld>
-  <p:clrMapOvr>
-    <a:masterClrMapping/>
-  </p:clrMapOvr>
-</p:sld>
-</file>
-
 <file path=ppt/slides/slide8.xml><?xml version="1.0" encoding="utf-8"?>
 <p:sld xmlns:a="http://schemas.openxmlformats.org/drawingml/2006/main" xmlns:r="http://schemas.openxmlformats.org/officeDocument/2006/relationships" xmlns:p="http://schemas.openxmlformats.org/presentationml/2006/main">
   <p:cSld>
@@ -10310,7 +10871,7 @@
           <p:cNvPr id="2" name="TextBox 1">
             <a:extLst>
               <a:ext uri="{FF2B5EF4-FFF2-40B4-BE49-F238E27FC236}">
-                <a16:creationId xmlns:a16="http://schemas.microsoft.com/office/drawing/2014/main" id="{0998AB7E-0058-172C-DB16-D199D08AD329}"/>
+                <a16:creationId xmlns:a16="http://schemas.microsoft.com/office/drawing/2014/main" id="{FC43F2B5-E5C5-D3D3-E930-6763C8CAB1DA}"/>
               </a:ext>
             </a:extLst>
           </p:cNvPr>
@@ -10319,8 +10880,8 @@
         </p:nvSpPr>
         <p:spPr>
           <a:xfrm>
-            <a:off x="5396948" y="258417"/>
-            <a:ext cx="4532243" cy="461665"/>
+            <a:off x="228600" y="447261"/>
+            <a:ext cx="4094922" cy="461665"/>
           </a:xfrm>
           <a:prstGeom prst="rect">
             <a:avLst/>
@@ -10333,13 +10894,21 @@
           </a:bodyPr>
           <a:lstStyle/>
           <a:p>
+            <a:r>
+              <a:rPr lang="en-US" sz="2400" b="1" dirty="0" err="1">
+                <a:solidFill>
+                  <a:srgbClr val="02B675"/>
+                </a:solidFill>
+              </a:rPr>
+              <a:t>Haar</a:t>
+            </a:r>
             <a:r>
               <a:rPr lang="en-US" sz="2400" b="1" dirty="0">
                 <a:solidFill>
                   <a:srgbClr val="02B675"/>
                 </a:solidFill>
               </a:rPr>
-              <a:t>Convolution Neural Network</a:t>
+              <a:t> Cascading</a:t>
             </a:r>
           </a:p>
         </p:txBody>
@@ -10349,7 +10918,7 @@
           <p:cNvPr id="3" name="TextBox 2">
             <a:extLst>
               <a:ext uri="{FF2B5EF4-FFF2-40B4-BE49-F238E27FC236}">
-                <a16:creationId xmlns:a16="http://schemas.microsoft.com/office/drawing/2014/main" id="{A1642F24-11D5-A469-4F96-8089FC22F8D3}"/>
+                <a16:creationId xmlns:a16="http://schemas.microsoft.com/office/drawing/2014/main" id="{89415049-3B92-C29F-5255-E5D9E58D521F}"/>
               </a:ext>
             </a:extLst>
           </p:cNvPr>
@@ -10358,8 +10927,8 @@
         </p:nvSpPr>
         <p:spPr>
           <a:xfrm>
-            <a:off x="5396948" y="934279"/>
-            <a:ext cx="6400800" cy="1200329"/>
+            <a:off x="228600" y="1560444"/>
+            <a:ext cx="6082748" cy="2031325"/>
           </a:xfrm>
           <a:prstGeom prst="rect">
             <a:avLst/>
@@ -10373,18 +10942,30 @@
           <a:lstStyle/>
           <a:p>
             <a:r>
+              <a:rPr lang="en-US" dirty="0" err="1"/>
+              <a:t>Haar</a:t>
+            </a:r>
+            <a:r>
               <a:rPr lang="en-US" dirty="0"/>
-              <a:t>A Convolutional Neural Network (CNN) is a type of deep learning model specifically designed for processing structured grid data like images. It uses convolutional layers to automatically and adaptively learn spatial hierarchies of features from input images.</a:t>
+              <a:t> cascade is an object detection algorithm that uses a series of increasingly complex classifiers (stages) applied sequentially to detect objects, such as faces, in images. It is based on </a:t>
+            </a:r>
+            <a:r>
+              <a:rPr lang="en-US" dirty="0" err="1"/>
+              <a:t>Haar</a:t>
+            </a:r>
+            <a:r>
+              <a:rPr lang="en-US" dirty="0"/>
+              <a:t>-like features, which are simple rectangular features used to encode the presence of specific intensity patterns in an image and is trained using AdaBoost to combine multiple weak classifiers into a strong one for robust detection.</a:t>
             </a:r>
           </a:p>
         </p:txBody>
       </p:sp>
       <p:pic>
         <p:nvPicPr>
-          <p:cNvPr id="5" name="Picture 4">
-            <a:extLst>
-              <a:ext uri="{FF2B5EF4-FFF2-40B4-BE49-F238E27FC236}">
-                <a16:creationId xmlns:a16="http://schemas.microsoft.com/office/drawing/2014/main" id="{3846FD40-8341-72AE-8C9E-100414B689C0}"/>
+          <p:cNvPr id="9" name="Picture 8">
+            <a:extLst>
+              <a:ext uri="{FF2B5EF4-FFF2-40B4-BE49-F238E27FC236}">
+                <a16:creationId xmlns:a16="http://schemas.microsoft.com/office/drawing/2014/main" id="{629AD656-7DA0-F38C-704A-3E8CA1EC5630}"/>
               </a:ext>
             </a:extLst>
           </p:cNvPr>
@@ -10407,20 +10988,56 @@
         </p:blipFill>
         <p:spPr>
           <a:xfrm>
-            <a:off x="6679096" y="3685053"/>
-            <a:ext cx="5031850" cy="1715403"/>
+            <a:off x="367748" y="4204980"/>
+            <a:ext cx="3048000" cy="2581275"/>
           </a:xfrm>
           <a:prstGeom prst="rect">
             <a:avLst/>
           </a:prstGeom>
         </p:spPr>
       </p:pic>
-      <p:sp>
-        <p:nvSpPr>
-          <p:cNvPr id="6" name="TextBox 5">
-            <a:extLst>
-              <a:ext uri="{FF2B5EF4-FFF2-40B4-BE49-F238E27FC236}">
-                <a16:creationId xmlns:a16="http://schemas.microsoft.com/office/drawing/2014/main" id="{636B16CE-7CF1-D759-A9D0-C30DA77633E7}"/>
+      <p:pic>
+        <p:nvPicPr>
+          <p:cNvPr id="11" name="Picture 10">
+            <a:extLst>
+              <a:ext uri="{FF2B5EF4-FFF2-40B4-BE49-F238E27FC236}">
+                <a16:creationId xmlns:a16="http://schemas.microsoft.com/office/drawing/2014/main" id="{5D40627F-E6CB-7FF5-B607-0B75100F0484}"/>
+              </a:ext>
+            </a:extLst>
+          </p:cNvPr>
+          <p:cNvPicPr>
+            <a:picLocks noChangeAspect="1"/>
+          </p:cNvPicPr>
+          <p:nvPr/>
+        </p:nvPicPr>
+        <p:blipFill>
+          <a:blip r:embed="rId4">
+            <a:extLst>
+              <a:ext uri="{28A0092B-C50C-407E-A947-70E740481C1C}">
+                <a14:useLocalDpi xmlns:a14="http://schemas.microsoft.com/office/drawing/2010/main" val="0"/>
+              </a:ext>
+            </a:extLst>
+          </a:blip>
+          <a:stretch>
+            <a:fillRect/>
+          </a:stretch>
+        </p:blipFill>
+        <p:spPr>
+          <a:xfrm>
+            <a:off x="5519116" y="4678638"/>
+            <a:ext cx="3181350" cy="1933575"/>
+          </a:xfrm>
+          <a:prstGeom prst="rect">
+            <a:avLst/>
+          </a:prstGeom>
+        </p:spPr>
+      </p:pic>
+      <p:sp>
+        <p:nvSpPr>
+          <p:cNvPr id="12" name="TextBox 11">
+            <a:extLst>
+              <a:ext uri="{FF2B5EF4-FFF2-40B4-BE49-F238E27FC236}">
+                <a16:creationId xmlns:a16="http://schemas.microsoft.com/office/drawing/2014/main" id="{1357C9A0-3895-2582-6693-8C21094D95D0}"/>
               </a:ext>
             </a:extLst>
           </p:cNvPr>
@@ -10429,8 +11046,8 @@
         </p:nvSpPr>
         <p:spPr>
           <a:xfrm>
-            <a:off x="6555187" y="3172947"/>
-            <a:ext cx="1639957" cy="400110"/>
+            <a:off x="347869" y="3804870"/>
+            <a:ext cx="2882347" cy="400110"/>
           </a:xfrm>
           <a:prstGeom prst="rect">
             <a:avLst/>
@@ -10444,8 +11061,47 @@
           <a:lstStyle/>
           <a:p>
             <a:r>
+              <a:rPr lang="en-US" sz="2000" b="1" dirty="0" err="1"/>
+              <a:t>Haar</a:t>
+            </a:r>
+            <a:r>
               <a:rPr lang="en-US" sz="2000" b="1" dirty="0"/>
-              <a:t>Architecture</a:t>
+              <a:t> Features</a:t>
+            </a:r>
+          </a:p>
+        </p:txBody>
+      </p:sp>
+      <p:sp>
+        <p:nvSpPr>
+          <p:cNvPr id="13" name="TextBox 12">
+            <a:extLst>
+              <a:ext uri="{FF2B5EF4-FFF2-40B4-BE49-F238E27FC236}">
+                <a16:creationId xmlns:a16="http://schemas.microsoft.com/office/drawing/2014/main" id="{077A555A-65A3-E2ED-A04D-5B6F3D334DAD}"/>
+              </a:ext>
+            </a:extLst>
+          </p:cNvPr>
+          <p:cNvSpPr txBox="1"/>
+          <p:nvPr/>
+        </p:nvSpPr>
+        <p:spPr>
+          <a:xfrm>
+            <a:off x="5519116" y="4273104"/>
+            <a:ext cx="3048000" cy="400110"/>
+          </a:xfrm>
+          <a:prstGeom prst="rect">
+            <a:avLst/>
+          </a:prstGeom>
+          <a:noFill/>
+        </p:spPr>
+        <p:txBody>
+          <a:bodyPr wrap="square" rtlCol="0">
+            <a:spAutoFit/>
+          </a:bodyPr>
+          <a:lstStyle/>
+          <a:p>
+            <a:r>
+              <a:rPr lang="en-US" sz="2000" b="1" dirty="0"/>
+              <a:t>Detection Using Features</a:t>
             </a:r>
           </a:p>
         </p:txBody>
@@ -10453,7 +11109,7 @@
     </p:spTree>
     <p:extLst>
       <p:ext uri="{BB962C8B-B14F-4D97-AF65-F5344CB8AC3E}">
-        <p14:creationId xmlns:p14="http://schemas.microsoft.com/office/powerpoint/2010/main" val="3844208361"/>
+        <p14:creationId xmlns:p14="http://schemas.microsoft.com/office/powerpoint/2010/main" val="1025229983"/>
       </p:ext>
     </p:extLst>
   </p:cSld>
@@ -10499,7 +11155,7 @@
           <p:cNvPr id="2" name="TextBox 1">
             <a:extLst>
               <a:ext uri="{FF2B5EF4-FFF2-40B4-BE49-F238E27FC236}">
-                <a16:creationId xmlns:a16="http://schemas.microsoft.com/office/drawing/2014/main" id="{0340B7ED-A0DF-2A4A-2D9D-5DE843E86556}"/>
+                <a16:creationId xmlns:a16="http://schemas.microsoft.com/office/drawing/2014/main" id="{0998AB7E-0058-172C-DB16-D199D08AD329}"/>
               </a:ext>
             </a:extLst>
           </p:cNvPr>
@@ -10508,7 +11164,7 @@
         </p:nvSpPr>
         <p:spPr>
           <a:xfrm>
-            <a:off x="54666" y="338796"/>
+            <a:off x="5396948" y="258417"/>
             <a:ext cx="4532243" cy="461665"/>
           </a:xfrm>
           <a:prstGeom prst="rect">
@@ -10535,10 +11191,10 @@
       </p:sp>
       <p:sp>
         <p:nvSpPr>
-          <p:cNvPr id="4" name="TextBox 3">
-            <a:extLst>
-              <a:ext uri="{FF2B5EF4-FFF2-40B4-BE49-F238E27FC236}">
-                <a16:creationId xmlns:a16="http://schemas.microsoft.com/office/drawing/2014/main" id="{86669E31-07FF-EEBB-6055-975B8FD9666C}"/>
+          <p:cNvPr id="3" name="TextBox 2">
+            <a:extLst>
+              <a:ext uri="{FF2B5EF4-FFF2-40B4-BE49-F238E27FC236}">
+                <a16:creationId xmlns:a16="http://schemas.microsoft.com/office/drawing/2014/main" id="{A1642F24-11D5-A469-4F96-8089FC22F8D3}"/>
               </a:ext>
             </a:extLst>
           </p:cNvPr>
@@ -10547,8 +11203,8 @@
         </p:nvSpPr>
         <p:spPr>
           <a:xfrm>
-            <a:off x="5213074" y="603137"/>
-            <a:ext cx="2335696" cy="400110"/>
+            <a:off x="5396948" y="934279"/>
+            <a:ext cx="6400800" cy="1200329"/>
           </a:xfrm>
           <a:prstGeom prst="rect">
             <a:avLst/>
@@ -10562,18 +11218,18 @@
           <a:lstStyle/>
           <a:p>
             <a:r>
-              <a:rPr lang="en-US" sz="2000" b="1" dirty="0"/>
-              <a:t>Key Components:</a:t>
+              <a:rPr lang="en-US" dirty="0"/>
+              <a:t>A Convolutional Neural Network (CNN) is a type of deep learning model specifically designed for processing structured grid data like images. It uses convolutional layers to automatically and adaptively learn spatial hierarchies of features from input images.</a:t>
             </a:r>
           </a:p>
         </p:txBody>
       </p:sp>
       <p:pic>
         <p:nvPicPr>
-          <p:cNvPr id="6" name="Picture 5">
-            <a:extLst>
-              <a:ext uri="{FF2B5EF4-FFF2-40B4-BE49-F238E27FC236}">
-                <a16:creationId xmlns:a16="http://schemas.microsoft.com/office/drawing/2014/main" id="{2610447E-8A0F-7839-FEA1-042EAC3F3007}"/>
+          <p:cNvPr id="5" name="Picture 4">
+            <a:extLst>
+              <a:ext uri="{FF2B5EF4-FFF2-40B4-BE49-F238E27FC236}">
+                <a16:creationId xmlns:a16="http://schemas.microsoft.com/office/drawing/2014/main" id="{3846FD40-8341-72AE-8C9E-100414B689C0}"/>
               </a:ext>
             </a:extLst>
           </p:cNvPr>
@@ -10596,270 +11252,45 @@
         </p:blipFill>
         <p:spPr>
           <a:xfrm>
-            <a:off x="5213074" y="2505503"/>
-            <a:ext cx="3115917" cy="1404597"/>
+            <a:off x="6679096" y="3685053"/>
+            <a:ext cx="5031850" cy="1715403"/>
           </a:xfrm>
           <a:prstGeom prst="rect">
             <a:avLst/>
           </a:prstGeom>
         </p:spPr>
       </p:pic>
-      <p:pic>
-        <p:nvPicPr>
-          <p:cNvPr id="8" name="Picture 7">
-            <a:extLst>
-              <a:ext uri="{FF2B5EF4-FFF2-40B4-BE49-F238E27FC236}">
-                <a16:creationId xmlns:a16="http://schemas.microsoft.com/office/drawing/2014/main" id="{FFA94908-0970-9250-4446-A626A1901666}"/>
-              </a:ext>
-            </a:extLst>
-          </p:cNvPr>
-          <p:cNvPicPr>
-            <a:picLocks noChangeAspect="1"/>
-          </p:cNvPicPr>
+      <p:sp>
+        <p:nvSpPr>
+          <p:cNvPr id="6" name="TextBox 5">
+            <a:extLst>
+              <a:ext uri="{FF2B5EF4-FFF2-40B4-BE49-F238E27FC236}">
+                <a16:creationId xmlns:a16="http://schemas.microsoft.com/office/drawing/2014/main" id="{636B16CE-7CF1-D759-A9D0-C30DA77633E7}"/>
+              </a:ext>
+            </a:extLst>
+          </p:cNvPr>
+          <p:cNvSpPr txBox="1"/>
           <p:nvPr/>
-        </p:nvPicPr>
-        <p:blipFill>
-          <a:blip r:embed="rId4">
-            <a:extLst>
-              <a:ext uri="{28A0092B-C50C-407E-A947-70E740481C1C}">
-                <a14:useLocalDpi xmlns:a14="http://schemas.microsoft.com/office/drawing/2010/main" val="0"/>
-              </a:ext>
-            </a:extLst>
-          </a:blip>
-          <a:stretch>
-            <a:fillRect/>
-          </a:stretch>
-        </p:blipFill>
-        <p:spPr>
-          <a:xfrm>
-            <a:off x="9233453" y="2505503"/>
-            <a:ext cx="2588316" cy="1620965"/>
+        </p:nvSpPr>
+        <p:spPr>
+          <a:xfrm>
+            <a:off x="6555187" y="3172947"/>
+            <a:ext cx="1639957" cy="400110"/>
           </a:xfrm>
           <a:prstGeom prst="rect">
             <a:avLst/>
           </a:prstGeom>
-        </p:spPr>
-      </p:pic>
-      <p:sp>
-        <p:nvSpPr>
-          <p:cNvPr id="9" name="Rectangle: Diagonal Corners Snipped 8">
-            <a:extLst>
-              <a:ext uri="{FF2B5EF4-FFF2-40B4-BE49-F238E27FC236}">
-                <a16:creationId xmlns:a16="http://schemas.microsoft.com/office/drawing/2014/main" id="{5A3D4C8C-6FD9-38CC-94FA-3C5D2D81424B}"/>
-              </a:ext>
-            </a:extLst>
-          </p:cNvPr>
-          <p:cNvSpPr/>
-          <p:nvPr/>
-        </p:nvSpPr>
-        <p:spPr>
-          <a:xfrm>
-            <a:off x="5466522" y="1455729"/>
-            <a:ext cx="1967948" cy="683194"/>
-          </a:xfrm>
-          <a:prstGeom prst="snip2DiagRect">
-            <a:avLst/>
-          </a:prstGeom>
-          <a:solidFill>
-            <a:srgbClr val="01B473"/>
-          </a:solidFill>
-        </p:spPr>
-        <p:style>
-          <a:lnRef idx="2">
-            <a:schemeClr val="accent6">
-              <a:shade val="15000"/>
-            </a:schemeClr>
-          </a:lnRef>
-          <a:fillRef idx="1">
-            <a:schemeClr val="accent6"/>
-          </a:fillRef>
-          <a:effectRef idx="0">
-            <a:schemeClr val="accent6"/>
-          </a:effectRef>
-          <a:fontRef idx="minor">
-            <a:schemeClr val="lt1"/>
-          </a:fontRef>
-        </p:style>
-        <p:txBody>
-          <a:bodyPr rtlCol="0" anchor="ctr"/>
-          <a:lstStyle/>
-          <a:p>
-            <a:pPr algn="ctr"/>
-            <a:r>
-              <a:rPr lang="en-US" dirty="0">
-                <a:solidFill>
-                  <a:schemeClr val="tx1"/>
-                </a:solidFill>
-              </a:rPr>
-              <a:t>Convolutional Layers</a:t>
-            </a:r>
-          </a:p>
-        </p:txBody>
-      </p:sp>
-      <p:sp>
-        <p:nvSpPr>
-          <p:cNvPr id="10" name="Rectangle: Diagonal Corners Snipped 9">
-            <a:extLst>
-              <a:ext uri="{FF2B5EF4-FFF2-40B4-BE49-F238E27FC236}">
-                <a16:creationId xmlns:a16="http://schemas.microsoft.com/office/drawing/2014/main" id="{AAE22856-7B5B-DFCB-3653-EB58DD44D7E2}"/>
-              </a:ext>
-            </a:extLst>
-          </p:cNvPr>
-          <p:cNvSpPr/>
-          <p:nvPr/>
-        </p:nvSpPr>
-        <p:spPr>
-          <a:xfrm>
-            <a:off x="9233453" y="1450876"/>
-            <a:ext cx="1967948" cy="683194"/>
-          </a:xfrm>
-          <a:prstGeom prst="snip2DiagRect">
-            <a:avLst/>
-          </a:prstGeom>
-          <a:solidFill>
-            <a:srgbClr val="01B473"/>
-          </a:solidFill>
-        </p:spPr>
-        <p:style>
-          <a:lnRef idx="2">
-            <a:schemeClr val="accent6">
-              <a:shade val="15000"/>
-            </a:schemeClr>
-          </a:lnRef>
-          <a:fillRef idx="1">
-            <a:schemeClr val="accent6"/>
-          </a:fillRef>
-          <a:effectRef idx="0">
-            <a:schemeClr val="accent6"/>
-          </a:effectRef>
-          <a:fontRef idx="minor">
-            <a:schemeClr val="lt1"/>
-          </a:fontRef>
-        </p:style>
-        <p:txBody>
-          <a:bodyPr rtlCol="0" anchor="ctr"/>
-          <a:lstStyle/>
-          <a:p>
-            <a:pPr algn="ctr"/>
-            <a:r>
-              <a:rPr lang="en-US" dirty="0">
-                <a:solidFill>
-                  <a:schemeClr val="tx1"/>
-                </a:solidFill>
-              </a:rPr>
-              <a:t>Pooling Layers</a:t>
-            </a:r>
-          </a:p>
-        </p:txBody>
-      </p:sp>
-      <p:sp>
-        <p:nvSpPr>
-          <p:cNvPr id="11" name="Rectangle: Diagonal Corners Snipped 10">
-            <a:extLst>
-              <a:ext uri="{FF2B5EF4-FFF2-40B4-BE49-F238E27FC236}">
-                <a16:creationId xmlns:a16="http://schemas.microsoft.com/office/drawing/2014/main" id="{DEEDA21A-65E1-7507-ADAE-00AB823F8E8C}"/>
-              </a:ext>
-            </a:extLst>
-          </p:cNvPr>
-          <p:cNvSpPr/>
-          <p:nvPr/>
-        </p:nvSpPr>
-        <p:spPr>
-          <a:xfrm>
-            <a:off x="5466522" y="4740405"/>
-            <a:ext cx="1967948" cy="683194"/>
-          </a:xfrm>
-          <a:prstGeom prst="snip2DiagRect">
-            <a:avLst/>
-          </a:prstGeom>
-          <a:solidFill>
-            <a:srgbClr val="01B473"/>
-          </a:solidFill>
-        </p:spPr>
-        <p:style>
-          <a:lnRef idx="2">
-            <a:schemeClr val="accent6">
-              <a:shade val="15000"/>
-            </a:schemeClr>
-          </a:lnRef>
-          <a:fillRef idx="1">
-            <a:schemeClr val="accent6"/>
-          </a:fillRef>
-          <a:effectRef idx="0">
-            <a:schemeClr val="accent6"/>
-          </a:effectRef>
-          <a:fontRef idx="minor">
-            <a:schemeClr val="lt1"/>
-          </a:fontRef>
-        </p:style>
-        <p:txBody>
-          <a:bodyPr rtlCol="0" anchor="ctr"/>
-          <a:lstStyle/>
-          <a:p>
-            <a:pPr algn="ctr"/>
-            <a:r>
-              <a:rPr lang="en-US" dirty="0">
-                <a:solidFill>
-                  <a:schemeClr val="tx1"/>
-                </a:solidFill>
-              </a:rPr>
-              <a:t>Activation Functions</a:t>
-            </a:r>
-          </a:p>
-        </p:txBody>
-      </p:sp>
-      <p:sp>
-        <p:nvSpPr>
-          <p:cNvPr id="12" name="Rectangle: Diagonal Corners Snipped 11">
-            <a:extLst>
-              <a:ext uri="{FF2B5EF4-FFF2-40B4-BE49-F238E27FC236}">
-                <a16:creationId xmlns:a16="http://schemas.microsoft.com/office/drawing/2014/main" id="{2A5A019E-926E-AC45-8CD6-B4DDDB1B41BF}"/>
-              </a:ext>
-            </a:extLst>
-          </p:cNvPr>
-          <p:cNvSpPr/>
-          <p:nvPr/>
-        </p:nvSpPr>
-        <p:spPr>
-          <a:xfrm>
-            <a:off x="9233453" y="4740405"/>
-            <a:ext cx="1967948" cy="683194"/>
-          </a:xfrm>
-          <a:prstGeom prst="snip2DiagRect">
-            <a:avLst/>
-          </a:prstGeom>
-          <a:solidFill>
-            <a:srgbClr val="01B473"/>
-          </a:solidFill>
-        </p:spPr>
-        <p:style>
-          <a:lnRef idx="2">
-            <a:schemeClr val="accent6">
-              <a:shade val="15000"/>
-            </a:schemeClr>
-          </a:lnRef>
-          <a:fillRef idx="1">
-            <a:schemeClr val="accent6"/>
-          </a:fillRef>
-          <a:effectRef idx="0">
-            <a:schemeClr val="accent6"/>
-          </a:effectRef>
-          <a:fontRef idx="minor">
-            <a:schemeClr val="lt1"/>
-          </a:fontRef>
-        </p:style>
-        <p:txBody>
-          <a:bodyPr rtlCol="0" anchor="ctr"/>
-          <a:lstStyle/>
-          <a:p>
-            <a:pPr algn="ctr"/>
-            <a:r>
-              <a:rPr lang="en-US" dirty="0">
-                <a:solidFill>
-                  <a:schemeClr val="tx1"/>
-                </a:solidFill>
-              </a:rPr>
-              <a:t>Fully Connected Layers</a:t>
+          <a:noFill/>
+        </p:spPr>
+        <p:txBody>
+          <a:bodyPr wrap="square" rtlCol="0">
+            <a:spAutoFit/>
+          </a:bodyPr>
+          <a:lstStyle/>
+          <a:p>
+            <a:r>
+              <a:rPr lang="en-US" sz="2000" b="1" dirty="0"/>
+              <a:t>Architecture</a:t>
             </a:r>
           </a:p>
         </p:txBody>
@@ -10867,7 +11298,7 @@
     </p:spTree>
     <p:extLst>
       <p:ext uri="{BB962C8B-B14F-4D97-AF65-F5344CB8AC3E}">
-        <p14:creationId xmlns:p14="http://schemas.microsoft.com/office/powerpoint/2010/main" val="2587274014"/>
+        <p14:creationId xmlns:p14="http://schemas.microsoft.com/office/powerpoint/2010/main" val="3844208361"/>
       </p:ext>
     </p:extLst>
   </p:cSld>
